--- a/8. Graph Attention Networks.pptx
+++ b/8. Graph Attention Networks.pptx
@@ -11,27 +11,27 @@
     <p:sldId id="257" r:id="rId2"/>
     <p:sldId id="496" r:id="rId3"/>
     <p:sldId id="367" r:id="rId4"/>
-    <p:sldId id="464" r:id="rId5"/>
-    <p:sldId id="515" r:id="rId6"/>
-    <p:sldId id="499" r:id="rId7"/>
-    <p:sldId id="505" r:id="rId8"/>
-    <p:sldId id="519" r:id="rId9"/>
-    <p:sldId id="520" r:id="rId10"/>
-    <p:sldId id="509" r:id="rId11"/>
-    <p:sldId id="506" r:id="rId12"/>
-    <p:sldId id="516" r:id="rId13"/>
-    <p:sldId id="511" r:id="rId14"/>
-    <p:sldId id="517" r:id="rId15"/>
-    <p:sldId id="518" r:id="rId16"/>
-    <p:sldId id="521" r:id="rId17"/>
-    <p:sldId id="507" r:id="rId18"/>
-    <p:sldId id="503" r:id="rId19"/>
-    <p:sldId id="514" r:id="rId20"/>
-    <p:sldId id="508" r:id="rId21"/>
-    <p:sldId id="500" r:id="rId22"/>
-    <p:sldId id="377" r:id="rId23"/>
-    <p:sldId id="300" r:id="rId24"/>
-    <p:sldId id="501" r:id="rId25"/>
+    <p:sldId id="522" r:id="rId5"/>
+    <p:sldId id="464" r:id="rId6"/>
+    <p:sldId id="515" r:id="rId7"/>
+    <p:sldId id="499" r:id="rId8"/>
+    <p:sldId id="505" r:id="rId9"/>
+    <p:sldId id="519" r:id="rId10"/>
+    <p:sldId id="520" r:id="rId11"/>
+    <p:sldId id="509" r:id="rId12"/>
+    <p:sldId id="506" r:id="rId13"/>
+    <p:sldId id="516" r:id="rId14"/>
+    <p:sldId id="511" r:id="rId15"/>
+    <p:sldId id="517" r:id="rId16"/>
+    <p:sldId id="518" r:id="rId17"/>
+    <p:sldId id="521" r:id="rId18"/>
+    <p:sldId id="507" r:id="rId19"/>
+    <p:sldId id="503" r:id="rId20"/>
+    <p:sldId id="514" r:id="rId21"/>
+    <p:sldId id="508" r:id="rId22"/>
+    <p:sldId id="500" r:id="rId23"/>
+    <p:sldId id="377" r:id="rId24"/>
+    <p:sldId id="300" r:id="rId25"/>
   </p:sldIdLst>
   <p:sldSz cx="12192000" cy="6858000"/>
   <p:notesSz cx="6858000" cy="9144000"/>
@@ -138,6 +138,7 @@
             <p14:sldId id="257"/>
             <p14:sldId id="496"/>
             <p14:sldId id="367"/>
+            <p14:sldId id="522"/>
             <p14:sldId id="464"/>
             <p14:sldId id="515"/>
             <p14:sldId id="499"/>
@@ -158,7 +159,6 @@
             <p14:sldId id="500"/>
             <p14:sldId id="377"/>
             <p14:sldId id="300"/>
-            <p14:sldId id="501"/>
           </p14:sldIdLst>
         </p14:section>
       </p14:sectionLst>
@@ -859,7 +859,7 @@
           <a:p>
             <a:fld id="{9271DED1-4C91-4561-A99B-E6676363E223}" type="slidenum">
               <a:rPr lang="en-US" smtClean="0"/>
-              <a:t>19</a:t>
+              <a:t>20</a:t>
             </a:fld>
             <a:endParaRPr lang="en-US"/>
           </a:p>
@@ -946,7 +946,7 @@
           <a:p>
             <a:fld id="{9271DED1-4C91-4561-A99B-E6676363E223}" type="slidenum">
               <a:rPr lang="en-US" smtClean="0"/>
-              <a:t>20</a:t>
+              <a:t>21</a:t>
             </a:fld>
             <a:endParaRPr lang="en-US"/>
           </a:p>
@@ -1457,7 +1457,7 @@
           <a:p>
             <a:fld id="{9271DED1-4C91-4561-A99B-E6676363E223}" type="slidenum">
               <a:rPr lang="en-US" smtClean="0"/>
-              <a:t>7</a:t>
+              <a:t>8</a:t>
             </a:fld>
             <a:endParaRPr lang="en-US"/>
           </a:p>
@@ -1559,7 +1559,7 @@
           <a:p>
             <a:fld id="{9271DED1-4C91-4561-A99B-E6676363E223}" type="slidenum">
               <a:rPr lang="en-US" smtClean="0"/>
-              <a:t>10</a:t>
+              <a:t>11</a:t>
             </a:fld>
             <a:endParaRPr lang="en-US"/>
           </a:p>
@@ -1868,7 +1868,7 @@
           <a:p>
             <a:fld id="{9271DED1-4C91-4561-A99B-E6676363E223}" type="slidenum">
               <a:rPr lang="en-US" smtClean="0"/>
-              <a:t>13</a:t>
+              <a:t>14</a:t>
             </a:fld>
             <a:endParaRPr lang="en-US"/>
           </a:p>
@@ -2193,7 +2193,7 @@
           <a:p>
             <a:fld id="{9271DED1-4C91-4561-A99B-E6676363E223}" type="slidenum">
               <a:rPr lang="en-US" smtClean="0"/>
-              <a:t>14</a:t>
+              <a:t>15</a:t>
             </a:fld>
             <a:endParaRPr lang="en-US"/>
           </a:p>
@@ -2518,7 +2518,7 @@
           <a:p>
             <a:fld id="{9271DED1-4C91-4561-A99B-E6676363E223}" type="slidenum">
               <a:rPr lang="en-US" smtClean="0"/>
-              <a:t>15</a:t>
+              <a:t>16</a:t>
             </a:fld>
             <a:endParaRPr lang="en-US"/>
           </a:p>
@@ -2673,7 +2673,7 @@
           <a:p>
             <a:fld id="{9271DED1-4C91-4561-A99B-E6676363E223}" type="slidenum">
               <a:rPr lang="en-US" smtClean="0"/>
-              <a:t>16</a:t>
+              <a:t>17</a:t>
             </a:fld>
             <a:endParaRPr lang="en-US"/>
           </a:p>
@@ -2784,7 +2784,7 @@
           <a:p>
             <a:fld id="{9271DED1-4C91-4561-A99B-E6676363E223}" type="slidenum">
               <a:rPr lang="en-US" smtClean="0"/>
-              <a:t>17</a:t>
+              <a:t>18</a:t>
             </a:fld>
             <a:endParaRPr lang="en-US"/>
           </a:p>
@@ -11733,6 +11733,326 @@
           <p:cNvPr id="2" name="Title 1">
             <a:extLst>
               <a:ext uri="{FF2B5EF4-FFF2-40B4-BE49-F238E27FC236}">
+                <a16:creationId xmlns:a16="http://schemas.microsoft.com/office/drawing/2014/main" id="{8550E840-399B-471C-B449-3232C34C7B62}"/>
+              </a:ext>
+            </a:extLst>
+          </p:cNvPr>
+          <p:cNvSpPr>
+            <a:spLocks noGrp="1"/>
+          </p:cNvSpPr>
+          <p:nvPr>
+            <p:ph type="title"/>
+          </p:nvPr>
+        </p:nvSpPr>
+        <p:spPr/>
+        <p:txBody>
+          <a:bodyPr/>
+          <a:lstStyle/>
+          <a:p>
+            <a:r>
+              <a:rPr lang="en-US" dirty="0"/>
+              <a:t>Example</a:t>
+            </a:r>
+          </a:p>
+        </p:txBody>
+      </p:sp>
+      <p:sp>
+        <p:nvSpPr>
+          <p:cNvPr id="3" name="Content Placeholder 2">
+            <a:extLst>
+              <a:ext uri="{FF2B5EF4-FFF2-40B4-BE49-F238E27FC236}">
+                <a16:creationId xmlns:a16="http://schemas.microsoft.com/office/drawing/2014/main" id="{31E1FEF9-6232-4AAB-A761-DD309A111138}"/>
+              </a:ext>
+            </a:extLst>
+          </p:cNvPr>
+          <p:cNvSpPr>
+            <a:spLocks noGrp="1"/>
+          </p:cNvSpPr>
+          <p:nvPr>
+            <p:ph idx="1"/>
+          </p:nvPr>
+        </p:nvSpPr>
+        <p:spPr>
+          <a:xfrm>
+            <a:off x="478369" y="1213308"/>
+            <a:ext cx="11473384" cy="4797724"/>
+          </a:xfrm>
+        </p:spPr>
+        <p:txBody>
+          <a:bodyPr/>
+          <a:lstStyle/>
+          <a:p>
+            <a:r>
+              <a:rPr lang="en-US" dirty="0">
+                <a:latin typeface="Arial" panose="020B0604020202020204" pitchFamily="34" charset="0"/>
+              </a:rPr>
+              <a:t>Take three vectors (Query, Key, and Value) that embeddings of sentences</a:t>
+            </a:r>
+          </a:p>
+          <a:p>
+            <a:r>
+              <a:rPr lang="en-US" u="sng" dirty="0">
+                <a:effectLst/>
+                <a:latin typeface="Arial" panose="020B0604020202020204" pitchFamily="34" charset="0"/>
+              </a:rPr>
+              <a:t>Example</a:t>
+            </a:r>
+            <a:r>
+              <a:rPr lang="en-US" dirty="0">
+                <a:effectLst/>
+                <a:latin typeface="Arial" panose="020B0604020202020204" pitchFamily="34" charset="0"/>
+              </a:rPr>
+              <a:t>:</a:t>
+            </a:r>
+          </a:p>
+          <a:p>
+            <a:r>
+              <a:rPr lang="en-US" dirty="0">
+                <a:latin typeface="Arial" panose="020B0604020202020204" pitchFamily="34" charset="0"/>
+              </a:rPr>
+              <a:t>Query: </a:t>
+            </a:r>
+            <a:r>
+              <a:rPr lang="en-US" dirty="0" err="1">
+                <a:latin typeface="Arial" panose="020B0604020202020204" pitchFamily="34" charset="0"/>
+              </a:rPr>
+              <a:t>S</a:t>
+            </a:r>
+            <a:r>
+              <a:rPr lang="en-US" baseline="-25000" dirty="0" err="1">
+                <a:latin typeface="Arial" panose="020B0604020202020204" pitchFamily="34" charset="0"/>
+              </a:rPr>
+              <a:t>j</a:t>
+            </a:r>
+            <a:r>
+              <a:rPr lang="en-US" dirty="0">
+                <a:latin typeface="Arial" panose="020B0604020202020204" pitchFamily="34" charset="0"/>
+              </a:rPr>
+              <a:t> (a hidden vector for </a:t>
+            </a:r>
+            <a:r>
+              <a:rPr lang="en-US" dirty="0" err="1">
+                <a:latin typeface="Arial" panose="020B0604020202020204" pitchFamily="34" charset="0"/>
+              </a:rPr>
+              <a:t>i</a:t>
+            </a:r>
+            <a:r>
+              <a:rPr lang="en-US" baseline="30000" dirty="0" err="1">
+                <a:latin typeface="Arial" panose="020B0604020202020204" pitchFamily="34" charset="0"/>
+              </a:rPr>
+              <a:t>th</a:t>
+            </a:r>
+            <a:r>
+              <a:rPr lang="en-US" dirty="0">
+                <a:latin typeface="Arial" panose="020B0604020202020204" pitchFamily="34" charset="0"/>
+              </a:rPr>
+              <a:t> output word)</a:t>
+            </a:r>
+          </a:p>
+          <a:p>
+            <a:r>
+              <a:rPr lang="en-US" dirty="0">
+                <a:latin typeface="Arial" panose="020B0604020202020204" pitchFamily="34" charset="0"/>
+              </a:rPr>
+              <a:t>Key= </a:t>
+            </a:r>
+            <a:r>
+              <a:rPr lang="en-US" dirty="0" err="1">
+                <a:latin typeface="Arial" panose="020B0604020202020204" pitchFamily="34" charset="0"/>
+              </a:rPr>
+              <a:t>h</a:t>
+            </a:r>
+            <a:r>
+              <a:rPr lang="en-US" baseline="-25000" dirty="0" err="1">
+                <a:latin typeface="Arial" panose="020B0604020202020204" pitchFamily="34" charset="0"/>
+              </a:rPr>
+              <a:t>j</a:t>
+            </a:r>
+            <a:r>
+              <a:rPr lang="en-US" dirty="0">
+                <a:latin typeface="Arial" panose="020B0604020202020204" pitchFamily="34" charset="0"/>
+              </a:rPr>
+              <a:t> (a hidden vector for </a:t>
+            </a:r>
+            <a:r>
+              <a:rPr lang="en-US" dirty="0" err="1">
+                <a:latin typeface="Arial" panose="020B0604020202020204" pitchFamily="34" charset="0"/>
+              </a:rPr>
+              <a:t>j</a:t>
+            </a:r>
+            <a:r>
+              <a:rPr lang="en-US" baseline="30000" dirty="0" err="1">
+                <a:latin typeface="Arial" panose="020B0604020202020204" pitchFamily="34" charset="0"/>
+              </a:rPr>
+              <a:t>th</a:t>
+            </a:r>
+            <a:r>
+              <a:rPr lang="en-US" dirty="0">
+                <a:latin typeface="Arial" panose="020B0604020202020204" pitchFamily="34" charset="0"/>
+              </a:rPr>
+              <a:t> input word)</a:t>
+            </a:r>
+          </a:p>
+          <a:p>
+            <a:r>
+              <a:rPr lang="en-US" dirty="0">
+                <a:effectLst/>
+                <a:latin typeface="Arial" panose="020B0604020202020204" pitchFamily="34" charset="0"/>
+              </a:rPr>
+              <a:t>Value: </a:t>
+            </a:r>
+            <a:r>
+              <a:rPr lang="en-US" dirty="0" err="1">
+                <a:effectLst/>
+                <a:latin typeface="Arial" panose="020B0604020202020204" pitchFamily="34" charset="0"/>
+              </a:rPr>
+              <a:t>h</a:t>
+            </a:r>
+            <a:r>
+              <a:rPr lang="en-US" baseline="-25000" dirty="0" err="1">
+                <a:effectLst/>
+                <a:latin typeface="Arial" panose="020B0604020202020204" pitchFamily="34" charset="0"/>
+              </a:rPr>
+              <a:t>j</a:t>
+            </a:r>
+            <a:r>
+              <a:rPr lang="en-US" dirty="0">
+                <a:latin typeface="Arial" panose="020B0604020202020204" pitchFamily="34" charset="0"/>
+              </a:rPr>
+              <a:t> (a hidden vector for the </a:t>
+            </a:r>
+            <a:r>
+              <a:rPr lang="en-US" dirty="0" err="1">
+                <a:latin typeface="Arial" panose="020B0604020202020204" pitchFamily="34" charset="0"/>
+              </a:rPr>
+              <a:t>j</a:t>
+            </a:r>
+            <a:r>
+              <a:rPr lang="en-US" baseline="30000" dirty="0" err="1">
+                <a:latin typeface="Arial" panose="020B0604020202020204" pitchFamily="34" charset="0"/>
+              </a:rPr>
+              <a:t>th</a:t>
+            </a:r>
+            <a:r>
+              <a:rPr lang="en-US" dirty="0">
+                <a:latin typeface="Arial" panose="020B0604020202020204" pitchFamily="34" charset="0"/>
+              </a:rPr>
+              <a:t> input word)</a:t>
+            </a:r>
+          </a:p>
+          <a:p>
+            <a:endParaRPr lang="en-US" dirty="0">
+              <a:effectLst/>
+              <a:latin typeface="Arial" panose="020B0604020202020204" pitchFamily="34" charset="0"/>
+            </a:endParaRPr>
+          </a:p>
+          <a:p>
+            <a:r>
+              <a:rPr lang="en-US" b="1" dirty="0">
+                <a:latin typeface="Arial" panose="020B0604020202020204" pitchFamily="34" charset="0"/>
+              </a:rPr>
+              <a:t>Translation</a:t>
+            </a:r>
+          </a:p>
+          <a:p>
+            <a:r>
+              <a:rPr lang="en-US" dirty="0">
+                <a:latin typeface="Arial" panose="020B0604020202020204" pitchFamily="34" charset="0"/>
+              </a:rPr>
+              <a:t>The attention mechanism will allow me to decide which are the words that I am interested in translating next.</a:t>
+            </a:r>
+          </a:p>
+          <a:p>
+            <a:r>
+              <a:rPr lang="en-US" b="1" dirty="0" err="1">
+                <a:effectLst/>
+                <a:latin typeface="Arial" panose="020B0604020202020204" pitchFamily="34" charset="0"/>
+              </a:rPr>
+              <a:t>Question&amp;Answers</a:t>
+            </a:r>
+            <a:endParaRPr lang="en-US" b="1" dirty="0">
+              <a:effectLst/>
+              <a:latin typeface="Arial" panose="020B0604020202020204" pitchFamily="34" charset="0"/>
+            </a:endParaRPr>
+          </a:p>
+          <a:p>
+            <a:r>
+              <a:rPr lang="en-US" dirty="0">
+                <a:latin typeface="Arial" panose="020B0604020202020204" pitchFamily="34" charset="0"/>
+              </a:rPr>
+              <a:t>The attention mechanism allows to decide which answers should be match against a question</a:t>
+            </a:r>
+            <a:endParaRPr lang="en-US" dirty="0"/>
+          </a:p>
+          <a:p>
+            <a:endParaRPr lang="en-US" dirty="0"/>
+          </a:p>
+        </p:txBody>
+      </p:sp>
+      <p:sp>
+        <p:nvSpPr>
+          <p:cNvPr id="4" name="Slide Number Placeholder 3">
+            <a:extLst>
+              <a:ext uri="{FF2B5EF4-FFF2-40B4-BE49-F238E27FC236}">
+                <a16:creationId xmlns:a16="http://schemas.microsoft.com/office/drawing/2014/main" id="{953BCCAB-8529-4AA9-BF9C-8BBCCF7BC6BB}"/>
+              </a:ext>
+            </a:extLst>
+          </p:cNvPr>
+          <p:cNvSpPr>
+            <a:spLocks noGrp="1"/>
+          </p:cNvSpPr>
+          <p:nvPr>
+            <p:ph type="sldNum" sz="quarter" idx="12"/>
+          </p:nvPr>
+        </p:nvSpPr>
+        <p:spPr/>
+        <p:txBody>
+          <a:bodyPr/>
+          <a:lstStyle/>
+          <a:p>
+            <a:fld id="{81561042-0DC2-4A04-AA50-F6D44EB20EBA}" type="slidenum">
+              <a:rPr lang="en-US" smtClean="0"/>
+              <a:t>10</a:t>
+            </a:fld>
+            <a:endParaRPr lang="en-US"/>
+          </a:p>
+        </p:txBody>
+      </p:sp>
+    </p:spTree>
+    <p:extLst>
+      <p:ext uri="{BB962C8B-B14F-4D97-AF65-F5344CB8AC3E}">
+        <p14:creationId xmlns:p14="http://schemas.microsoft.com/office/powerpoint/2010/main" val="651013650"/>
+      </p:ext>
+    </p:extLst>
+  </p:cSld>
+  <p:clrMapOvr>
+    <a:masterClrMapping/>
+  </p:clrMapOvr>
+</p:sld>
+</file>
+
+<file path=ppt/slides/slide11.xml><?xml version="1.0" encoding="utf-8"?>
+<p:sld xmlns:a="http://schemas.openxmlformats.org/drawingml/2006/main" xmlns:r="http://schemas.openxmlformats.org/officeDocument/2006/relationships" xmlns:p="http://schemas.openxmlformats.org/presentationml/2006/main">
+  <p:cSld>
+    <p:spTree>
+      <p:nvGrpSpPr>
+        <p:cNvPr id="1" name=""/>
+        <p:cNvGrpSpPr/>
+        <p:nvPr/>
+      </p:nvGrpSpPr>
+      <p:grpSpPr>
+        <a:xfrm>
+          <a:off x="0" y="0"/>
+          <a:ext cx="0" cy="0"/>
+          <a:chOff x="0" y="0"/>
+          <a:chExt cx="0" cy="0"/>
+        </a:xfrm>
+      </p:grpSpPr>
+      <p:sp>
+        <p:nvSpPr>
+          <p:cNvPr id="2" name="Title 1">
+            <a:extLst>
+              <a:ext uri="{FF2B5EF4-FFF2-40B4-BE49-F238E27FC236}">
                 <a16:creationId xmlns:a16="http://schemas.microsoft.com/office/drawing/2014/main" id="{5065BD14-5B1A-4858-BC32-C5955AB87928}"/>
               </a:ext>
             </a:extLst>
@@ -11879,7 +12199,7 @@
               <a:rPr lang="en-US" dirty="0" err="1">
                 <a:latin typeface="Arial" panose="020B0604020202020204" pitchFamily="34" charset="0"/>
               </a:rPr>
-              <a:t>h</a:t>
+              <a:t>k</a:t>
             </a:r>
             <a:r>
               <a:rPr lang="en-US" baseline="-25000" dirty="0" err="1">
@@ -12008,7 +12328,7 @@
           <a:p>
             <a:fld id="{81561042-0DC2-4A04-AA50-F6D44EB20EBA}" type="slidenum">
               <a:rPr lang="en-US" smtClean="0"/>
-              <a:t>10</a:t>
+              <a:t>11</a:t>
             </a:fld>
             <a:endParaRPr lang="en-US"/>
           </a:p>
@@ -15810,7 +16130,7 @@
 </p:sld>
 </file>
 
-<file path=ppt/slides/slide11.xml><?xml version="1.0" encoding="utf-8"?>
+<file path=ppt/slides/slide12.xml><?xml version="1.0" encoding="utf-8"?>
 <p:sld xmlns:a="http://schemas.openxmlformats.org/drawingml/2006/main" xmlns:r="http://schemas.openxmlformats.org/officeDocument/2006/relationships" xmlns:p="http://schemas.openxmlformats.org/presentationml/2006/main">
   <p:cSld>
     <p:spTree>
@@ -16730,7 +17050,7 @@
           <a:p>
             <a:fld id="{81561042-0DC2-4A04-AA50-F6D44EB20EBA}" type="slidenum">
               <a:rPr lang="en-US" smtClean="0"/>
-              <a:t>11</a:t>
+              <a:t>12</a:t>
             </a:fld>
             <a:endParaRPr lang="en-US"/>
           </a:p>
@@ -16749,7 +17069,7 @@
 </p:sld>
 </file>
 
-<file path=ppt/slides/slide12.xml><?xml version="1.0" encoding="utf-8"?>
+<file path=ppt/slides/slide13.xml><?xml version="1.0" encoding="utf-8"?>
 <p:sld xmlns:a="http://schemas.openxmlformats.org/drawingml/2006/main" xmlns:r="http://schemas.openxmlformats.org/officeDocument/2006/relationships" xmlns:p="http://schemas.openxmlformats.org/presentationml/2006/main">
   <p:cSld>
     <p:spTree>
@@ -16816,7 +17136,7 @@
 </p:sld>
 </file>
 
-<file path=ppt/slides/slide13.xml><?xml version="1.0" encoding="utf-8"?>
+<file path=ppt/slides/slide14.xml><?xml version="1.0" encoding="utf-8"?>
 <p:sld xmlns:a="http://schemas.openxmlformats.org/drawingml/2006/main" xmlns:r="http://schemas.openxmlformats.org/officeDocument/2006/relationships" xmlns:p="http://schemas.openxmlformats.org/presentationml/2006/main">
   <p:cSld>
     <p:spTree>
@@ -17301,7 +17621,7 @@
           <a:p>
             <a:fld id="{81561042-0DC2-4A04-AA50-F6D44EB20EBA}" type="slidenum">
               <a:rPr lang="en-US" smtClean="0"/>
-              <a:t>13</a:t>
+              <a:t>14</a:t>
             </a:fld>
             <a:endParaRPr lang="en-US"/>
           </a:p>
@@ -17350,7 +17670,7 @@
 </p:sld>
 </file>
 
-<file path=ppt/slides/slide14.xml><?xml version="1.0" encoding="utf-8"?>
+<file path=ppt/slides/slide15.xml><?xml version="1.0" encoding="utf-8"?>
 <p:sld xmlns:a="http://schemas.openxmlformats.org/drawingml/2006/main" xmlns:r="http://schemas.openxmlformats.org/officeDocument/2006/relationships" xmlns:p="http://schemas.openxmlformats.org/presentationml/2006/main">
   <p:cSld>
     <p:spTree>
@@ -17499,7 +17819,7 @@
           <a:p>
             <a:fld id="{81561042-0DC2-4A04-AA50-F6D44EB20EBA}" type="slidenum">
               <a:rPr lang="en-US" smtClean="0"/>
-              <a:t>14</a:t>
+              <a:t>15</a:t>
             </a:fld>
             <a:endParaRPr lang="en-US"/>
           </a:p>
@@ -17800,7 +18120,7 @@
 </p:sld>
 </file>
 
-<file path=ppt/slides/slide15.xml><?xml version="1.0" encoding="utf-8"?>
+<file path=ppt/slides/slide16.xml><?xml version="1.0" encoding="utf-8"?>
 <p:sld xmlns:a="http://schemas.openxmlformats.org/drawingml/2006/main" xmlns:r="http://schemas.openxmlformats.org/officeDocument/2006/relationships" xmlns:p="http://schemas.openxmlformats.org/presentationml/2006/main">
   <p:cSld>
     <p:spTree>
@@ -17886,7 +18206,7 @@
           <a:p>
             <a:fld id="{81561042-0DC2-4A04-AA50-F6D44EB20EBA}" type="slidenum">
               <a:rPr lang="en-US" smtClean="0"/>
-              <a:t>15</a:t>
+              <a:t>16</a:t>
             </a:fld>
             <a:endParaRPr lang="en-US"/>
           </a:p>
@@ -18771,7 +19091,7 @@
 </p:sld>
 </file>
 
-<file path=ppt/slides/slide16.xml><?xml version="1.0" encoding="utf-8"?>
+<file path=ppt/slides/slide17.xml><?xml version="1.0" encoding="utf-8"?>
 <p:sld xmlns:a="http://schemas.openxmlformats.org/drawingml/2006/main" xmlns:r="http://schemas.openxmlformats.org/officeDocument/2006/relationships" xmlns:p="http://schemas.openxmlformats.org/presentationml/2006/main">
   <p:cSld>
     <p:spTree>
@@ -18847,7 +19167,7 @@
           <a:p>
             <a:fld id="{81561042-0DC2-4A04-AA50-F6D44EB20EBA}" type="slidenum">
               <a:rPr lang="en-US" smtClean="0"/>
-              <a:t>16</a:t>
+              <a:t>17</a:t>
             </a:fld>
             <a:endParaRPr lang="en-US"/>
           </a:p>
@@ -18956,207 +19276,6 @@
 </p:sld>
 </file>
 
-<file path=ppt/slides/slide17.xml><?xml version="1.0" encoding="utf-8"?>
-<p:sld xmlns:a="http://schemas.openxmlformats.org/drawingml/2006/main" xmlns:r="http://schemas.openxmlformats.org/officeDocument/2006/relationships" xmlns:p="http://schemas.openxmlformats.org/presentationml/2006/main">
-  <p:cSld>
-    <p:spTree>
-      <p:nvGrpSpPr>
-        <p:cNvPr id="1" name=""/>
-        <p:cNvGrpSpPr/>
-        <p:nvPr/>
-      </p:nvGrpSpPr>
-      <p:grpSpPr>
-        <a:xfrm>
-          <a:off x="0" y="0"/>
-          <a:ext cx="0" cy="0"/>
-          <a:chOff x="0" y="0"/>
-          <a:chExt cx="0" cy="0"/>
-        </a:xfrm>
-      </p:grpSpPr>
-      <p:sp>
-        <p:nvSpPr>
-          <p:cNvPr id="2" name="Title 1">
-            <a:extLst>
-              <a:ext uri="{FF2B5EF4-FFF2-40B4-BE49-F238E27FC236}">
-                <a16:creationId xmlns:a16="http://schemas.microsoft.com/office/drawing/2014/main" id="{19345CC0-604C-482A-B56F-66BC63F2F685}"/>
-              </a:ext>
-            </a:extLst>
-          </p:cNvPr>
-          <p:cNvSpPr>
-            <a:spLocks noGrp="1"/>
-          </p:cNvSpPr>
-          <p:nvPr>
-            <p:ph type="title"/>
-          </p:nvPr>
-        </p:nvSpPr>
-        <p:spPr/>
-        <p:txBody>
-          <a:bodyPr/>
-          <a:lstStyle/>
-          <a:p>
-            <a:r>
-              <a:rPr lang="en-US" dirty="0"/>
-              <a:t>Examples of source code</a:t>
-            </a:r>
-          </a:p>
-        </p:txBody>
-      </p:sp>
-      <p:sp>
-        <p:nvSpPr>
-          <p:cNvPr id="3" name="Content Placeholder 2">
-            <a:extLst>
-              <a:ext uri="{FF2B5EF4-FFF2-40B4-BE49-F238E27FC236}">
-                <a16:creationId xmlns:a16="http://schemas.microsoft.com/office/drawing/2014/main" id="{430BAF5F-92D1-49AA-8FA5-0CE9F07F446B}"/>
-              </a:ext>
-            </a:extLst>
-          </p:cNvPr>
-          <p:cNvSpPr>
-            <a:spLocks noGrp="1"/>
-          </p:cNvSpPr>
-          <p:nvPr>
-            <p:ph idx="1"/>
-          </p:nvPr>
-        </p:nvSpPr>
-        <p:spPr>
-          <a:xfrm>
-            <a:off x="478369" y="1213308"/>
-            <a:ext cx="11473384" cy="2797176"/>
-          </a:xfrm>
-        </p:spPr>
-        <p:txBody>
-          <a:bodyPr/>
-          <a:lstStyle/>
-          <a:p>
-            <a:r>
-              <a:rPr lang="en-US" dirty="0"/>
-              <a:t>DGL library based on </a:t>
-            </a:r>
-            <a:r>
-              <a:rPr lang="en-US" dirty="0" err="1"/>
-              <a:t>PyTorch</a:t>
-            </a:r>
-            <a:endParaRPr lang="en-US" dirty="0"/>
-          </a:p>
-          <a:p>
-            <a:pPr marL="584194" lvl="1" indent="-342900">
-              <a:buFont typeface="Arial" panose="020B0604020202020204" pitchFamily="34" charset="0"/>
-              <a:buChar char="•"/>
-            </a:pPr>
-            <a:r>
-              <a:rPr lang="en-US" dirty="0">
-                <a:hlinkClick r:id="rId3"/>
-              </a:rPr>
-              <a:t>https://docs.dgl.ai/en/0.4.x/tutorials/models/1_gnn/9_gat.html</a:t>
-            </a:r>
-            <a:endParaRPr lang="en-US" dirty="0"/>
-          </a:p>
-          <a:p>
-            <a:endParaRPr lang="en-US" dirty="0"/>
-          </a:p>
-          <a:p>
-            <a:r>
-              <a:rPr lang="en-US" dirty="0"/>
-              <a:t>Implementations with TensorFlow</a:t>
-            </a:r>
-          </a:p>
-          <a:p>
-            <a:pPr marL="927094" lvl="1" indent="-342900" fontAlgn="ctr">
-              <a:spcBef>
-                <a:spcPts val="0"/>
-              </a:spcBef>
-              <a:spcAft>
-                <a:spcPts val="0"/>
-              </a:spcAft>
-              <a:buFont typeface="Arial" panose="020B0604020202020204" pitchFamily="34" charset="0"/>
-              <a:buChar char="•"/>
-            </a:pPr>
-            <a:r>
-              <a:rPr lang="en-US" sz="2000" dirty="0">
-                <a:effectLst/>
-                <a:latin typeface="Calibri" panose="020F0502020204030204" pitchFamily="34" charset="0"/>
-                <a:hlinkClick r:id="rId4"/>
-              </a:rPr>
-              <a:t>https://github.com/PetarV-/GAT/blob/master/models/base_gattn.py</a:t>
-            </a:r>
-            <a:r>
-              <a:rPr lang="en-US" sz="2000" dirty="0">
-                <a:effectLst/>
-                <a:latin typeface="Calibri" panose="020F0502020204030204" pitchFamily="34" charset="0"/>
-              </a:rPr>
-              <a:t> </a:t>
-            </a:r>
-          </a:p>
-          <a:p>
-            <a:pPr marL="927094" lvl="1" indent="-342900" fontAlgn="ctr">
-              <a:spcBef>
-                <a:spcPts val="0"/>
-              </a:spcBef>
-              <a:spcAft>
-                <a:spcPts val="0"/>
-              </a:spcAft>
-              <a:buFont typeface="Arial" panose="020B0604020202020204" pitchFamily="34" charset="0"/>
-              <a:buChar char="•"/>
-            </a:pPr>
-            <a:r>
-              <a:rPr lang="en-US" sz="2000" dirty="0">
-                <a:effectLst/>
-                <a:latin typeface="Calibri" panose="020F0502020204030204" pitchFamily="34" charset="0"/>
-                <a:hlinkClick r:id="rId5"/>
-              </a:rPr>
-              <a:t>https://github.com/Diego999/pyGAT/blob/master/layers.py</a:t>
-            </a:r>
-            <a:endParaRPr lang="en-US" sz="2000" dirty="0">
-              <a:effectLst/>
-              <a:latin typeface="Calibri" panose="020F0502020204030204" pitchFamily="34" charset="0"/>
-            </a:endParaRPr>
-          </a:p>
-          <a:p>
-            <a:endParaRPr lang="en-US" dirty="0"/>
-          </a:p>
-        </p:txBody>
-      </p:sp>
-      <p:sp>
-        <p:nvSpPr>
-          <p:cNvPr id="4" name="Slide Number Placeholder 3">
-            <a:extLst>
-              <a:ext uri="{FF2B5EF4-FFF2-40B4-BE49-F238E27FC236}">
-                <a16:creationId xmlns:a16="http://schemas.microsoft.com/office/drawing/2014/main" id="{A15C1B9C-2B17-48CD-8EB5-93D5B8E156AD}"/>
-              </a:ext>
-            </a:extLst>
-          </p:cNvPr>
-          <p:cNvSpPr>
-            <a:spLocks noGrp="1"/>
-          </p:cNvSpPr>
-          <p:nvPr>
-            <p:ph type="sldNum" sz="quarter" idx="12"/>
-          </p:nvPr>
-        </p:nvSpPr>
-        <p:spPr/>
-        <p:txBody>
-          <a:bodyPr/>
-          <a:lstStyle/>
-          <a:p>
-            <a:fld id="{81561042-0DC2-4A04-AA50-F6D44EB20EBA}" type="slidenum">
-              <a:rPr lang="en-US" smtClean="0"/>
-              <a:t>17</a:t>
-            </a:fld>
-            <a:endParaRPr lang="en-US"/>
-          </a:p>
-        </p:txBody>
-      </p:sp>
-    </p:spTree>
-    <p:extLst>
-      <p:ext uri="{BB962C8B-B14F-4D97-AF65-F5344CB8AC3E}">
-        <p14:creationId xmlns:p14="http://schemas.microsoft.com/office/powerpoint/2010/main" val="4229714651"/>
-      </p:ext>
-    </p:extLst>
-  </p:cSld>
-  <p:clrMapOvr>
-    <a:masterClrMapping/>
-  </p:clrMapOvr>
-</p:sld>
-</file>
-
 <file path=ppt/slides/slide18.xml><?xml version="1.0" encoding="utf-8"?>
 <p:sld xmlns:a="http://schemas.openxmlformats.org/drawingml/2006/main" xmlns:r="http://schemas.openxmlformats.org/officeDocument/2006/relationships" xmlns:p="http://schemas.openxmlformats.org/presentationml/2006/main">
   <p:cSld>
@@ -19176,10 +19295,10 @@
       </p:grpSpPr>
       <p:sp>
         <p:nvSpPr>
-          <p:cNvPr id="4" name="Title 3">
+          <p:cNvPr id="2" name="Title 1">
             <a:extLst>
               <a:ext uri="{FF2B5EF4-FFF2-40B4-BE49-F238E27FC236}">
-                <a16:creationId xmlns:a16="http://schemas.microsoft.com/office/drawing/2014/main" id="{E7EBB6C5-1871-444B-AD84-356DE1BC2905}"/>
+                <a16:creationId xmlns:a16="http://schemas.microsoft.com/office/drawing/2014/main" id="{19345CC0-604C-482A-B56F-66BC63F2F685}"/>
               </a:ext>
             </a:extLst>
           </p:cNvPr>
@@ -19187,15 +19306,42 @@
             <a:spLocks noGrp="1"/>
           </p:cNvSpPr>
           <p:nvPr>
-            <p:ph type="ctrTitle"/>
+            <p:ph type="title"/>
+          </p:nvPr>
+        </p:nvSpPr>
+        <p:spPr/>
+        <p:txBody>
+          <a:bodyPr/>
+          <a:lstStyle/>
+          <a:p>
+            <a:r>
+              <a:rPr lang="en-US" dirty="0"/>
+              <a:t>Examples of source code</a:t>
+            </a:r>
+          </a:p>
+        </p:txBody>
+      </p:sp>
+      <p:sp>
+        <p:nvSpPr>
+          <p:cNvPr id="3" name="Content Placeholder 2">
+            <a:extLst>
+              <a:ext uri="{FF2B5EF4-FFF2-40B4-BE49-F238E27FC236}">
+                <a16:creationId xmlns:a16="http://schemas.microsoft.com/office/drawing/2014/main" id="{430BAF5F-92D1-49AA-8FA5-0CE9F07F446B}"/>
+              </a:ext>
+            </a:extLst>
+          </p:cNvPr>
+          <p:cNvSpPr>
+            <a:spLocks noGrp="1"/>
+          </p:cNvSpPr>
+          <p:nvPr>
+            <p:ph idx="1"/>
           </p:nvPr>
         </p:nvSpPr>
         <p:spPr>
           <a:xfrm>
-            <a:off x="478368" y="4656578"/>
-            <a:ext cx="11228913" cy="1001364"/>
+            <a:off x="478369" y="1213308"/>
+            <a:ext cx="11473384" cy="2797176"/>
           </a:xfrm>
-          <a:noFill/>
         </p:spPr>
         <p:txBody>
           <a:bodyPr/>
@@ -19203,24 +19349,131 @@
           <a:p>
             <a:r>
               <a:rPr lang="en-US" dirty="0"/>
-              <a:t>Attention in Transformer Networks</a:t>
-            </a:r>
+              <a:t>DGL library based on </a:t>
+            </a:r>
+            <a:r>
+              <a:rPr lang="en-US" dirty="0" err="1"/>
+              <a:t>PyTorch</a:t>
+            </a:r>
+            <a:endParaRPr lang="en-US" dirty="0"/>
+          </a:p>
+          <a:p>
+            <a:pPr marL="584194" lvl="1" indent="-342900">
+              <a:buFont typeface="Arial" panose="020B0604020202020204" pitchFamily="34" charset="0"/>
+              <a:buChar char="•"/>
+            </a:pPr>
+            <a:r>
+              <a:rPr lang="en-US" dirty="0">
+                <a:hlinkClick r:id="rId3"/>
+              </a:rPr>
+              <a:t>https://docs.dgl.ai/en/0.4.x/tutorials/models/1_gnn/9_gat.html</a:t>
+            </a:r>
+            <a:endParaRPr lang="en-US" dirty="0"/>
+          </a:p>
+          <a:p>
+            <a:endParaRPr lang="en-US" dirty="0"/>
+          </a:p>
+          <a:p>
+            <a:r>
+              <a:rPr lang="en-US" dirty="0"/>
+              <a:t>Implementations with TensorFlow</a:t>
+            </a:r>
+          </a:p>
+          <a:p>
+            <a:pPr marL="927094" lvl="1" indent="-342900" fontAlgn="ctr">
+              <a:spcBef>
+                <a:spcPts val="0"/>
+              </a:spcBef>
+              <a:spcAft>
+                <a:spcPts val="0"/>
+              </a:spcAft>
+              <a:buFont typeface="Arial" panose="020B0604020202020204" pitchFamily="34" charset="0"/>
+              <a:buChar char="•"/>
+            </a:pPr>
+            <a:r>
+              <a:rPr lang="en-US" sz="2000" dirty="0">
+                <a:effectLst/>
+                <a:latin typeface="Calibri" panose="020F0502020204030204" pitchFamily="34" charset="0"/>
+                <a:hlinkClick r:id="rId4"/>
+              </a:rPr>
+              <a:t>https://github.com/PetarV-/GAT/blob/master/models/base_gattn.py</a:t>
+            </a:r>
+            <a:r>
+              <a:rPr lang="en-US" sz="2000" dirty="0">
+                <a:effectLst/>
+                <a:latin typeface="Calibri" panose="020F0502020204030204" pitchFamily="34" charset="0"/>
+              </a:rPr>
+              <a:t> </a:t>
+            </a:r>
+          </a:p>
+          <a:p>
+            <a:pPr marL="927094" lvl="1" indent="-342900" fontAlgn="ctr">
+              <a:spcBef>
+                <a:spcPts val="0"/>
+              </a:spcBef>
+              <a:spcAft>
+                <a:spcPts val="0"/>
+              </a:spcAft>
+              <a:buFont typeface="Arial" panose="020B0604020202020204" pitchFamily="34" charset="0"/>
+              <a:buChar char="•"/>
+            </a:pPr>
+            <a:r>
+              <a:rPr lang="en-US" sz="2000" dirty="0">
+                <a:effectLst/>
+                <a:latin typeface="Calibri" panose="020F0502020204030204" pitchFamily="34" charset="0"/>
+                <a:hlinkClick r:id="rId5"/>
+              </a:rPr>
+              <a:t>https://github.com/Diego999/pyGAT/blob/master/layers.py</a:t>
+            </a:r>
+            <a:endParaRPr lang="en-US" sz="2000" dirty="0">
+              <a:effectLst/>
+              <a:latin typeface="Calibri" panose="020F0502020204030204" pitchFamily="34" charset="0"/>
+            </a:endParaRPr>
+          </a:p>
+          <a:p>
+            <a:endParaRPr lang="en-US" dirty="0"/>
+          </a:p>
+        </p:txBody>
+      </p:sp>
+      <p:sp>
+        <p:nvSpPr>
+          <p:cNvPr id="4" name="Slide Number Placeholder 3">
+            <a:extLst>
+              <a:ext uri="{FF2B5EF4-FFF2-40B4-BE49-F238E27FC236}">
+                <a16:creationId xmlns:a16="http://schemas.microsoft.com/office/drawing/2014/main" id="{A15C1B9C-2B17-48CD-8EB5-93D5B8E156AD}"/>
+              </a:ext>
+            </a:extLst>
+          </p:cNvPr>
+          <p:cNvSpPr>
+            <a:spLocks noGrp="1"/>
+          </p:cNvSpPr>
+          <p:nvPr>
+            <p:ph type="sldNum" sz="quarter" idx="12"/>
+          </p:nvPr>
+        </p:nvSpPr>
+        <p:spPr/>
+        <p:txBody>
+          <a:bodyPr/>
+          <a:lstStyle/>
+          <a:p>
+            <a:fld id="{81561042-0DC2-4A04-AA50-F6D44EB20EBA}" type="slidenum">
+              <a:rPr lang="en-US" smtClean="0"/>
+              <a:t>18</a:t>
+            </a:fld>
+            <a:endParaRPr lang="en-US"/>
           </a:p>
         </p:txBody>
       </p:sp>
     </p:spTree>
     <p:extLst>
       <p:ext uri="{BB962C8B-B14F-4D97-AF65-F5344CB8AC3E}">
-        <p14:creationId xmlns:p14="http://schemas.microsoft.com/office/powerpoint/2010/main" val="1982826851"/>
+        <p14:creationId xmlns:p14="http://schemas.microsoft.com/office/powerpoint/2010/main" val="4229714651"/>
       </p:ext>
     </p:extLst>
   </p:cSld>
   <p:clrMapOvr>
     <a:masterClrMapping/>
   </p:clrMapOvr>
-  <p:transition spd="slow">
-    <p:wipe dir="d"/>
-  </p:transition>
 </p:sld>
 </file>
 
@@ -19243,10 +19496,10 @@
       </p:grpSpPr>
       <p:sp>
         <p:nvSpPr>
-          <p:cNvPr id="2" name="Title 1">
+          <p:cNvPr id="4" name="Title 3">
             <a:extLst>
               <a:ext uri="{FF2B5EF4-FFF2-40B4-BE49-F238E27FC236}">
-                <a16:creationId xmlns:a16="http://schemas.microsoft.com/office/drawing/2014/main" id="{6BAD1A5E-52E8-4107-84A8-60750D90848D}"/>
+                <a16:creationId xmlns:a16="http://schemas.microsoft.com/office/drawing/2014/main" id="{E7EBB6C5-1871-444B-AD84-356DE1BC2905}"/>
               </a:ext>
             </a:extLst>
           </p:cNvPr>
@@ -19254,413 +19507,40 @@
             <a:spLocks noGrp="1"/>
           </p:cNvSpPr>
           <p:nvPr>
-            <p:ph type="title"/>
+            <p:ph type="ctrTitle"/>
           </p:nvPr>
         </p:nvSpPr>
-        <p:spPr/>
+        <p:spPr>
+          <a:xfrm>
+            <a:off x="478368" y="4656578"/>
+            <a:ext cx="11228913" cy="1001364"/>
+          </a:xfrm>
+          <a:noFill/>
+        </p:spPr>
         <p:txBody>
           <a:bodyPr/>
           <a:lstStyle/>
           <a:p>
             <a:r>
               <a:rPr lang="en-US" dirty="0"/>
-              <a:t>Motivation for Transformer Networks</a:t>
-            </a:r>
-          </a:p>
-        </p:txBody>
-      </p:sp>
-      <p:sp>
-        <p:nvSpPr>
-          <p:cNvPr id="3" name="Content Placeholder 2">
-            <a:extLst>
-              <a:ext uri="{FF2B5EF4-FFF2-40B4-BE49-F238E27FC236}">
-                <a16:creationId xmlns:a16="http://schemas.microsoft.com/office/drawing/2014/main" id="{EDA68B48-5819-4D1B-96A7-A850A1EF0652}"/>
-              </a:ext>
-            </a:extLst>
-          </p:cNvPr>
-          <p:cNvSpPr>
-            <a:spLocks noGrp="1"/>
-          </p:cNvSpPr>
-          <p:nvPr>
-            <p:ph idx="1"/>
-          </p:nvPr>
-        </p:nvSpPr>
-        <p:spPr>
-          <a:xfrm>
-            <a:off x="478369" y="1021720"/>
-            <a:ext cx="11473384" cy="5514330"/>
-          </a:xfrm>
-        </p:spPr>
-        <p:txBody>
-          <a:bodyPr/>
-          <a:lstStyle/>
-          <a:p>
-            <a:pPr marL="0" marR="0">
-              <a:spcBef>
-                <a:spcPts val="0"/>
-              </a:spcBef>
-              <a:spcAft>
-                <a:spcPts val="0"/>
-              </a:spcAft>
-            </a:pPr>
-            <a:r>
-              <a:rPr lang="en-US" sz="1800" dirty="0">
-                <a:effectLst/>
-                <a:latin typeface="Calibri" panose="020F0502020204030204" pitchFamily="34" charset="0"/>
-              </a:rPr>
-              <a:t>Performance: Faster, More Scalable, more Interpretable</a:t>
-            </a:r>
-          </a:p>
-          <a:p>
-            <a:pPr marL="285750" marR="0" indent="-285750">
-              <a:spcBef>
-                <a:spcPts val="0"/>
-              </a:spcBef>
-              <a:spcAft>
-                <a:spcPts val="0"/>
-              </a:spcAft>
-              <a:buFont typeface="Arial" panose="020B0604020202020204" pitchFamily="34" charset="0"/>
-              <a:buChar char="•"/>
-            </a:pPr>
-            <a:r>
-              <a:rPr lang="en-US" sz="1800" dirty="0">
-                <a:effectLst/>
-                <a:latin typeface="Calibri" panose="020F0502020204030204" pitchFamily="34" charset="0"/>
-              </a:rPr>
-              <a:t>Unlike RNN, training can be completely parallelized across sequence timesteps</a:t>
-            </a:r>
-          </a:p>
-          <a:p>
-            <a:pPr marL="0" marR="0">
-              <a:spcBef>
-                <a:spcPts val="0"/>
-              </a:spcBef>
-              <a:spcAft>
-                <a:spcPts val="0"/>
-              </a:spcAft>
-            </a:pPr>
-            <a:r>
-              <a:rPr lang="en-US" sz="1800" dirty="0">
-                <a:effectLst/>
-                <a:latin typeface="Calibri" panose="020F0502020204030204" pitchFamily="34" charset="0"/>
-              </a:rPr>
-              <a:t> </a:t>
-            </a:r>
-          </a:p>
-          <a:p>
-            <a:pPr marL="0" marR="0">
-              <a:spcBef>
-                <a:spcPts val="0"/>
-              </a:spcBef>
-              <a:spcAft>
-                <a:spcPts val="0"/>
-              </a:spcAft>
-            </a:pPr>
-            <a:r>
-              <a:rPr lang="en-US" sz="1800" dirty="0">
-                <a:effectLst/>
-                <a:latin typeface="Calibri" panose="020F0502020204030204" pitchFamily="34" charset="0"/>
-              </a:rPr>
-              <a:t>How it achieves it? It is Attention to the extreme</a:t>
-            </a:r>
-          </a:p>
-          <a:p>
-            <a:pPr marL="0" marR="0">
-              <a:spcBef>
-                <a:spcPts val="0"/>
-              </a:spcBef>
-              <a:spcAft>
-                <a:spcPts val="0"/>
-              </a:spcAft>
-            </a:pPr>
-            <a:r>
-              <a:rPr lang="en-US" sz="1800" dirty="0">
-                <a:effectLst/>
-                <a:latin typeface="Calibri" panose="020F0502020204030204" pitchFamily="34" charset="0"/>
-              </a:rPr>
-              <a:t>Examples of </a:t>
-            </a:r>
-            <a:r>
-              <a:rPr lang="en-US" sz="1800" dirty="0" err="1">
-                <a:effectLst/>
-                <a:latin typeface="Calibri" panose="020F0502020204030204" pitchFamily="34" charset="0"/>
-              </a:rPr>
-              <a:t>SotA</a:t>
-            </a:r>
-            <a:r>
-              <a:rPr lang="en-US" sz="1800" dirty="0">
-                <a:effectLst/>
-                <a:latin typeface="Calibri" panose="020F0502020204030204" pitchFamily="34" charset="0"/>
-              </a:rPr>
-              <a:t> in sequence-related tasks:</a:t>
-            </a:r>
-          </a:p>
-          <a:p>
-            <a:pPr marL="285750" marR="0" indent="-285750">
-              <a:spcBef>
-                <a:spcPts val="0"/>
-              </a:spcBef>
-              <a:spcAft>
-                <a:spcPts val="0"/>
-              </a:spcAft>
-              <a:buFont typeface="Arial" panose="020B0604020202020204" pitchFamily="34" charset="0"/>
-              <a:buChar char="•"/>
-            </a:pPr>
-            <a:r>
-              <a:rPr lang="en-US" sz="1800" dirty="0">
-                <a:effectLst/>
-                <a:latin typeface="Calibri" panose="020F0502020204030204" pitchFamily="34" charset="0"/>
-              </a:rPr>
-              <a:t>BERT</a:t>
-            </a:r>
-          </a:p>
-          <a:p>
-            <a:pPr marL="285750" marR="0" indent="-285750">
-              <a:spcBef>
-                <a:spcPts val="0"/>
-              </a:spcBef>
-              <a:spcAft>
-                <a:spcPts val="0"/>
-              </a:spcAft>
-              <a:buFont typeface="Arial" panose="020B0604020202020204" pitchFamily="34" charset="0"/>
-              <a:buChar char="•"/>
-            </a:pPr>
-            <a:r>
-              <a:rPr lang="en-US" sz="1800" dirty="0">
-                <a:effectLst/>
-                <a:latin typeface="Calibri" panose="020F0502020204030204" pitchFamily="34" charset="0"/>
-              </a:rPr>
-              <a:t>GPT, GPT2, GPT3</a:t>
-            </a:r>
-          </a:p>
-          <a:p>
-            <a:pPr marL="285750" marR="0" indent="-285750">
-              <a:spcBef>
-                <a:spcPts val="0"/>
-              </a:spcBef>
-              <a:spcAft>
-                <a:spcPts val="0"/>
-              </a:spcAft>
-              <a:buFont typeface="Arial" panose="020B0604020202020204" pitchFamily="34" charset="0"/>
-              <a:buChar char="•"/>
-            </a:pPr>
-            <a:r>
-              <a:rPr lang="en-US" sz="1800" dirty="0" err="1">
-                <a:effectLst/>
-                <a:latin typeface="Calibri" panose="020F0502020204030204" pitchFamily="34" charset="0"/>
-              </a:rPr>
-              <a:t>TranformerTransfo</a:t>
-            </a:r>
-            <a:endParaRPr lang="en-US" sz="1800" dirty="0">
-              <a:effectLst/>
-              <a:latin typeface="Calibri" panose="020F0502020204030204" pitchFamily="34" charset="0"/>
-            </a:endParaRPr>
-          </a:p>
-          <a:p>
-            <a:pPr marL="285750" marR="0" indent="-285750">
-              <a:spcBef>
-                <a:spcPts val="0"/>
-              </a:spcBef>
-              <a:spcAft>
-                <a:spcPts val="0"/>
-              </a:spcAft>
-              <a:buFont typeface="Arial" panose="020B0604020202020204" pitchFamily="34" charset="0"/>
-              <a:buChar char="•"/>
-            </a:pPr>
-            <a:r>
-              <a:rPr lang="en-US" sz="1800" dirty="0">
-                <a:effectLst/>
-                <a:latin typeface="Calibri" panose="020F0502020204030204" pitchFamily="34" charset="0"/>
-              </a:rPr>
-              <a:t>Transformer-XL</a:t>
-            </a:r>
-          </a:p>
-          <a:p>
-            <a:pPr marL="0" marR="0">
-              <a:spcBef>
-                <a:spcPts val="0"/>
-              </a:spcBef>
-              <a:spcAft>
-                <a:spcPts val="0"/>
-              </a:spcAft>
-            </a:pPr>
-            <a:r>
-              <a:rPr lang="en-US" sz="1800" dirty="0">
-                <a:effectLst/>
-                <a:latin typeface="Calibri" panose="020F0502020204030204" pitchFamily="34" charset="0"/>
-              </a:rPr>
-              <a:t> </a:t>
-            </a:r>
-          </a:p>
-          <a:p>
-            <a:pPr marL="0" marR="0">
-              <a:spcBef>
-                <a:spcPts val="0"/>
-              </a:spcBef>
-              <a:spcAft>
-                <a:spcPts val="0"/>
-              </a:spcAft>
-            </a:pPr>
-            <a:r>
-              <a:rPr lang="en-US" sz="1800" dirty="0">
-                <a:effectLst/>
-                <a:latin typeface="Calibri" panose="020F0502020204030204" pitchFamily="34" charset="0"/>
-              </a:rPr>
-              <a:t>Why is it important? Foundation for many pioneering work:</a:t>
-            </a:r>
-          </a:p>
-          <a:p>
-            <a:pPr marL="285750" marR="0" indent="-285750">
-              <a:spcBef>
-                <a:spcPts val="0"/>
-              </a:spcBef>
-              <a:spcAft>
-                <a:spcPts val="0"/>
-              </a:spcAft>
-              <a:buFont typeface="Arial" panose="020B0604020202020204" pitchFamily="34" charset="0"/>
-              <a:buChar char="•"/>
-            </a:pPr>
-            <a:r>
-              <a:rPr lang="en-US" sz="1800" dirty="0">
-                <a:effectLst/>
-                <a:latin typeface="Calibri" panose="020F0502020204030204" pitchFamily="34" charset="0"/>
-              </a:rPr>
-              <a:t>Image Transformer: </a:t>
-            </a:r>
-            <a:r>
-              <a:rPr lang="en-US" sz="1600" dirty="0">
-                <a:effectLst/>
-                <a:latin typeface="Arial" panose="020B0604020202020204" pitchFamily="34" charset="0"/>
-              </a:rPr>
-              <a:t>increase the size of images tha</a:t>
-            </a:r>
-            <a:r>
-              <a:rPr lang="en-US" sz="1600" dirty="0">
-                <a:latin typeface="Arial" panose="020B0604020202020204" pitchFamily="34" charset="0"/>
-              </a:rPr>
-              <a:t>t can be processed</a:t>
-            </a:r>
-            <a:r>
-              <a:rPr lang="en-US" sz="1600" dirty="0">
-                <a:effectLst/>
-                <a:latin typeface="Arial" panose="020B0604020202020204" pitchFamily="34" charset="0"/>
-              </a:rPr>
-              <a:t> </a:t>
-            </a:r>
-            <a:r>
-              <a:rPr lang="en-US" sz="1800" dirty="0">
-                <a:effectLst/>
-                <a:latin typeface="Calibri" panose="020F0502020204030204" pitchFamily="34" charset="0"/>
-              </a:rPr>
-              <a:t>(https://arxiv.org/abs/1802.05751)</a:t>
-            </a:r>
-          </a:p>
-          <a:p>
-            <a:pPr marL="285750" marR="0" indent="-285750">
-              <a:spcBef>
-                <a:spcPts val="0"/>
-              </a:spcBef>
-              <a:spcAft>
-                <a:spcPts val="0"/>
-              </a:spcAft>
-              <a:buFont typeface="Arial" panose="020B0604020202020204" pitchFamily="34" charset="0"/>
-              <a:buChar char="•"/>
-            </a:pPr>
-            <a:r>
-              <a:rPr lang="en-US" sz="1800" dirty="0">
-                <a:effectLst/>
-                <a:latin typeface="Calibri" panose="020F0502020204030204" pitchFamily="34" charset="0"/>
-              </a:rPr>
-              <a:t>Self-Attention </a:t>
-            </a:r>
-            <a:r>
-              <a:rPr lang="en-US" sz="1800" dirty="0" err="1">
-                <a:effectLst/>
-                <a:latin typeface="Calibri" panose="020F0502020204030204" pitchFamily="34" charset="0"/>
-              </a:rPr>
-              <a:t>CycleGAN</a:t>
-            </a:r>
-            <a:r>
-              <a:rPr lang="en-US" sz="1800" dirty="0">
-                <a:latin typeface="Calibri" panose="020F0502020204030204" pitchFamily="34" charset="0"/>
-              </a:rPr>
-              <a:t>: </a:t>
-            </a:r>
-            <a:r>
-              <a:rPr lang="en-US" sz="1800" dirty="0">
-                <a:effectLst/>
-                <a:latin typeface="Calibri" panose="020F0502020204030204" pitchFamily="34" charset="0"/>
-              </a:rPr>
-              <a:t>Unpaired Image-to-Image Translation (https://junyanz.github.io/CycleGAN/)</a:t>
-            </a:r>
-          </a:p>
-          <a:p>
-            <a:pPr marL="285750" marR="0" indent="-285750">
-              <a:spcBef>
-                <a:spcPts val="0"/>
-              </a:spcBef>
-              <a:spcAft>
-                <a:spcPts val="0"/>
-              </a:spcAft>
-              <a:buFont typeface="Arial" panose="020B0604020202020204" pitchFamily="34" charset="0"/>
-              <a:buChar char="•"/>
-            </a:pPr>
-            <a:r>
-              <a:rPr lang="en-US" sz="1800" dirty="0" err="1">
-                <a:effectLst/>
-                <a:latin typeface="Calibri" panose="020F0502020204030204" pitchFamily="34" charset="0"/>
-              </a:rPr>
-              <a:t>AlphaStar</a:t>
-            </a:r>
-            <a:r>
-              <a:rPr lang="en-US" sz="1800" dirty="0">
-                <a:effectLst/>
-                <a:latin typeface="Calibri" panose="020F0502020204030204" pitchFamily="34" charset="0"/>
-              </a:rPr>
-              <a:t>: Grandmaster level in StarCraft II using multi-agent reinforcement learning (https://deepmind.com/blog/article/AlphaStar-Grandmaster-level-in-StarCraft-II-using-multi-agent-reinforcement-learning)</a:t>
-            </a:r>
-          </a:p>
-        </p:txBody>
-      </p:sp>
-      <p:sp>
-        <p:nvSpPr>
-          <p:cNvPr id="4" name="Slide Number Placeholder 3">
-            <a:extLst>
-              <a:ext uri="{FF2B5EF4-FFF2-40B4-BE49-F238E27FC236}">
-                <a16:creationId xmlns:a16="http://schemas.microsoft.com/office/drawing/2014/main" id="{4B3DBCC8-ED52-45AF-BF87-FA7D887A5BCB}"/>
-              </a:ext>
-            </a:extLst>
-          </p:cNvPr>
-          <p:cNvSpPr>
-            <a:spLocks noGrp="1"/>
-          </p:cNvSpPr>
-          <p:nvPr>
-            <p:ph type="sldNum" sz="quarter" idx="12"/>
-          </p:nvPr>
-        </p:nvSpPr>
-        <p:spPr/>
-        <p:txBody>
-          <a:bodyPr/>
-          <a:lstStyle/>
-          <a:p>
-            <a:fld id="{81561042-0DC2-4A04-AA50-F6D44EB20EBA}" type="slidenum">
-              <a:rPr lang="en-US" smtClean="0"/>
-              <a:t>19</a:t>
-            </a:fld>
-            <a:endParaRPr lang="en-US"/>
+              <a:t>Attention in Transformer Networks</a:t>
+            </a:r>
           </a:p>
         </p:txBody>
       </p:sp>
     </p:spTree>
     <p:extLst>
       <p:ext uri="{BB962C8B-B14F-4D97-AF65-F5344CB8AC3E}">
-        <p14:creationId xmlns:p14="http://schemas.microsoft.com/office/powerpoint/2010/main" val="830043399"/>
+        <p14:creationId xmlns:p14="http://schemas.microsoft.com/office/powerpoint/2010/main" val="1982826851"/>
       </p:ext>
     </p:extLst>
   </p:cSld>
   <p:clrMapOvr>
     <a:masterClrMapping/>
   </p:clrMapOvr>
+  <p:transition spd="slow">
+    <p:wipe dir="d"/>
+  </p:transition>
 </p:sld>
 </file>
 
@@ -20464,6 +20344,446 @@
           <a:chExt cx="0" cy="0"/>
         </a:xfrm>
       </p:grpSpPr>
+      <p:sp>
+        <p:nvSpPr>
+          <p:cNvPr id="2" name="Title 1">
+            <a:extLst>
+              <a:ext uri="{FF2B5EF4-FFF2-40B4-BE49-F238E27FC236}">
+                <a16:creationId xmlns:a16="http://schemas.microsoft.com/office/drawing/2014/main" id="{6BAD1A5E-52E8-4107-84A8-60750D90848D}"/>
+              </a:ext>
+            </a:extLst>
+          </p:cNvPr>
+          <p:cNvSpPr>
+            <a:spLocks noGrp="1"/>
+          </p:cNvSpPr>
+          <p:nvPr>
+            <p:ph type="title"/>
+          </p:nvPr>
+        </p:nvSpPr>
+        <p:spPr/>
+        <p:txBody>
+          <a:bodyPr/>
+          <a:lstStyle/>
+          <a:p>
+            <a:r>
+              <a:rPr lang="en-US" dirty="0"/>
+              <a:t>Motivation for Transformer Networks</a:t>
+            </a:r>
+          </a:p>
+        </p:txBody>
+      </p:sp>
+      <p:sp>
+        <p:nvSpPr>
+          <p:cNvPr id="3" name="Content Placeholder 2">
+            <a:extLst>
+              <a:ext uri="{FF2B5EF4-FFF2-40B4-BE49-F238E27FC236}">
+                <a16:creationId xmlns:a16="http://schemas.microsoft.com/office/drawing/2014/main" id="{EDA68B48-5819-4D1B-96A7-A850A1EF0652}"/>
+              </a:ext>
+            </a:extLst>
+          </p:cNvPr>
+          <p:cNvSpPr>
+            <a:spLocks noGrp="1"/>
+          </p:cNvSpPr>
+          <p:nvPr>
+            <p:ph idx="1"/>
+          </p:nvPr>
+        </p:nvSpPr>
+        <p:spPr>
+          <a:xfrm>
+            <a:off x="478369" y="1021720"/>
+            <a:ext cx="11473384" cy="5514330"/>
+          </a:xfrm>
+        </p:spPr>
+        <p:txBody>
+          <a:bodyPr/>
+          <a:lstStyle/>
+          <a:p>
+            <a:pPr marL="0" marR="0">
+              <a:spcBef>
+                <a:spcPts val="0"/>
+              </a:spcBef>
+              <a:spcAft>
+                <a:spcPts val="0"/>
+              </a:spcAft>
+            </a:pPr>
+            <a:r>
+              <a:rPr lang="en-US" sz="1800" dirty="0">
+                <a:effectLst/>
+                <a:latin typeface="Calibri" panose="020F0502020204030204" pitchFamily="34" charset="0"/>
+              </a:rPr>
+              <a:t>Performance: Faster, More Scalable, more Interpretable</a:t>
+            </a:r>
+          </a:p>
+          <a:p>
+            <a:pPr marL="285750" marR="0" indent="-285750">
+              <a:spcBef>
+                <a:spcPts val="0"/>
+              </a:spcBef>
+              <a:spcAft>
+                <a:spcPts val="0"/>
+              </a:spcAft>
+              <a:buFont typeface="Arial" panose="020B0604020202020204" pitchFamily="34" charset="0"/>
+              <a:buChar char="•"/>
+            </a:pPr>
+            <a:r>
+              <a:rPr lang="en-US" sz="1800" dirty="0">
+                <a:effectLst/>
+                <a:latin typeface="Calibri" panose="020F0502020204030204" pitchFamily="34" charset="0"/>
+              </a:rPr>
+              <a:t>Unlike RNN, training can be completely parallelized across sequence timesteps</a:t>
+            </a:r>
+          </a:p>
+          <a:p>
+            <a:pPr marL="0" marR="0">
+              <a:spcBef>
+                <a:spcPts val="0"/>
+              </a:spcBef>
+              <a:spcAft>
+                <a:spcPts val="0"/>
+              </a:spcAft>
+            </a:pPr>
+            <a:r>
+              <a:rPr lang="en-US" sz="1800" dirty="0">
+                <a:effectLst/>
+                <a:latin typeface="Calibri" panose="020F0502020204030204" pitchFamily="34" charset="0"/>
+              </a:rPr>
+              <a:t> </a:t>
+            </a:r>
+          </a:p>
+          <a:p>
+            <a:pPr marL="0" marR="0">
+              <a:spcBef>
+                <a:spcPts val="0"/>
+              </a:spcBef>
+              <a:spcAft>
+                <a:spcPts val="0"/>
+              </a:spcAft>
+            </a:pPr>
+            <a:r>
+              <a:rPr lang="en-US" sz="1800" dirty="0">
+                <a:effectLst/>
+                <a:latin typeface="Calibri" panose="020F0502020204030204" pitchFamily="34" charset="0"/>
+              </a:rPr>
+              <a:t>How it achieves it? It is Attention to the extreme</a:t>
+            </a:r>
+          </a:p>
+          <a:p>
+            <a:pPr marL="0" marR="0">
+              <a:spcBef>
+                <a:spcPts val="0"/>
+              </a:spcBef>
+              <a:spcAft>
+                <a:spcPts val="0"/>
+              </a:spcAft>
+            </a:pPr>
+            <a:r>
+              <a:rPr lang="en-US" sz="1800" dirty="0">
+                <a:effectLst/>
+                <a:latin typeface="Calibri" panose="020F0502020204030204" pitchFamily="34" charset="0"/>
+              </a:rPr>
+              <a:t>Examples of </a:t>
+            </a:r>
+            <a:r>
+              <a:rPr lang="en-US" sz="1800" dirty="0" err="1">
+                <a:effectLst/>
+                <a:latin typeface="Calibri" panose="020F0502020204030204" pitchFamily="34" charset="0"/>
+              </a:rPr>
+              <a:t>SotA</a:t>
+            </a:r>
+            <a:r>
+              <a:rPr lang="en-US" sz="1800" dirty="0">
+                <a:effectLst/>
+                <a:latin typeface="Calibri" panose="020F0502020204030204" pitchFamily="34" charset="0"/>
+              </a:rPr>
+              <a:t> in sequence-related tasks:</a:t>
+            </a:r>
+          </a:p>
+          <a:p>
+            <a:pPr marL="285750" marR="0" indent="-285750">
+              <a:spcBef>
+                <a:spcPts val="0"/>
+              </a:spcBef>
+              <a:spcAft>
+                <a:spcPts val="0"/>
+              </a:spcAft>
+              <a:buFont typeface="Arial" panose="020B0604020202020204" pitchFamily="34" charset="0"/>
+              <a:buChar char="•"/>
+            </a:pPr>
+            <a:r>
+              <a:rPr lang="en-US" sz="1800" dirty="0">
+                <a:effectLst/>
+                <a:latin typeface="Calibri" panose="020F0502020204030204" pitchFamily="34" charset="0"/>
+              </a:rPr>
+              <a:t>BERT</a:t>
+            </a:r>
+          </a:p>
+          <a:p>
+            <a:pPr marL="285750" marR="0" indent="-285750">
+              <a:spcBef>
+                <a:spcPts val="0"/>
+              </a:spcBef>
+              <a:spcAft>
+                <a:spcPts val="0"/>
+              </a:spcAft>
+              <a:buFont typeface="Arial" panose="020B0604020202020204" pitchFamily="34" charset="0"/>
+              <a:buChar char="•"/>
+            </a:pPr>
+            <a:r>
+              <a:rPr lang="en-US" sz="1800" dirty="0">
+                <a:effectLst/>
+                <a:latin typeface="Calibri" panose="020F0502020204030204" pitchFamily="34" charset="0"/>
+              </a:rPr>
+              <a:t>GPT, GPT2, GPT3</a:t>
+            </a:r>
+          </a:p>
+          <a:p>
+            <a:pPr marL="285750" marR="0" indent="-285750">
+              <a:spcBef>
+                <a:spcPts val="0"/>
+              </a:spcBef>
+              <a:spcAft>
+                <a:spcPts val="0"/>
+              </a:spcAft>
+              <a:buFont typeface="Arial" panose="020B0604020202020204" pitchFamily="34" charset="0"/>
+              <a:buChar char="•"/>
+            </a:pPr>
+            <a:r>
+              <a:rPr lang="en-US" sz="1800" dirty="0" err="1">
+                <a:effectLst/>
+                <a:latin typeface="Calibri" panose="020F0502020204030204" pitchFamily="34" charset="0"/>
+              </a:rPr>
+              <a:t>TranformerTransfo</a:t>
+            </a:r>
+            <a:endParaRPr lang="en-US" sz="1800" dirty="0">
+              <a:effectLst/>
+              <a:latin typeface="Calibri" panose="020F0502020204030204" pitchFamily="34" charset="0"/>
+            </a:endParaRPr>
+          </a:p>
+          <a:p>
+            <a:pPr marL="285750" marR="0" indent="-285750">
+              <a:spcBef>
+                <a:spcPts val="0"/>
+              </a:spcBef>
+              <a:spcAft>
+                <a:spcPts val="0"/>
+              </a:spcAft>
+              <a:buFont typeface="Arial" panose="020B0604020202020204" pitchFamily="34" charset="0"/>
+              <a:buChar char="•"/>
+            </a:pPr>
+            <a:r>
+              <a:rPr lang="en-US" sz="1800" dirty="0">
+                <a:effectLst/>
+                <a:latin typeface="Calibri" panose="020F0502020204030204" pitchFamily="34" charset="0"/>
+              </a:rPr>
+              <a:t>Transformer-XL</a:t>
+            </a:r>
+          </a:p>
+          <a:p>
+            <a:pPr marL="0" marR="0">
+              <a:spcBef>
+                <a:spcPts val="0"/>
+              </a:spcBef>
+              <a:spcAft>
+                <a:spcPts val="0"/>
+              </a:spcAft>
+            </a:pPr>
+            <a:r>
+              <a:rPr lang="en-US" sz="1800" dirty="0">
+                <a:effectLst/>
+                <a:latin typeface="Calibri" panose="020F0502020204030204" pitchFamily="34" charset="0"/>
+              </a:rPr>
+              <a:t> </a:t>
+            </a:r>
+          </a:p>
+          <a:p>
+            <a:pPr marL="0" marR="0">
+              <a:spcBef>
+                <a:spcPts val="0"/>
+              </a:spcBef>
+              <a:spcAft>
+                <a:spcPts val="0"/>
+              </a:spcAft>
+            </a:pPr>
+            <a:r>
+              <a:rPr lang="en-US" sz="1800" dirty="0">
+                <a:effectLst/>
+                <a:latin typeface="Calibri" panose="020F0502020204030204" pitchFamily="34" charset="0"/>
+              </a:rPr>
+              <a:t>Why is it important? Foundation for many pioneering work:</a:t>
+            </a:r>
+          </a:p>
+          <a:p>
+            <a:pPr marL="285750" marR="0" indent="-285750">
+              <a:spcBef>
+                <a:spcPts val="0"/>
+              </a:spcBef>
+              <a:spcAft>
+                <a:spcPts val="0"/>
+              </a:spcAft>
+              <a:buFont typeface="Arial" panose="020B0604020202020204" pitchFamily="34" charset="0"/>
+              <a:buChar char="•"/>
+            </a:pPr>
+            <a:r>
+              <a:rPr lang="en-US" sz="1800" dirty="0">
+                <a:effectLst/>
+                <a:latin typeface="Calibri" panose="020F0502020204030204" pitchFamily="34" charset="0"/>
+              </a:rPr>
+              <a:t>Image Transformer: </a:t>
+            </a:r>
+            <a:r>
+              <a:rPr lang="en-US" sz="1600" dirty="0">
+                <a:effectLst/>
+                <a:latin typeface="Arial" panose="020B0604020202020204" pitchFamily="34" charset="0"/>
+              </a:rPr>
+              <a:t>increase the size of images tha</a:t>
+            </a:r>
+            <a:r>
+              <a:rPr lang="en-US" sz="1600" dirty="0">
+                <a:latin typeface="Arial" panose="020B0604020202020204" pitchFamily="34" charset="0"/>
+              </a:rPr>
+              <a:t>t can be processed</a:t>
+            </a:r>
+            <a:r>
+              <a:rPr lang="en-US" sz="1600" dirty="0">
+                <a:effectLst/>
+                <a:latin typeface="Arial" panose="020B0604020202020204" pitchFamily="34" charset="0"/>
+              </a:rPr>
+              <a:t> </a:t>
+            </a:r>
+            <a:r>
+              <a:rPr lang="en-US" sz="1800" dirty="0">
+                <a:effectLst/>
+                <a:latin typeface="Calibri" panose="020F0502020204030204" pitchFamily="34" charset="0"/>
+              </a:rPr>
+              <a:t>(https://arxiv.org/abs/1802.05751)</a:t>
+            </a:r>
+          </a:p>
+          <a:p>
+            <a:pPr marL="285750" marR="0" indent="-285750">
+              <a:spcBef>
+                <a:spcPts val="0"/>
+              </a:spcBef>
+              <a:spcAft>
+                <a:spcPts val="0"/>
+              </a:spcAft>
+              <a:buFont typeface="Arial" panose="020B0604020202020204" pitchFamily="34" charset="0"/>
+              <a:buChar char="•"/>
+            </a:pPr>
+            <a:r>
+              <a:rPr lang="en-US" sz="1800" dirty="0">
+                <a:effectLst/>
+                <a:latin typeface="Calibri" panose="020F0502020204030204" pitchFamily="34" charset="0"/>
+              </a:rPr>
+              <a:t>Self-Attention </a:t>
+            </a:r>
+            <a:r>
+              <a:rPr lang="en-US" sz="1800" dirty="0" err="1">
+                <a:effectLst/>
+                <a:latin typeface="Calibri" panose="020F0502020204030204" pitchFamily="34" charset="0"/>
+              </a:rPr>
+              <a:t>CycleGAN</a:t>
+            </a:r>
+            <a:r>
+              <a:rPr lang="en-US" sz="1800" dirty="0">
+                <a:latin typeface="Calibri" panose="020F0502020204030204" pitchFamily="34" charset="0"/>
+              </a:rPr>
+              <a:t>: </a:t>
+            </a:r>
+            <a:r>
+              <a:rPr lang="en-US" sz="1800" dirty="0">
+                <a:effectLst/>
+                <a:latin typeface="Calibri" panose="020F0502020204030204" pitchFamily="34" charset="0"/>
+              </a:rPr>
+              <a:t>Unpaired Image-to-Image Translation (https://junyanz.github.io/CycleGAN/)</a:t>
+            </a:r>
+          </a:p>
+          <a:p>
+            <a:pPr marL="285750" marR="0" indent="-285750">
+              <a:spcBef>
+                <a:spcPts val="0"/>
+              </a:spcBef>
+              <a:spcAft>
+                <a:spcPts val="0"/>
+              </a:spcAft>
+              <a:buFont typeface="Arial" panose="020B0604020202020204" pitchFamily="34" charset="0"/>
+              <a:buChar char="•"/>
+            </a:pPr>
+            <a:r>
+              <a:rPr lang="en-US" sz="1800" dirty="0" err="1">
+                <a:effectLst/>
+                <a:latin typeface="Calibri" panose="020F0502020204030204" pitchFamily="34" charset="0"/>
+              </a:rPr>
+              <a:t>AlphaStar</a:t>
+            </a:r>
+            <a:r>
+              <a:rPr lang="en-US" sz="1800" dirty="0">
+                <a:effectLst/>
+                <a:latin typeface="Calibri" panose="020F0502020204030204" pitchFamily="34" charset="0"/>
+              </a:rPr>
+              <a:t>: Grandmaster level in StarCraft II using multi-agent reinforcement learning (https://deepmind.com/blog/article/AlphaStar-Grandmaster-level-in-StarCraft-II-using-multi-agent-reinforcement-learning)</a:t>
+            </a:r>
+          </a:p>
+        </p:txBody>
+      </p:sp>
+      <p:sp>
+        <p:nvSpPr>
+          <p:cNvPr id="4" name="Slide Number Placeholder 3">
+            <a:extLst>
+              <a:ext uri="{FF2B5EF4-FFF2-40B4-BE49-F238E27FC236}">
+                <a16:creationId xmlns:a16="http://schemas.microsoft.com/office/drawing/2014/main" id="{4B3DBCC8-ED52-45AF-BF87-FA7D887A5BCB}"/>
+              </a:ext>
+            </a:extLst>
+          </p:cNvPr>
+          <p:cNvSpPr>
+            <a:spLocks noGrp="1"/>
+          </p:cNvSpPr>
+          <p:nvPr>
+            <p:ph type="sldNum" sz="quarter" idx="12"/>
+          </p:nvPr>
+        </p:nvSpPr>
+        <p:spPr/>
+        <p:txBody>
+          <a:bodyPr/>
+          <a:lstStyle/>
+          <a:p>
+            <a:fld id="{81561042-0DC2-4A04-AA50-F6D44EB20EBA}" type="slidenum">
+              <a:rPr lang="en-US" smtClean="0"/>
+              <a:t>20</a:t>
+            </a:fld>
+            <a:endParaRPr lang="en-US"/>
+          </a:p>
+        </p:txBody>
+      </p:sp>
+    </p:spTree>
+    <p:extLst>
+      <p:ext uri="{BB962C8B-B14F-4D97-AF65-F5344CB8AC3E}">
+        <p14:creationId xmlns:p14="http://schemas.microsoft.com/office/powerpoint/2010/main" val="830043399"/>
+      </p:ext>
+    </p:extLst>
+  </p:cSld>
+  <p:clrMapOvr>
+    <a:masterClrMapping/>
+  </p:clrMapOvr>
+</p:sld>
+</file>
+
+<file path=ppt/slides/slide21.xml><?xml version="1.0" encoding="utf-8"?>
+<p:sld xmlns:a="http://schemas.openxmlformats.org/drawingml/2006/main" xmlns:r="http://schemas.openxmlformats.org/officeDocument/2006/relationships" xmlns:p="http://schemas.openxmlformats.org/presentationml/2006/main">
+  <p:cSld>
+    <p:spTree>
+      <p:nvGrpSpPr>
+        <p:cNvPr id="1" name=""/>
+        <p:cNvGrpSpPr/>
+        <p:nvPr/>
+      </p:nvGrpSpPr>
+      <p:grpSpPr>
+        <a:xfrm>
+          <a:off x="0" y="0"/>
+          <a:ext cx="0" cy="0"/>
+          <a:chOff x="0" y="0"/>
+          <a:chExt cx="0" cy="0"/>
+        </a:xfrm>
+      </p:grpSpPr>
       <p:pic>
         <p:nvPicPr>
           <p:cNvPr id="1026" name="Picture 2" descr="Machine generated alternative text:&#10;Add &amp; Norm &#10;Feed &#10;Forward &#10;Add &amp; Norm &#10;Multi-Head &#10;Attention &#10;Positional &#10;Encoding &#10;Input &#10;Embedding &#10;Inputs &#10;Output &#10;Probabilities &#10;Softmax &#10;Linear &#10;Add &amp; Norm &#10;Feed &#10;Forward &#10;Add &amp; Norm &#10;Multi-Head &#10;Attention &#10;Add &amp; Norm &#10;Masked &#10;Multi-Head &#10;Positional &#10;Encoding &#10;Output &#10;Embedding &#10;Outputs &#10;(shifted right) ">
@@ -20493,8 +20813,8 @@
         </p:blipFill>
         <p:spPr bwMode="auto">
           <a:xfrm>
-            <a:off x="3991087" y="813771"/>
-            <a:ext cx="4249828" cy="5933826"/>
+            <a:off x="3648490" y="792025"/>
+            <a:ext cx="4036581" cy="5636080"/>
           </a:xfrm>
           <a:prstGeom prst="rect">
             <a:avLst/>
@@ -20563,7 +20883,7 @@
         </p:nvSpPr>
         <p:spPr bwMode="gray">
           <a:xfrm>
-            <a:off x="8186058" y="3780684"/>
+            <a:off x="7554054" y="3280396"/>
             <a:ext cx="3911486" cy="2785579"/>
           </a:xfrm>
           <a:prstGeom prst="roundRect">
@@ -20635,14 +20955,19 @@
             <p:ph type="sldNum" sz="quarter" idx="12"/>
           </p:nvPr>
         </p:nvSpPr>
-        <p:spPr/>
+        <p:spPr>
+          <a:xfrm>
+            <a:off x="10548003" y="5944446"/>
+            <a:ext cx="771750" cy="260792"/>
+          </a:xfrm>
+        </p:spPr>
         <p:txBody>
           <a:bodyPr/>
           <a:lstStyle/>
           <a:p>
             <a:fld id="{81561042-0DC2-4A04-AA50-F6D44EB20EBA}" type="slidenum">
               <a:rPr lang="en-US" smtClean="0"/>
-              <a:t>20</a:t>
+              <a:t>21</a:t>
             </a:fld>
             <a:endParaRPr lang="en-US"/>
           </a:p>
@@ -20662,7 +20987,7 @@
         </p:nvSpPr>
         <p:spPr bwMode="gray">
           <a:xfrm>
-            <a:off x="8358277" y="3902298"/>
+            <a:off x="7726274" y="3359939"/>
             <a:ext cx="3400246" cy="1077218"/>
           </a:xfrm>
           <a:prstGeom prst="rect">
@@ -20701,7 +21026,7 @@
         </p:nvSpPr>
         <p:spPr bwMode="gray">
           <a:xfrm>
-            <a:off x="8276950" y="2828985"/>
+            <a:off x="7644947" y="2286626"/>
             <a:ext cx="3764280" cy="830997"/>
           </a:xfrm>
           <a:prstGeom prst="rect">
@@ -20740,7 +21065,7 @@
         </p:nvSpPr>
         <p:spPr bwMode="gray">
           <a:xfrm>
-            <a:off x="590006" y="4476095"/>
+            <a:off x="358444" y="4291280"/>
             <a:ext cx="2754085" cy="1323439"/>
           </a:xfrm>
           <a:prstGeom prst="rect">
@@ -20779,7 +21104,7 @@
         </p:nvSpPr>
         <p:spPr bwMode="gray">
           <a:xfrm>
-            <a:off x="1730527" y="6390545"/>
+            <a:off x="1257677" y="5905321"/>
             <a:ext cx="3537857" cy="338554"/>
           </a:xfrm>
           <a:prstGeom prst="rect">
@@ -20814,7 +21139,7 @@
         </p:nvSpPr>
         <p:spPr bwMode="gray">
           <a:xfrm>
-            <a:off x="542947" y="2828985"/>
+            <a:off x="311385" y="2644170"/>
             <a:ext cx="3788205" cy="1569660"/>
           </a:xfrm>
           <a:prstGeom prst="rect">
@@ -20861,7 +21186,7 @@
         </p:nvSpPr>
         <p:spPr bwMode="gray">
           <a:xfrm>
-            <a:off x="4195331" y="2101573"/>
+            <a:off x="3671429" y="2082763"/>
             <a:ext cx="1995352" cy="584775"/>
           </a:xfrm>
           <a:prstGeom prst="rect">
@@ -20959,7 +21284,7 @@
         </p:blipFill>
         <p:spPr>
           <a:xfrm>
-            <a:off x="8344447" y="4946819"/>
+            <a:off x="7712444" y="4404460"/>
             <a:ext cx="3594707" cy="703406"/>
           </a:xfrm>
           <a:prstGeom prst="rect">
@@ -20981,7 +21306,7 @@
         </p:nvSpPr>
         <p:spPr bwMode="gray">
           <a:xfrm>
-            <a:off x="590006" y="1640444"/>
+            <a:off x="358444" y="1455629"/>
             <a:ext cx="3685641" cy="830997"/>
           </a:xfrm>
           <a:prstGeom prst="rect">
@@ -21028,7 +21353,7 @@
         </p:blipFill>
         <p:spPr>
           <a:xfrm>
-            <a:off x="8344446" y="5632761"/>
+            <a:off x="7712443" y="5090402"/>
             <a:ext cx="3607309" cy="746014"/>
           </a:xfrm>
           <a:prstGeom prst="rect">
@@ -21036,6 +21361,187 @@
           </a:prstGeom>
         </p:spPr>
       </p:pic>
+      <p:sp>
+        <p:nvSpPr>
+          <p:cNvPr id="27" name="TextBox 26">
+            <a:extLst>
+              <a:ext uri="{FF2B5EF4-FFF2-40B4-BE49-F238E27FC236}">
+                <a16:creationId xmlns:a16="http://schemas.microsoft.com/office/drawing/2014/main" id="{08C16F12-3059-4AB2-9A01-224278ED3B0E}"/>
+              </a:ext>
+            </a:extLst>
+          </p:cNvPr>
+          <p:cNvSpPr txBox="1"/>
+          <p:nvPr/>
+        </p:nvSpPr>
+        <p:spPr bwMode="gray">
+          <a:xfrm>
+            <a:off x="6231973" y="6347560"/>
+            <a:ext cx="4318285" cy="523220"/>
+          </a:xfrm>
+          <a:prstGeom prst="rect">
+            <a:avLst/>
+          </a:prstGeom>
+          <a:noFill/>
+        </p:spPr>
+        <p:txBody>
+          <a:bodyPr wrap="square">
+            <a:spAutoFit/>
+          </a:bodyPr>
+          <a:lstStyle/>
+          <a:p>
+            <a:r>
+              <a:rPr lang="en-US" sz="1400" dirty="0"/>
+              <a:t>Partially translated sentence is fed to the bottom of decoder at each decoding step [1] </a:t>
+            </a:r>
+          </a:p>
+        </p:txBody>
+      </p:sp>
+      <p:sp>
+        <p:nvSpPr>
+          <p:cNvPr id="29" name="TextBox 28">
+            <a:extLst>
+              <a:ext uri="{FF2B5EF4-FFF2-40B4-BE49-F238E27FC236}">
+                <a16:creationId xmlns:a16="http://schemas.microsoft.com/office/drawing/2014/main" id="{C13D4F58-816D-4566-8525-ADDC5C03E5B7}"/>
+              </a:ext>
+            </a:extLst>
+          </p:cNvPr>
+          <p:cNvSpPr txBox="1"/>
+          <p:nvPr/>
+        </p:nvSpPr>
+        <p:spPr bwMode="gray">
+          <a:xfrm>
+            <a:off x="94456" y="6566263"/>
+            <a:ext cx="5572325" cy="276999"/>
+          </a:xfrm>
+          <a:prstGeom prst="rect">
+            <a:avLst/>
+          </a:prstGeom>
+          <a:noFill/>
+        </p:spPr>
+        <p:txBody>
+          <a:bodyPr wrap="square">
+            <a:spAutoFit/>
+          </a:bodyPr>
+          <a:lstStyle/>
+          <a:p>
+            <a:r>
+              <a:rPr lang="en-US" sz="1200" dirty="0"/>
+              <a:t>[1] http://jalammar.github.io/images/t/transformer_decoding_2.gif</a:t>
+            </a:r>
+          </a:p>
+        </p:txBody>
+      </p:sp>
+      <p:cxnSp>
+        <p:nvCxnSpPr>
+          <p:cNvPr id="30" name="Connector: Elbow 29">
+            <a:extLst>
+              <a:ext uri="{FF2B5EF4-FFF2-40B4-BE49-F238E27FC236}">
+                <a16:creationId xmlns:a16="http://schemas.microsoft.com/office/drawing/2014/main" id="{F3D2DFA9-8AA4-4EF1-9ECF-A9EF7E763081}"/>
+              </a:ext>
+            </a:extLst>
+          </p:cNvPr>
+          <p:cNvCxnSpPr>
+            <a:cxnSpLocks/>
+            <a:stCxn id="31" idx="3"/>
+            <a:endCxn id="27" idx="0"/>
+          </p:cNvCxnSpPr>
+          <p:nvPr/>
+        </p:nvCxnSpPr>
+        <p:spPr bwMode="gray">
+          <a:xfrm>
+            <a:off x="6644640" y="6150614"/>
+            <a:ext cx="1746476" cy="196946"/>
+          </a:xfrm>
+          <a:prstGeom prst="bentConnector2">
+            <a:avLst/>
+          </a:prstGeom>
+          <a:ln>
+            <a:solidFill>
+              <a:schemeClr val="accent1"/>
+            </a:solidFill>
+            <a:tailEnd type="triangle"/>
+          </a:ln>
+        </p:spPr>
+        <p:style>
+          <a:lnRef idx="1">
+            <a:schemeClr val="accent1"/>
+          </a:lnRef>
+          <a:fillRef idx="0">
+            <a:schemeClr val="accent1"/>
+          </a:fillRef>
+          <a:effectRef idx="0">
+            <a:schemeClr val="accent1"/>
+          </a:effectRef>
+          <a:fontRef idx="minor">
+            <a:schemeClr val="tx1"/>
+          </a:fontRef>
+        </p:style>
+      </p:cxnSp>
+      <p:sp>
+        <p:nvSpPr>
+          <p:cNvPr id="31" name="Rectangle 30">
+            <a:extLst>
+              <a:ext uri="{FF2B5EF4-FFF2-40B4-BE49-F238E27FC236}">
+                <a16:creationId xmlns:a16="http://schemas.microsoft.com/office/drawing/2014/main" id="{3C4FF185-C827-4D16-9214-B32EC908A435}"/>
+              </a:ext>
+            </a:extLst>
+          </p:cNvPr>
+          <p:cNvSpPr/>
+          <p:nvPr/>
+        </p:nvSpPr>
+        <p:spPr bwMode="gray">
+          <a:xfrm>
+            <a:off x="6548846" y="6065975"/>
+            <a:ext cx="95794" cy="169277"/>
+          </a:xfrm>
+          <a:prstGeom prst="rect">
+            <a:avLst/>
+          </a:prstGeom>
+          <a:ln>
+            <a:noFill/>
+          </a:ln>
+        </p:spPr>
+        <p:style>
+          <a:lnRef idx="2">
+            <a:schemeClr val="accent1">
+              <a:shade val="50000"/>
+            </a:schemeClr>
+          </a:lnRef>
+          <a:fillRef idx="1">
+            <a:schemeClr val="accent1"/>
+          </a:fillRef>
+          <a:effectRef idx="0">
+            <a:schemeClr val="accent1"/>
+          </a:effectRef>
+          <a:fontRef idx="minor">
+            <a:schemeClr val="lt1"/>
+          </a:fontRef>
+        </p:style>
+        <p:txBody>
+          <a:bodyPr rot="0" spcFirstLastPara="0" vertOverflow="overflow" horzOverflow="overflow" vert="horz" wrap="square" lIns="108000" tIns="72000" rIns="108000" bIns="72000" numCol="1" spcCol="0" rtlCol="0" fromWordArt="0" anchor="ctr" anchorCtr="0" forceAA="0" compatLnSpc="1">
+            <a:prstTxWarp prst="textNoShape">
+              <a:avLst/>
+            </a:prstTxWarp>
+            <a:noAutofit/>
+          </a:bodyPr>
+          <a:lstStyle/>
+          <a:p>
+            <a:pPr algn="ctr">
+              <a:spcBef>
+                <a:spcPts val="300"/>
+              </a:spcBef>
+              <a:spcAft>
+                <a:spcPts val="300"/>
+              </a:spcAft>
+            </a:pPr>
+            <a:endParaRPr lang="en-US" sz="1200" b="1" dirty="0" err="1">
+              <a:solidFill>
+                <a:schemeClr val="bg1"/>
+              </a:solidFill>
+            </a:endParaRPr>
+          </a:p>
+        </p:txBody>
+      </p:sp>
     </p:spTree>
     <p:extLst>
       <p:ext uri="{BB962C8B-B14F-4D97-AF65-F5344CB8AC3E}">
@@ -21049,7 +21555,7 @@
 </p:sld>
 </file>
 
-<file path=ppt/slides/slide21.xml><?xml version="1.0" encoding="utf-8"?>
+<file path=ppt/slides/slide22.xml><?xml version="1.0" encoding="utf-8"?>
 <p:sld xmlns:a="http://schemas.openxmlformats.org/drawingml/2006/main" xmlns:r="http://schemas.openxmlformats.org/officeDocument/2006/relationships" xmlns:p="http://schemas.openxmlformats.org/presentationml/2006/main">
   <p:cSld>
     <p:spTree>
@@ -21231,7 +21737,7 @@
           <a:p>
             <a:fld id="{81561042-0DC2-4A04-AA50-F6D44EB20EBA}" type="slidenum">
               <a:rPr lang="en-US" smtClean="0"/>
-              <a:t>21</a:t>
+              <a:t>22</a:t>
             </a:fld>
             <a:endParaRPr lang="en-US"/>
           </a:p>
@@ -21310,866 +21816,6 @@
 </p:sld>
 </file>
 
-<file path=ppt/slides/slide22.xml><?xml version="1.0" encoding="utf-8"?>
-<p:sld xmlns:a="http://schemas.openxmlformats.org/drawingml/2006/main" xmlns:r="http://schemas.openxmlformats.org/officeDocument/2006/relationships" xmlns:p="http://schemas.openxmlformats.org/presentationml/2006/main">
-  <p:cSld>
-    <p:spTree>
-      <p:nvGrpSpPr>
-        <p:cNvPr id="1" name=""/>
-        <p:cNvGrpSpPr/>
-        <p:nvPr/>
-      </p:nvGrpSpPr>
-      <p:grpSpPr>
-        <a:xfrm>
-          <a:off x="0" y="0"/>
-          <a:ext cx="0" cy="0"/>
-          <a:chOff x="0" y="0"/>
-          <a:chExt cx="0" cy="0"/>
-        </a:xfrm>
-      </p:grpSpPr>
-      <p:sp>
-        <p:nvSpPr>
-          <p:cNvPr id="2" name="Title 1">
-            <a:extLst>
-              <a:ext uri="{FF2B5EF4-FFF2-40B4-BE49-F238E27FC236}">
-                <a16:creationId xmlns:a16="http://schemas.microsoft.com/office/drawing/2014/main" id="{F556059A-837B-4E70-85E0-77BA2416952C}"/>
-              </a:ext>
-            </a:extLst>
-          </p:cNvPr>
-          <p:cNvSpPr>
-            <a:spLocks noGrp="1"/>
-          </p:cNvSpPr>
-          <p:nvPr>
-            <p:ph type="title"/>
-          </p:nvPr>
-        </p:nvSpPr>
-        <p:spPr/>
-        <p:txBody>
-          <a:bodyPr/>
-          <a:lstStyle/>
-          <a:p>
-            <a:r>
-              <a:rPr lang="pt-BR" dirty="0"/>
-              <a:t>Next </a:t>
-            </a:r>
-            <a:r>
-              <a:rPr lang="pt-BR" dirty="0" err="1"/>
-              <a:t>and</a:t>
-            </a:r>
-            <a:r>
-              <a:rPr lang="pt-BR" dirty="0"/>
-              <a:t> Future </a:t>
-            </a:r>
-            <a:r>
-              <a:rPr lang="pt-BR" dirty="0" err="1"/>
-              <a:t>Tasks</a:t>
-            </a:r>
-            <a:r>
-              <a:rPr lang="pt-BR" dirty="0"/>
-              <a:t> </a:t>
-            </a:r>
-            <a:endParaRPr lang="en-US" dirty="0"/>
-          </a:p>
-        </p:txBody>
-      </p:sp>
-      <p:sp>
-        <p:nvSpPr>
-          <p:cNvPr id="3" name="Content Placeholder 2">
-            <a:extLst>
-              <a:ext uri="{FF2B5EF4-FFF2-40B4-BE49-F238E27FC236}">
-                <a16:creationId xmlns:a16="http://schemas.microsoft.com/office/drawing/2014/main" id="{619E2D8F-BD66-4A77-89AD-0694964867F4}"/>
-              </a:ext>
-            </a:extLst>
-          </p:cNvPr>
-          <p:cNvSpPr>
-            <a:spLocks noGrp="1"/>
-          </p:cNvSpPr>
-          <p:nvPr>
-            <p:ph idx="1"/>
-          </p:nvPr>
-        </p:nvSpPr>
-        <p:spPr>
-          <a:xfrm>
-            <a:off x="478369" y="1024388"/>
-            <a:ext cx="11473384" cy="4797724"/>
-          </a:xfrm>
-        </p:spPr>
-        <p:txBody>
-          <a:bodyPr/>
-          <a:lstStyle/>
-          <a:p>
-            <a:pPr marL="457200" indent="-457200">
-              <a:buFont typeface="+mj-lt"/>
-              <a:buAutoNum type="arabicPeriod"/>
-            </a:pPr>
-            <a:r>
-              <a:rPr lang="pt-BR" dirty="0">
-                <a:solidFill>
-                  <a:schemeClr val="bg1">
-                    <a:lumMod val="75000"/>
-                  </a:schemeClr>
-                </a:solidFill>
-              </a:rPr>
-              <a:t>Compute </a:t>
-            </a:r>
-            <a:r>
-              <a:rPr lang="pt-BR" dirty="0" err="1">
-                <a:solidFill>
-                  <a:schemeClr val="bg1">
-                    <a:lumMod val="75000"/>
-                  </a:schemeClr>
-                </a:solidFill>
-              </a:rPr>
-              <a:t>and</a:t>
-            </a:r>
-            <a:r>
-              <a:rPr lang="pt-BR" dirty="0">
-                <a:solidFill>
-                  <a:schemeClr val="bg1">
-                    <a:lumMod val="75000"/>
-                  </a:schemeClr>
-                </a:solidFill>
-              </a:rPr>
-              <a:t> compare </a:t>
-            </a:r>
-            <a:r>
-              <a:rPr lang="pt-BR" dirty="0" err="1">
-                <a:solidFill>
-                  <a:schemeClr val="bg1">
-                    <a:lumMod val="75000"/>
-                  </a:schemeClr>
-                </a:solidFill>
-              </a:rPr>
-              <a:t>graph</a:t>
-            </a:r>
-            <a:r>
-              <a:rPr lang="pt-BR" dirty="0">
-                <a:solidFill>
-                  <a:schemeClr val="bg1">
-                    <a:lumMod val="75000"/>
-                  </a:schemeClr>
-                </a:solidFill>
-              </a:rPr>
-              <a:t> </a:t>
-            </a:r>
-            <a:r>
-              <a:rPr lang="pt-BR" dirty="0" err="1">
-                <a:solidFill>
-                  <a:schemeClr val="bg1">
-                    <a:lumMod val="75000"/>
-                  </a:schemeClr>
-                </a:solidFill>
-              </a:rPr>
-              <a:t>metrics</a:t>
-            </a:r>
-            <a:r>
-              <a:rPr lang="pt-BR" dirty="0">
-                <a:solidFill>
-                  <a:schemeClr val="bg1">
-                    <a:lumMod val="75000"/>
-                  </a:schemeClr>
-                </a:solidFill>
-              </a:rPr>
-              <a:t> (</a:t>
-            </a:r>
-            <a:r>
-              <a:rPr lang="pt-BR" dirty="0" err="1">
-                <a:solidFill>
-                  <a:schemeClr val="bg1">
-                    <a:lumMod val="75000"/>
-                  </a:schemeClr>
-                </a:solidFill>
-              </a:rPr>
-              <a:t>Wednesday</a:t>
-            </a:r>
-            <a:r>
-              <a:rPr lang="pt-BR" dirty="0">
-                <a:solidFill>
-                  <a:schemeClr val="bg1">
-                    <a:lumMod val="75000"/>
-                  </a:schemeClr>
-                </a:solidFill>
-              </a:rPr>
-              <a:t>, 2.12)</a:t>
-            </a:r>
-          </a:p>
-          <a:p>
-            <a:pPr marL="698494" lvl="1" indent="-457200">
-              <a:buFont typeface="Arial" panose="020B0604020202020204" pitchFamily="34" charset="0"/>
-              <a:buChar char="•"/>
-            </a:pPr>
-            <a:r>
-              <a:rPr lang="pt-BR" dirty="0" err="1">
-                <a:solidFill>
-                  <a:schemeClr val="bg1">
-                    <a:lumMod val="75000"/>
-                  </a:schemeClr>
-                </a:solidFill>
-              </a:rPr>
-              <a:t>Any</a:t>
-            </a:r>
-            <a:r>
-              <a:rPr lang="pt-BR" dirty="0">
-                <a:solidFill>
-                  <a:schemeClr val="bg1">
-                    <a:lumMod val="75000"/>
-                  </a:schemeClr>
-                </a:solidFill>
-              </a:rPr>
-              <a:t> </a:t>
-            </a:r>
-            <a:r>
-              <a:rPr lang="pt-BR" dirty="0" err="1">
-                <a:solidFill>
-                  <a:schemeClr val="bg1">
-                    <a:lumMod val="75000"/>
-                  </a:schemeClr>
-                </a:solidFill>
-              </a:rPr>
-              <a:t>metrics</a:t>
-            </a:r>
-            <a:r>
-              <a:rPr lang="pt-BR" dirty="0">
-                <a:solidFill>
-                  <a:schemeClr val="bg1">
-                    <a:lumMod val="75000"/>
-                  </a:schemeClr>
-                </a:solidFill>
-              </a:rPr>
-              <a:t> </a:t>
-            </a:r>
-            <a:r>
-              <a:rPr lang="pt-BR" dirty="0" err="1">
-                <a:solidFill>
-                  <a:schemeClr val="bg1">
-                    <a:lumMod val="75000"/>
-                  </a:schemeClr>
-                </a:solidFill>
-              </a:rPr>
-              <a:t>and</a:t>
-            </a:r>
-            <a:r>
-              <a:rPr lang="pt-BR" dirty="0">
-                <a:solidFill>
-                  <a:schemeClr val="bg1">
-                    <a:lumMod val="75000"/>
-                  </a:schemeClr>
-                </a:solidFill>
-              </a:rPr>
-              <a:t> networks of </a:t>
-            </a:r>
-            <a:r>
-              <a:rPr lang="pt-BR" dirty="0" err="1">
-                <a:solidFill>
-                  <a:schemeClr val="bg1">
-                    <a:lumMod val="75000"/>
-                  </a:schemeClr>
-                </a:solidFill>
-              </a:rPr>
-              <a:t>your</a:t>
-            </a:r>
-            <a:r>
-              <a:rPr lang="pt-BR" dirty="0">
-                <a:solidFill>
-                  <a:schemeClr val="bg1">
-                    <a:lumMod val="75000"/>
-                  </a:schemeClr>
-                </a:solidFill>
-              </a:rPr>
-              <a:t> </a:t>
-            </a:r>
-            <a:r>
-              <a:rPr lang="pt-BR" dirty="0" err="1">
-                <a:solidFill>
-                  <a:schemeClr val="bg1">
-                    <a:lumMod val="75000"/>
-                  </a:schemeClr>
-                </a:solidFill>
-              </a:rPr>
-              <a:t>choice</a:t>
-            </a:r>
-            <a:endParaRPr lang="pt-BR" dirty="0">
-              <a:solidFill>
-                <a:schemeClr val="bg1">
-                  <a:lumMod val="75000"/>
-                </a:schemeClr>
-              </a:solidFill>
-            </a:endParaRPr>
-          </a:p>
-          <a:p>
-            <a:pPr marL="457200" indent="-457200">
-              <a:buFont typeface="+mj-lt"/>
-              <a:buAutoNum type="arabicPeriod"/>
-            </a:pPr>
-            <a:r>
-              <a:rPr lang="pt-BR" dirty="0" err="1">
-                <a:solidFill>
-                  <a:schemeClr val="bg1">
-                    <a:lumMod val="75000"/>
-                  </a:schemeClr>
-                </a:solidFill>
-              </a:rPr>
-              <a:t>First</a:t>
-            </a:r>
-            <a:r>
-              <a:rPr lang="pt-BR" dirty="0">
-                <a:solidFill>
-                  <a:schemeClr val="bg1">
-                    <a:lumMod val="75000"/>
-                  </a:schemeClr>
-                </a:solidFill>
-              </a:rPr>
-              <a:t> draft of </a:t>
-            </a:r>
-            <a:r>
-              <a:rPr lang="pt-BR" b="1" dirty="0">
-                <a:solidFill>
-                  <a:schemeClr val="bg1">
-                    <a:lumMod val="75000"/>
-                  </a:schemeClr>
-                </a:solidFill>
-              </a:rPr>
-              <a:t>abstract</a:t>
-            </a:r>
-            <a:r>
-              <a:rPr lang="pt-BR" dirty="0">
-                <a:solidFill>
-                  <a:schemeClr val="bg1">
-                    <a:lumMod val="75000"/>
-                  </a:schemeClr>
-                </a:solidFill>
-              </a:rPr>
-              <a:t> (Friday, 4.12)</a:t>
-            </a:r>
-          </a:p>
-          <a:p>
-            <a:pPr marL="457200" indent="-457200">
-              <a:buFont typeface="+mj-lt"/>
-              <a:buAutoNum type="arabicPeriod"/>
-            </a:pPr>
-            <a:r>
-              <a:rPr lang="pt-BR" dirty="0" err="1">
-                <a:solidFill>
-                  <a:schemeClr val="bg1">
-                    <a:lumMod val="75000"/>
-                  </a:schemeClr>
-                </a:solidFill>
-              </a:rPr>
-              <a:t>Predictions</a:t>
-            </a:r>
-            <a:r>
-              <a:rPr lang="pt-BR" dirty="0">
-                <a:solidFill>
-                  <a:schemeClr val="bg1">
-                    <a:lumMod val="75000"/>
-                  </a:schemeClr>
-                </a:solidFill>
-              </a:rPr>
-              <a:t> </a:t>
-            </a:r>
-            <a:r>
-              <a:rPr lang="pt-BR" dirty="0" err="1">
-                <a:solidFill>
-                  <a:schemeClr val="bg1">
-                    <a:lumMod val="75000"/>
-                  </a:schemeClr>
-                </a:solidFill>
-              </a:rPr>
-              <a:t>using</a:t>
-            </a:r>
-            <a:r>
-              <a:rPr lang="pt-BR" dirty="0">
-                <a:solidFill>
-                  <a:schemeClr val="bg1">
-                    <a:lumMod val="75000"/>
-                  </a:schemeClr>
-                </a:solidFill>
-              </a:rPr>
-              <a:t> </a:t>
-            </a:r>
-            <a:r>
-              <a:rPr lang="pt-BR" dirty="0" err="1">
-                <a:solidFill>
-                  <a:schemeClr val="bg1">
-                    <a:lumMod val="75000"/>
-                  </a:schemeClr>
-                </a:solidFill>
-              </a:rPr>
-              <a:t>traditional</a:t>
-            </a:r>
-            <a:r>
-              <a:rPr lang="pt-BR" dirty="0">
-                <a:solidFill>
-                  <a:schemeClr val="bg1">
-                    <a:lumMod val="75000"/>
-                  </a:schemeClr>
-                </a:solidFill>
-              </a:rPr>
-              <a:t> </a:t>
-            </a:r>
-            <a:r>
-              <a:rPr lang="pt-BR" dirty="0" err="1">
-                <a:solidFill>
-                  <a:schemeClr val="bg1">
-                    <a:lumMod val="75000"/>
-                  </a:schemeClr>
-                </a:solidFill>
-              </a:rPr>
-              <a:t>method</a:t>
-            </a:r>
-            <a:r>
-              <a:rPr lang="pt-BR" dirty="0">
-                <a:solidFill>
-                  <a:schemeClr val="bg1">
-                    <a:lumMod val="75000"/>
-                  </a:schemeClr>
-                </a:solidFill>
-              </a:rPr>
-              <a:t> (</a:t>
-            </a:r>
-            <a:r>
-              <a:rPr lang="pt-BR" dirty="0" err="1">
-                <a:solidFill>
-                  <a:schemeClr val="bg1">
-                    <a:lumMod val="75000"/>
-                  </a:schemeClr>
-                </a:solidFill>
-              </a:rPr>
-              <a:t>Wednesday</a:t>
-            </a:r>
-            <a:r>
-              <a:rPr lang="pt-BR" dirty="0">
-                <a:solidFill>
-                  <a:schemeClr val="bg1">
-                    <a:lumMod val="75000"/>
-                  </a:schemeClr>
-                </a:solidFill>
-              </a:rPr>
-              <a:t>, 9.12)</a:t>
-            </a:r>
-          </a:p>
-          <a:p>
-            <a:pPr marL="584194" lvl="1" indent="-342900">
-              <a:buFont typeface="Arial" panose="020B0604020202020204" pitchFamily="34" charset="0"/>
-              <a:buChar char="•"/>
-            </a:pPr>
-            <a:r>
-              <a:rPr lang="pt-BR" dirty="0" err="1">
-                <a:solidFill>
-                  <a:schemeClr val="bg1">
-                    <a:lumMod val="75000"/>
-                  </a:schemeClr>
-                </a:solidFill>
-              </a:rPr>
-              <a:t>Any</a:t>
-            </a:r>
-            <a:r>
-              <a:rPr lang="pt-BR" dirty="0">
-                <a:solidFill>
-                  <a:schemeClr val="bg1">
-                    <a:lumMod val="75000"/>
-                  </a:schemeClr>
-                </a:solidFill>
-              </a:rPr>
-              <a:t> </a:t>
-            </a:r>
-            <a:r>
-              <a:rPr lang="pt-BR" dirty="0" err="1">
-                <a:solidFill>
-                  <a:schemeClr val="bg1">
-                    <a:lumMod val="75000"/>
-                  </a:schemeClr>
-                </a:solidFill>
-              </a:rPr>
-              <a:t>two</a:t>
-            </a:r>
-            <a:r>
-              <a:rPr lang="pt-BR" dirty="0">
-                <a:solidFill>
-                  <a:schemeClr val="bg1">
-                    <a:lumMod val="75000"/>
-                  </a:schemeClr>
-                </a:solidFill>
-              </a:rPr>
-              <a:t> </a:t>
-            </a:r>
-            <a:r>
-              <a:rPr lang="pt-BR" dirty="0" err="1">
-                <a:solidFill>
-                  <a:schemeClr val="bg1">
-                    <a:lumMod val="75000"/>
-                  </a:schemeClr>
-                </a:solidFill>
-              </a:rPr>
-              <a:t>methods</a:t>
-            </a:r>
-            <a:r>
-              <a:rPr lang="pt-BR" dirty="0">
-                <a:solidFill>
-                  <a:schemeClr val="bg1">
-                    <a:lumMod val="75000"/>
-                  </a:schemeClr>
-                </a:solidFill>
-              </a:rPr>
-              <a:t> of </a:t>
-            </a:r>
-            <a:r>
-              <a:rPr lang="pt-BR" dirty="0" err="1">
-                <a:solidFill>
-                  <a:schemeClr val="bg1">
-                    <a:lumMod val="75000"/>
-                  </a:schemeClr>
-                </a:solidFill>
-              </a:rPr>
-              <a:t>your</a:t>
-            </a:r>
-            <a:r>
-              <a:rPr lang="pt-BR" dirty="0">
-                <a:solidFill>
-                  <a:schemeClr val="bg1">
-                    <a:lumMod val="75000"/>
-                  </a:schemeClr>
-                </a:solidFill>
-              </a:rPr>
-              <a:t> </a:t>
-            </a:r>
-            <a:r>
-              <a:rPr lang="pt-BR" dirty="0" err="1">
-                <a:solidFill>
-                  <a:schemeClr val="bg1">
-                    <a:lumMod val="75000"/>
-                  </a:schemeClr>
-                </a:solidFill>
-              </a:rPr>
-              <a:t>choice</a:t>
-            </a:r>
-            <a:endParaRPr lang="pt-BR" dirty="0">
-              <a:solidFill>
-                <a:schemeClr val="bg1">
-                  <a:lumMod val="75000"/>
-                </a:schemeClr>
-              </a:solidFill>
-            </a:endParaRPr>
-          </a:p>
-          <a:p>
-            <a:pPr marL="457200" indent="-457200">
-              <a:buFont typeface="+mj-lt"/>
-              <a:buAutoNum type="arabicPeriod"/>
-            </a:pPr>
-            <a:r>
-              <a:rPr lang="pt-BR" dirty="0" err="1">
-                <a:solidFill>
-                  <a:schemeClr val="bg1">
-                    <a:lumMod val="75000"/>
-                  </a:schemeClr>
-                </a:solidFill>
-              </a:rPr>
-              <a:t>Related</a:t>
-            </a:r>
-            <a:r>
-              <a:rPr lang="pt-BR" dirty="0">
-                <a:solidFill>
-                  <a:schemeClr val="bg1">
-                    <a:lumMod val="75000"/>
-                  </a:schemeClr>
-                </a:solidFill>
-              </a:rPr>
-              <a:t> </a:t>
-            </a:r>
-            <a:r>
-              <a:rPr lang="pt-BR" dirty="0" err="1">
-                <a:solidFill>
-                  <a:schemeClr val="bg1">
-                    <a:lumMod val="75000"/>
-                  </a:schemeClr>
-                </a:solidFill>
-              </a:rPr>
-              <a:t>work</a:t>
-            </a:r>
-            <a:r>
-              <a:rPr lang="pt-BR" dirty="0">
-                <a:solidFill>
-                  <a:schemeClr val="bg1">
-                    <a:lumMod val="75000"/>
-                  </a:schemeClr>
-                </a:solidFill>
-              </a:rPr>
-              <a:t> draft (Friday, 11.12)</a:t>
-            </a:r>
-          </a:p>
-          <a:p>
-            <a:pPr marL="457200" indent="-457200">
-              <a:buFont typeface="+mj-lt"/>
-              <a:buAutoNum type="arabicPeriod"/>
-            </a:pPr>
-            <a:r>
-              <a:rPr lang="pt-BR" dirty="0"/>
-              <a:t>Node </a:t>
-            </a:r>
-            <a:r>
-              <a:rPr lang="pt-BR" dirty="0" err="1"/>
-              <a:t>and</a:t>
-            </a:r>
-            <a:r>
-              <a:rPr lang="pt-BR" dirty="0"/>
-              <a:t> </a:t>
-            </a:r>
-            <a:r>
-              <a:rPr lang="pt-BR" dirty="0" err="1"/>
-              <a:t>Graph</a:t>
-            </a:r>
-            <a:r>
-              <a:rPr lang="pt-BR" dirty="0"/>
-              <a:t> </a:t>
-            </a:r>
-            <a:r>
-              <a:rPr lang="pt-BR" dirty="0" err="1"/>
-              <a:t>Feature</a:t>
-            </a:r>
-            <a:r>
-              <a:rPr lang="pt-BR" dirty="0"/>
-              <a:t> Learning (</a:t>
-            </a:r>
-            <a:r>
-              <a:rPr lang="pt-BR" dirty="0" err="1"/>
-              <a:t>Wednesday</a:t>
-            </a:r>
-            <a:r>
-              <a:rPr lang="pt-BR" dirty="0"/>
-              <a:t>, 16.12) </a:t>
-            </a:r>
-          </a:p>
-          <a:p>
-            <a:pPr marL="698494" lvl="1" indent="-457200">
-              <a:buFont typeface="Arial" panose="020B0604020202020204" pitchFamily="34" charset="0"/>
-              <a:buChar char="•"/>
-            </a:pPr>
-            <a:r>
-              <a:rPr lang="pt-BR" dirty="0" err="1"/>
-              <a:t>Any</a:t>
-            </a:r>
-            <a:r>
-              <a:rPr lang="pt-BR" dirty="0"/>
-              <a:t> </a:t>
-            </a:r>
-            <a:r>
-              <a:rPr lang="pt-BR" dirty="0" err="1"/>
-              <a:t>two</a:t>
-            </a:r>
-            <a:r>
-              <a:rPr lang="pt-BR" dirty="0"/>
-              <a:t> </a:t>
-            </a:r>
-            <a:r>
-              <a:rPr lang="pt-BR" dirty="0" err="1"/>
-              <a:t>methods</a:t>
-            </a:r>
-            <a:r>
-              <a:rPr lang="pt-BR" dirty="0"/>
-              <a:t> of </a:t>
-            </a:r>
-            <a:r>
-              <a:rPr lang="pt-BR" dirty="0" err="1"/>
-              <a:t>your</a:t>
-            </a:r>
-            <a:r>
-              <a:rPr lang="pt-BR" dirty="0"/>
-              <a:t> </a:t>
-            </a:r>
-            <a:r>
-              <a:rPr lang="pt-BR" dirty="0" err="1"/>
-              <a:t>choice</a:t>
-            </a:r>
-            <a:endParaRPr lang="pt-BR" dirty="0"/>
-          </a:p>
-          <a:p>
-            <a:pPr marL="457200" indent="-457200">
-              <a:buFont typeface="+mj-lt"/>
-              <a:buAutoNum type="arabicPeriod"/>
-            </a:pPr>
-            <a:r>
-              <a:rPr lang="pt-BR" dirty="0"/>
-              <a:t>Design </a:t>
-            </a:r>
-            <a:r>
-              <a:rPr lang="pt-BR" dirty="0" err="1"/>
-              <a:t>alternative</a:t>
-            </a:r>
-            <a:r>
-              <a:rPr lang="pt-BR" dirty="0"/>
-              <a:t> pipelines for </a:t>
-            </a:r>
-            <a:r>
-              <a:rPr lang="pt-BR" dirty="0" err="1"/>
-              <a:t>your</a:t>
-            </a:r>
-            <a:r>
-              <a:rPr lang="pt-BR" dirty="0"/>
-              <a:t> GNN (</a:t>
-            </a:r>
-            <a:r>
-              <a:rPr lang="pt-BR" dirty="0" err="1"/>
-              <a:t>Wednesday</a:t>
-            </a:r>
-            <a:r>
-              <a:rPr lang="pt-BR" dirty="0"/>
-              <a:t>, 06.01)</a:t>
-            </a:r>
-          </a:p>
-          <a:p>
-            <a:pPr marL="584194" lvl="1" indent="-342900">
-              <a:buFont typeface="Arial" panose="020B0604020202020204" pitchFamily="34" charset="0"/>
-              <a:buChar char="•"/>
-            </a:pPr>
-            <a:r>
-              <a:rPr lang="pt-BR" dirty="0" err="1"/>
-              <a:t>Three</a:t>
-            </a:r>
-            <a:r>
-              <a:rPr lang="pt-BR" dirty="0"/>
-              <a:t> </a:t>
-            </a:r>
-            <a:r>
-              <a:rPr lang="pt-BR" dirty="0" err="1"/>
-              <a:t>alternative</a:t>
-            </a:r>
-            <a:r>
-              <a:rPr lang="pt-BR" dirty="0"/>
-              <a:t> </a:t>
-            </a:r>
-            <a:r>
-              <a:rPr lang="pt-BR" dirty="0" err="1"/>
-              <a:t>with</a:t>
-            </a:r>
-            <a:r>
-              <a:rPr lang="pt-BR" dirty="0"/>
-              <a:t> </a:t>
-            </a:r>
-            <a:r>
-              <a:rPr lang="pt-BR" dirty="0" err="1"/>
-              <a:t>different</a:t>
-            </a:r>
-            <a:r>
-              <a:rPr lang="pt-BR" dirty="0"/>
-              <a:t> </a:t>
-            </a:r>
-            <a:r>
-              <a:rPr lang="pt-BR" dirty="0" err="1"/>
-              <a:t>options</a:t>
-            </a:r>
-            <a:r>
-              <a:rPr lang="pt-BR" dirty="0"/>
-              <a:t> for </a:t>
-            </a:r>
-            <a:r>
-              <a:rPr lang="pt-BR" dirty="0" err="1"/>
-              <a:t>embedding</a:t>
-            </a:r>
-            <a:r>
-              <a:rPr lang="pt-BR" dirty="0"/>
-              <a:t>, </a:t>
-            </a:r>
-            <a:r>
-              <a:rPr lang="pt-BR" dirty="0" err="1"/>
-              <a:t>aggregation</a:t>
-            </a:r>
-            <a:r>
-              <a:rPr lang="pt-BR" dirty="0"/>
-              <a:t>, </a:t>
-            </a:r>
-            <a:r>
-              <a:rPr lang="pt-BR" dirty="0" err="1"/>
-              <a:t>and</a:t>
-            </a:r>
-            <a:r>
-              <a:rPr lang="pt-BR" dirty="0"/>
-              <a:t> </a:t>
-            </a:r>
-            <a:r>
-              <a:rPr lang="pt-BR" dirty="0" err="1"/>
-              <a:t>enconding</a:t>
-            </a:r>
-            <a:endParaRPr lang="pt-BR" dirty="0"/>
-          </a:p>
-          <a:p>
-            <a:pPr marL="584194" lvl="1" indent="-342900">
-              <a:buFont typeface="Arial" panose="020B0604020202020204" pitchFamily="34" charset="0"/>
-              <a:buChar char="•"/>
-            </a:pPr>
-            <a:r>
-              <a:rPr lang="pt-BR" dirty="0"/>
-              <a:t>Test </a:t>
-            </a:r>
-            <a:r>
-              <a:rPr lang="pt-BR" dirty="0" err="1"/>
-              <a:t>at</a:t>
-            </a:r>
-            <a:r>
-              <a:rPr lang="pt-BR" dirty="0"/>
-              <a:t> </a:t>
-            </a:r>
-            <a:r>
-              <a:rPr lang="pt-BR" dirty="0" err="1"/>
-              <a:t>least</a:t>
-            </a:r>
-            <a:r>
-              <a:rPr lang="pt-BR" dirty="0"/>
-              <a:t> </a:t>
-            </a:r>
-            <a:r>
-              <a:rPr lang="pt-BR" dirty="0" err="1"/>
-              <a:t>one</a:t>
-            </a:r>
-            <a:r>
-              <a:rPr lang="pt-BR" dirty="0"/>
-              <a:t>.</a:t>
-            </a:r>
-            <a:endParaRPr lang="en-US" dirty="0"/>
-          </a:p>
-        </p:txBody>
-      </p:sp>
-      <p:sp>
-        <p:nvSpPr>
-          <p:cNvPr id="4" name="Slide Number Placeholder 3">
-            <a:extLst>
-              <a:ext uri="{FF2B5EF4-FFF2-40B4-BE49-F238E27FC236}">
-                <a16:creationId xmlns:a16="http://schemas.microsoft.com/office/drawing/2014/main" id="{2544D838-EB3D-4D0D-822F-FD7D93CBEE71}"/>
-              </a:ext>
-            </a:extLst>
-          </p:cNvPr>
-          <p:cNvSpPr>
-            <a:spLocks noGrp="1"/>
-          </p:cNvSpPr>
-          <p:nvPr>
-            <p:ph type="sldNum" sz="quarter" idx="12"/>
-          </p:nvPr>
-        </p:nvSpPr>
-        <p:spPr/>
-        <p:txBody>
-          <a:bodyPr/>
-          <a:lstStyle/>
-          <a:p>
-            <a:fld id="{81561042-0DC2-4A04-AA50-F6D44EB20EBA}" type="slidenum">
-              <a:rPr lang="en-US" smtClean="0"/>
-              <a:t>22</a:t>
-            </a:fld>
-            <a:endParaRPr lang="en-US"/>
-          </a:p>
-        </p:txBody>
-      </p:sp>
-    </p:spTree>
-    <p:extLst>
-      <p:ext uri="{BB962C8B-B14F-4D97-AF65-F5344CB8AC3E}">
-        <p14:creationId xmlns:p14="http://schemas.microsoft.com/office/powerpoint/2010/main" val="1017585204"/>
-      </p:ext>
-    </p:extLst>
-  </p:cSld>
-  <p:clrMapOvr>
-    <a:masterClrMapping/>
-  </p:clrMapOvr>
-</p:sld>
-</file>
-
 <file path=ppt/slides/slide23.xml><?xml version="1.0" encoding="utf-8"?>
 <p:sld xmlns:a="http://schemas.openxmlformats.org/drawingml/2006/main" xmlns:r="http://schemas.openxmlformats.org/officeDocument/2006/relationships" xmlns:p="http://schemas.openxmlformats.org/presentationml/2006/main">
   <p:cSld>
@@ -22189,10 +21835,10 @@
       </p:grpSpPr>
       <p:sp>
         <p:nvSpPr>
-          <p:cNvPr id="4" name="Title 3">
+          <p:cNvPr id="2" name="Title 1">
             <a:extLst>
               <a:ext uri="{FF2B5EF4-FFF2-40B4-BE49-F238E27FC236}">
-                <a16:creationId xmlns:a16="http://schemas.microsoft.com/office/drawing/2014/main" id="{E7EBB6C5-1871-444B-AD84-356DE1BC2905}"/>
+                <a16:creationId xmlns:a16="http://schemas.microsoft.com/office/drawing/2014/main" id="{F556059A-837B-4E70-85E0-77BA2416952C}"/>
               </a:ext>
             </a:extLst>
           </p:cNvPr>
@@ -22200,40 +21846,833 @@
             <a:spLocks noGrp="1"/>
           </p:cNvSpPr>
           <p:nvPr>
-            <p:ph type="ctrTitle"/>
+            <p:ph type="title"/>
+          </p:nvPr>
+        </p:nvSpPr>
+        <p:spPr/>
+        <p:txBody>
+          <a:bodyPr/>
+          <a:lstStyle/>
+          <a:p>
+            <a:r>
+              <a:rPr lang="pt-BR" dirty="0"/>
+              <a:t>Next </a:t>
+            </a:r>
+            <a:r>
+              <a:rPr lang="pt-BR" dirty="0" err="1"/>
+              <a:t>and</a:t>
+            </a:r>
+            <a:r>
+              <a:rPr lang="pt-BR" dirty="0"/>
+              <a:t> Future </a:t>
+            </a:r>
+            <a:r>
+              <a:rPr lang="pt-BR" dirty="0" err="1"/>
+              <a:t>Tasks</a:t>
+            </a:r>
+            <a:r>
+              <a:rPr lang="pt-BR" dirty="0"/>
+              <a:t> </a:t>
+            </a:r>
+            <a:endParaRPr lang="en-US" dirty="0"/>
+          </a:p>
+        </p:txBody>
+      </p:sp>
+      <p:sp>
+        <p:nvSpPr>
+          <p:cNvPr id="3" name="Content Placeholder 2">
+            <a:extLst>
+              <a:ext uri="{FF2B5EF4-FFF2-40B4-BE49-F238E27FC236}">
+                <a16:creationId xmlns:a16="http://schemas.microsoft.com/office/drawing/2014/main" id="{619E2D8F-BD66-4A77-89AD-0694964867F4}"/>
+              </a:ext>
+            </a:extLst>
+          </p:cNvPr>
+          <p:cNvSpPr>
+            <a:spLocks noGrp="1"/>
+          </p:cNvSpPr>
+          <p:nvPr>
+            <p:ph idx="1"/>
           </p:nvPr>
         </p:nvSpPr>
         <p:spPr>
           <a:xfrm>
-            <a:off x="478368" y="4656578"/>
-            <a:ext cx="11228913" cy="1001364"/>
+            <a:off x="478369" y="1024388"/>
+            <a:ext cx="11473384" cy="4797724"/>
           </a:xfrm>
-          <a:noFill/>
         </p:spPr>
         <p:txBody>
           <a:bodyPr/>
           <a:lstStyle/>
           <a:p>
-            <a:r>
-              <a:rPr lang="en-US" dirty="0"/>
-              <a:t>END</a:t>
-            </a:r>
+            <a:pPr marL="457200" indent="-457200">
+              <a:buFont typeface="+mj-lt"/>
+              <a:buAutoNum type="arabicPeriod"/>
+            </a:pPr>
+            <a:r>
+              <a:rPr lang="pt-BR" dirty="0">
+                <a:solidFill>
+                  <a:schemeClr val="bg1">
+                    <a:lumMod val="75000"/>
+                  </a:schemeClr>
+                </a:solidFill>
+              </a:rPr>
+              <a:t>Compute </a:t>
+            </a:r>
+            <a:r>
+              <a:rPr lang="pt-BR" dirty="0" err="1">
+                <a:solidFill>
+                  <a:schemeClr val="bg1">
+                    <a:lumMod val="75000"/>
+                  </a:schemeClr>
+                </a:solidFill>
+              </a:rPr>
+              <a:t>and</a:t>
+            </a:r>
+            <a:r>
+              <a:rPr lang="pt-BR" dirty="0">
+                <a:solidFill>
+                  <a:schemeClr val="bg1">
+                    <a:lumMod val="75000"/>
+                  </a:schemeClr>
+                </a:solidFill>
+              </a:rPr>
+              <a:t> compare </a:t>
+            </a:r>
+            <a:r>
+              <a:rPr lang="pt-BR" dirty="0" err="1">
+                <a:solidFill>
+                  <a:schemeClr val="bg1">
+                    <a:lumMod val="75000"/>
+                  </a:schemeClr>
+                </a:solidFill>
+              </a:rPr>
+              <a:t>graph</a:t>
+            </a:r>
+            <a:r>
+              <a:rPr lang="pt-BR" dirty="0">
+                <a:solidFill>
+                  <a:schemeClr val="bg1">
+                    <a:lumMod val="75000"/>
+                  </a:schemeClr>
+                </a:solidFill>
+              </a:rPr>
+              <a:t> </a:t>
+            </a:r>
+            <a:r>
+              <a:rPr lang="pt-BR" dirty="0" err="1">
+                <a:solidFill>
+                  <a:schemeClr val="bg1">
+                    <a:lumMod val="75000"/>
+                  </a:schemeClr>
+                </a:solidFill>
+              </a:rPr>
+              <a:t>metrics</a:t>
+            </a:r>
+            <a:r>
+              <a:rPr lang="pt-BR" dirty="0">
+                <a:solidFill>
+                  <a:schemeClr val="bg1">
+                    <a:lumMod val="75000"/>
+                  </a:schemeClr>
+                </a:solidFill>
+              </a:rPr>
+              <a:t> (</a:t>
+            </a:r>
+            <a:r>
+              <a:rPr lang="pt-BR" dirty="0" err="1">
+                <a:solidFill>
+                  <a:schemeClr val="bg1">
+                    <a:lumMod val="75000"/>
+                  </a:schemeClr>
+                </a:solidFill>
+              </a:rPr>
+              <a:t>Wednesday</a:t>
+            </a:r>
+            <a:r>
+              <a:rPr lang="pt-BR" dirty="0">
+                <a:solidFill>
+                  <a:schemeClr val="bg1">
+                    <a:lumMod val="75000"/>
+                  </a:schemeClr>
+                </a:solidFill>
+              </a:rPr>
+              <a:t>, 2.12)</a:t>
+            </a:r>
+          </a:p>
+          <a:p>
+            <a:pPr marL="698494" lvl="1" indent="-457200">
+              <a:buFont typeface="Arial" panose="020B0604020202020204" pitchFamily="34" charset="0"/>
+              <a:buChar char="•"/>
+            </a:pPr>
+            <a:r>
+              <a:rPr lang="pt-BR" dirty="0" err="1">
+                <a:solidFill>
+                  <a:schemeClr val="bg1">
+                    <a:lumMod val="75000"/>
+                  </a:schemeClr>
+                </a:solidFill>
+              </a:rPr>
+              <a:t>Any</a:t>
+            </a:r>
+            <a:r>
+              <a:rPr lang="pt-BR" dirty="0">
+                <a:solidFill>
+                  <a:schemeClr val="bg1">
+                    <a:lumMod val="75000"/>
+                  </a:schemeClr>
+                </a:solidFill>
+              </a:rPr>
+              <a:t> </a:t>
+            </a:r>
+            <a:r>
+              <a:rPr lang="pt-BR" dirty="0" err="1">
+                <a:solidFill>
+                  <a:schemeClr val="bg1">
+                    <a:lumMod val="75000"/>
+                  </a:schemeClr>
+                </a:solidFill>
+              </a:rPr>
+              <a:t>metrics</a:t>
+            </a:r>
+            <a:r>
+              <a:rPr lang="pt-BR" dirty="0">
+                <a:solidFill>
+                  <a:schemeClr val="bg1">
+                    <a:lumMod val="75000"/>
+                  </a:schemeClr>
+                </a:solidFill>
+              </a:rPr>
+              <a:t> </a:t>
+            </a:r>
+            <a:r>
+              <a:rPr lang="pt-BR" dirty="0" err="1">
+                <a:solidFill>
+                  <a:schemeClr val="bg1">
+                    <a:lumMod val="75000"/>
+                  </a:schemeClr>
+                </a:solidFill>
+              </a:rPr>
+              <a:t>and</a:t>
+            </a:r>
+            <a:r>
+              <a:rPr lang="pt-BR" dirty="0">
+                <a:solidFill>
+                  <a:schemeClr val="bg1">
+                    <a:lumMod val="75000"/>
+                  </a:schemeClr>
+                </a:solidFill>
+              </a:rPr>
+              <a:t> networks of </a:t>
+            </a:r>
+            <a:r>
+              <a:rPr lang="pt-BR" dirty="0" err="1">
+                <a:solidFill>
+                  <a:schemeClr val="bg1">
+                    <a:lumMod val="75000"/>
+                  </a:schemeClr>
+                </a:solidFill>
+              </a:rPr>
+              <a:t>your</a:t>
+            </a:r>
+            <a:r>
+              <a:rPr lang="pt-BR" dirty="0">
+                <a:solidFill>
+                  <a:schemeClr val="bg1">
+                    <a:lumMod val="75000"/>
+                  </a:schemeClr>
+                </a:solidFill>
+              </a:rPr>
+              <a:t> </a:t>
+            </a:r>
+            <a:r>
+              <a:rPr lang="pt-BR" dirty="0" err="1">
+                <a:solidFill>
+                  <a:schemeClr val="bg1">
+                    <a:lumMod val="75000"/>
+                  </a:schemeClr>
+                </a:solidFill>
+              </a:rPr>
+              <a:t>choice</a:t>
+            </a:r>
+            <a:endParaRPr lang="pt-BR" dirty="0">
+              <a:solidFill>
+                <a:schemeClr val="bg1">
+                  <a:lumMod val="75000"/>
+                </a:schemeClr>
+              </a:solidFill>
+            </a:endParaRPr>
+          </a:p>
+          <a:p>
+            <a:pPr marL="457200" indent="-457200">
+              <a:buFont typeface="+mj-lt"/>
+              <a:buAutoNum type="arabicPeriod"/>
+            </a:pPr>
+            <a:r>
+              <a:rPr lang="pt-BR" dirty="0" err="1">
+                <a:solidFill>
+                  <a:schemeClr val="bg1">
+                    <a:lumMod val="75000"/>
+                  </a:schemeClr>
+                </a:solidFill>
+              </a:rPr>
+              <a:t>First</a:t>
+            </a:r>
+            <a:r>
+              <a:rPr lang="pt-BR" dirty="0">
+                <a:solidFill>
+                  <a:schemeClr val="bg1">
+                    <a:lumMod val="75000"/>
+                  </a:schemeClr>
+                </a:solidFill>
+              </a:rPr>
+              <a:t> draft of </a:t>
+            </a:r>
+            <a:r>
+              <a:rPr lang="pt-BR" b="1" dirty="0">
+                <a:solidFill>
+                  <a:schemeClr val="bg1">
+                    <a:lumMod val="75000"/>
+                  </a:schemeClr>
+                </a:solidFill>
+              </a:rPr>
+              <a:t>abstract</a:t>
+            </a:r>
+            <a:r>
+              <a:rPr lang="pt-BR" dirty="0">
+                <a:solidFill>
+                  <a:schemeClr val="bg1">
+                    <a:lumMod val="75000"/>
+                  </a:schemeClr>
+                </a:solidFill>
+              </a:rPr>
+              <a:t> (Friday, 4.12)</a:t>
+            </a:r>
+          </a:p>
+          <a:p>
+            <a:pPr marL="457200" indent="-457200">
+              <a:buFont typeface="+mj-lt"/>
+              <a:buAutoNum type="arabicPeriod"/>
+            </a:pPr>
+            <a:r>
+              <a:rPr lang="pt-BR" dirty="0" err="1">
+                <a:solidFill>
+                  <a:schemeClr val="bg1">
+                    <a:lumMod val="75000"/>
+                  </a:schemeClr>
+                </a:solidFill>
+              </a:rPr>
+              <a:t>Predictions</a:t>
+            </a:r>
+            <a:r>
+              <a:rPr lang="pt-BR" dirty="0">
+                <a:solidFill>
+                  <a:schemeClr val="bg1">
+                    <a:lumMod val="75000"/>
+                  </a:schemeClr>
+                </a:solidFill>
+              </a:rPr>
+              <a:t> </a:t>
+            </a:r>
+            <a:r>
+              <a:rPr lang="pt-BR" dirty="0" err="1">
+                <a:solidFill>
+                  <a:schemeClr val="bg1">
+                    <a:lumMod val="75000"/>
+                  </a:schemeClr>
+                </a:solidFill>
+              </a:rPr>
+              <a:t>using</a:t>
+            </a:r>
+            <a:r>
+              <a:rPr lang="pt-BR" dirty="0">
+                <a:solidFill>
+                  <a:schemeClr val="bg1">
+                    <a:lumMod val="75000"/>
+                  </a:schemeClr>
+                </a:solidFill>
+              </a:rPr>
+              <a:t> </a:t>
+            </a:r>
+            <a:r>
+              <a:rPr lang="pt-BR" dirty="0" err="1">
+                <a:solidFill>
+                  <a:schemeClr val="bg1">
+                    <a:lumMod val="75000"/>
+                  </a:schemeClr>
+                </a:solidFill>
+              </a:rPr>
+              <a:t>traditional</a:t>
+            </a:r>
+            <a:r>
+              <a:rPr lang="pt-BR" dirty="0">
+                <a:solidFill>
+                  <a:schemeClr val="bg1">
+                    <a:lumMod val="75000"/>
+                  </a:schemeClr>
+                </a:solidFill>
+              </a:rPr>
+              <a:t> </a:t>
+            </a:r>
+            <a:r>
+              <a:rPr lang="pt-BR" dirty="0" err="1">
+                <a:solidFill>
+                  <a:schemeClr val="bg1">
+                    <a:lumMod val="75000"/>
+                  </a:schemeClr>
+                </a:solidFill>
+              </a:rPr>
+              <a:t>method</a:t>
+            </a:r>
+            <a:r>
+              <a:rPr lang="pt-BR" dirty="0">
+                <a:solidFill>
+                  <a:schemeClr val="bg1">
+                    <a:lumMod val="75000"/>
+                  </a:schemeClr>
+                </a:solidFill>
+              </a:rPr>
+              <a:t> (</a:t>
+            </a:r>
+            <a:r>
+              <a:rPr lang="pt-BR" dirty="0" err="1">
+                <a:solidFill>
+                  <a:schemeClr val="bg1">
+                    <a:lumMod val="75000"/>
+                  </a:schemeClr>
+                </a:solidFill>
+              </a:rPr>
+              <a:t>Wednesday</a:t>
+            </a:r>
+            <a:r>
+              <a:rPr lang="pt-BR" dirty="0">
+                <a:solidFill>
+                  <a:schemeClr val="bg1">
+                    <a:lumMod val="75000"/>
+                  </a:schemeClr>
+                </a:solidFill>
+              </a:rPr>
+              <a:t>, 9.12)</a:t>
+            </a:r>
+          </a:p>
+          <a:p>
+            <a:pPr marL="584194" lvl="1" indent="-342900">
+              <a:buFont typeface="Arial" panose="020B0604020202020204" pitchFamily="34" charset="0"/>
+              <a:buChar char="•"/>
+            </a:pPr>
+            <a:r>
+              <a:rPr lang="pt-BR" dirty="0" err="1">
+                <a:solidFill>
+                  <a:schemeClr val="bg1">
+                    <a:lumMod val="75000"/>
+                  </a:schemeClr>
+                </a:solidFill>
+              </a:rPr>
+              <a:t>Any</a:t>
+            </a:r>
+            <a:r>
+              <a:rPr lang="pt-BR" dirty="0">
+                <a:solidFill>
+                  <a:schemeClr val="bg1">
+                    <a:lumMod val="75000"/>
+                  </a:schemeClr>
+                </a:solidFill>
+              </a:rPr>
+              <a:t> </a:t>
+            </a:r>
+            <a:r>
+              <a:rPr lang="pt-BR" dirty="0" err="1">
+                <a:solidFill>
+                  <a:schemeClr val="bg1">
+                    <a:lumMod val="75000"/>
+                  </a:schemeClr>
+                </a:solidFill>
+              </a:rPr>
+              <a:t>two</a:t>
+            </a:r>
+            <a:r>
+              <a:rPr lang="pt-BR" dirty="0">
+                <a:solidFill>
+                  <a:schemeClr val="bg1">
+                    <a:lumMod val="75000"/>
+                  </a:schemeClr>
+                </a:solidFill>
+              </a:rPr>
+              <a:t> </a:t>
+            </a:r>
+            <a:r>
+              <a:rPr lang="pt-BR" dirty="0" err="1">
+                <a:solidFill>
+                  <a:schemeClr val="bg1">
+                    <a:lumMod val="75000"/>
+                  </a:schemeClr>
+                </a:solidFill>
+              </a:rPr>
+              <a:t>methods</a:t>
+            </a:r>
+            <a:r>
+              <a:rPr lang="pt-BR" dirty="0">
+                <a:solidFill>
+                  <a:schemeClr val="bg1">
+                    <a:lumMod val="75000"/>
+                  </a:schemeClr>
+                </a:solidFill>
+              </a:rPr>
+              <a:t> of </a:t>
+            </a:r>
+            <a:r>
+              <a:rPr lang="pt-BR" dirty="0" err="1">
+                <a:solidFill>
+                  <a:schemeClr val="bg1">
+                    <a:lumMod val="75000"/>
+                  </a:schemeClr>
+                </a:solidFill>
+              </a:rPr>
+              <a:t>your</a:t>
+            </a:r>
+            <a:r>
+              <a:rPr lang="pt-BR" dirty="0">
+                <a:solidFill>
+                  <a:schemeClr val="bg1">
+                    <a:lumMod val="75000"/>
+                  </a:schemeClr>
+                </a:solidFill>
+              </a:rPr>
+              <a:t> </a:t>
+            </a:r>
+            <a:r>
+              <a:rPr lang="pt-BR" dirty="0" err="1">
+                <a:solidFill>
+                  <a:schemeClr val="bg1">
+                    <a:lumMod val="75000"/>
+                  </a:schemeClr>
+                </a:solidFill>
+              </a:rPr>
+              <a:t>choice</a:t>
+            </a:r>
+            <a:endParaRPr lang="pt-BR" dirty="0">
+              <a:solidFill>
+                <a:schemeClr val="bg1">
+                  <a:lumMod val="75000"/>
+                </a:schemeClr>
+              </a:solidFill>
+            </a:endParaRPr>
+          </a:p>
+          <a:p>
+            <a:pPr marL="457200" indent="-457200">
+              <a:buFont typeface="+mj-lt"/>
+              <a:buAutoNum type="arabicPeriod"/>
+            </a:pPr>
+            <a:r>
+              <a:rPr lang="pt-BR" dirty="0" err="1">
+                <a:solidFill>
+                  <a:schemeClr val="bg1">
+                    <a:lumMod val="75000"/>
+                  </a:schemeClr>
+                </a:solidFill>
+              </a:rPr>
+              <a:t>Related</a:t>
+            </a:r>
+            <a:r>
+              <a:rPr lang="pt-BR" dirty="0">
+                <a:solidFill>
+                  <a:schemeClr val="bg1">
+                    <a:lumMod val="75000"/>
+                  </a:schemeClr>
+                </a:solidFill>
+              </a:rPr>
+              <a:t> </a:t>
+            </a:r>
+            <a:r>
+              <a:rPr lang="pt-BR" dirty="0" err="1">
+                <a:solidFill>
+                  <a:schemeClr val="bg1">
+                    <a:lumMod val="75000"/>
+                  </a:schemeClr>
+                </a:solidFill>
+              </a:rPr>
+              <a:t>work</a:t>
+            </a:r>
+            <a:r>
+              <a:rPr lang="pt-BR" dirty="0">
+                <a:solidFill>
+                  <a:schemeClr val="bg1">
+                    <a:lumMod val="75000"/>
+                  </a:schemeClr>
+                </a:solidFill>
+              </a:rPr>
+              <a:t> draft (Friday, 11.12)</a:t>
+            </a:r>
+          </a:p>
+          <a:p>
+            <a:pPr marL="457200" indent="-457200">
+              <a:buFont typeface="+mj-lt"/>
+              <a:buAutoNum type="arabicPeriod"/>
+            </a:pPr>
+            <a:r>
+              <a:rPr lang="pt-BR" dirty="0"/>
+              <a:t>Node </a:t>
+            </a:r>
+            <a:r>
+              <a:rPr lang="pt-BR" dirty="0" err="1"/>
+              <a:t>and</a:t>
+            </a:r>
+            <a:r>
+              <a:rPr lang="pt-BR" dirty="0"/>
+              <a:t> </a:t>
+            </a:r>
+            <a:r>
+              <a:rPr lang="pt-BR" dirty="0" err="1"/>
+              <a:t>Graph</a:t>
+            </a:r>
+            <a:r>
+              <a:rPr lang="pt-BR" dirty="0"/>
+              <a:t> </a:t>
+            </a:r>
+            <a:r>
+              <a:rPr lang="pt-BR" dirty="0" err="1"/>
+              <a:t>Feature</a:t>
+            </a:r>
+            <a:r>
+              <a:rPr lang="pt-BR" dirty="0"/>
+              <a:t> Learning (</a:t>
+            </a:r>
+            <a:r>
+              <a:rPr lang="pt-BR" dirty="0" err="1"/>
+              <a:t>Wednesday</a:t>
+            </a:r>
+            <a:r>
+              <a:rPr lang="pt-BR" dirty="0"/>
+              <a:t>, 16.12) </a:t>
+            </a:r>
+          </a:p>
+          <a:p>
+            <a:pPr marL="698494" lvl="1" indent="-457200">
+              <a:buFont typeface="Arial" panose="020B0604020202020204" pitchFamily="34" charset="0"/>
+              <a:buChar char="•"/>
+            </a:pPr>
+            <a:r>
+              <a:rPr lang="pt-BR" dirty="0" err="1"/>
+              <a:t>Any</a:t>
+            </a:r>
+            <a:r>
+              <a:rPr lang="pt-BR" dirty="0"/>
+              <a:t> </a:t>
+            </a:r>
+            <a:r>
+              <a:rPr lang="pt-BR" dirty="0" err="1"/>
+              <a:t>two</a:t>
+            </a:r>
+            <a:r>
+              <a:rPr lang="pt-BR" dirty="0"/>
+              <a:t> </a:t>
+            </a:r>
+            <a:r>
+              <a:rPr lang="pt-BR" dirty="0" err="1"/>
+              <a:t>methods</a:t>
+            </a:r>
+            <a:r>
+              <a:rPr lang="pt-BR" dirty="0"/>
+              <a:t> of </a:t>
+            </a:r>
+            <a:r>
+              <a:rPr lang="pt-BR" dirty="0" err="1"/>
+              <a:t>your</a:t>
+            </a:r>
+            <a:r>
+              <a:rPr lang="pt-BR" dirty="0"/>
+              <a:t> </a:t>
+            </a:r>
+            <a:r>
+              <a:rPr lang="pt-BR" dirty="0" err="1"/>
+              <a:t>choice</a:t>
+            </a:r>
+            <a:endParaRPr lang="pt-BR" dirty="0"/>
+          </a:p>
+          <a:p>
+            <a:pPr marL="457200" indent="-457200">
+              <a:buFont typeface="+mj-lt"/>
+              <a:buAutoNum type="arabicPeriod"/>
+            </a:pPr>
+            <a:r>
+              <a:rPr lang="pt-BR" dirty="0"/>
+              <a:t>Design </a:t>
+            </a:r>
+            <a:r>
+              <a:rPr lang="pt-BR" dirty="0" err="1"/>
+              <a:t>alternative</a:t>
+            </a:r>
+            <a:r>
+              <a:rPr lang="pt-BR" dirty="0"/>
+              <a:t> pipelines for </a:t>
+            </a:r>
+            <a:r>
+              <a:rPr lang="pt-BR" dirty="0" err="1"/>
+              <a:t>your</a:t>
+            </a:r>
+            <a:r>
+              <a:rPr lang="pt-BR" dirty="0"/>
+              <a:t> GNN (</a:t>
+            </a:r>
+            <a:r>
+              <a:rPr lang="pt-BR" dirty="0" err="1"/>
+              <a:t>Wednesday</a:t>
+            </a:r>
+            <a:r>
+              <a:rPr lang="pt-BR" dirty="0"/>
+              <a:t>, 06.01)</a:t>
+            </a:r>
+          </a:p>
+          <a:p>
+            <a:pPr marL="584194" lvl="1" indent="-342900">
+              <a:buFont typeface="Arial" panose="020B0604020202020204" pitchFamily="34" charset="0"/>
+              <a:buChar char="•"/>
+            </a:pPr>
+            <a:r>
+              <a:rPr lang="pt-BR" dirty="0" err="1"/>
+              <a:t>Three</a:t>
+            </a:r>
+            <a:r>
+              <a:rPr lang="pt-BR" dirty="0"/>
+              <a:t> </a:t>
+            </a:r>
+            <a:r>
+              <a:rPr lang="pt-BR" dirty="0" err="1"/>
+              <a:t>alternative</a:t>
+            </a:r>
+            <a:r>
+              <a:rPr lang="pt-BR" dirty="0"/>
+              <a:t> </a:t>
+            </a:r>
+            <a:r>
+              <a:rPr lang="pt-BR" dirty="0" err="1"/>
+              <a:t>with</a:t>
+            </a:r>
+            <a:r>
+              <a:rPr lang="pt-BR" dirty="0"/>
+              <a:t> </a:t>
+            </a:r>
+            <a:r>
+              <a:rPr lang="pt-BR" dirty="0" err="1"/>
+              <a:t>different</a:t>
+            </a:r>
+            <a:r>
+              <a:rPr lang="pt-BR" dirty="0"/>
+              <a:t> </a:t>
+            </a:r>
+            <a:r>
+              <a:rPr lang="pt-BR" dirty="0" err="1"/>
+              <a:t>options</a:t>
+            </a:r>
+            <a:r>
+              <a:rPr lang="pt-BR" dirty="0"/>
+              <a:t> for </a:t>
+            </a:r>
+            <a:r>
+              <a:rPr lang="pt-BR" dirty="0" err="1"/>
+              <a:t>embedding</a:t>
+            </a:r>
+            <a:r>
+              <a:rPr lang="pt-BR" dirty="0"/>
+              <a:t>, </a:t>
+            </a:r>
+            <a:r>
+              <a:rPr lang="pt-BR" dirty="0" err="1"/>
+              <a:t>aggregation</a:t>
+            </a:r>
+            <a:r>
+              <a:rPr lang="pt-BR" dirty="0"/>
+              <a:t>, </a:t>
+            </a:r>
+            <a:r>
+              <a:rPr lang="pt-BR" dirty="0" err="1"/>
+              <a:t>and</a:t>
+            </a:r>
+            <a:r>
+              <a:rPr lang="pt-BR" dirty="0"/>
+              <a:t> </a:t>
+            </a:r>
+            <a:r>
+              <a:rPr lang="pt-BR" dirty="0" err="1"/>
+              <a:t>enconding</a:t>
+            </a:r>
+            <a:endParaRPr lang="pt-BR" dirty="0"/>
+          </a:p>
+          <a:p>
+            <a:pPr marL="584194" lvl="1" indent="-342900">
+              <a:buFont typeface="Arial" panose="020B0604020202020204" pitchFamily="34" charset="0"/>
+              <a:buChar char="•"/>
+            </a:pPr>
+            <a:r>
+              <a:rPr lang="pt-BR" dirty="0"/>
+              <a:t>Test </a:t>
+            </a:r>
+            <a:r>
+              <a:rPr lang="pt-BR" dirty="0" err="1"/>
+              <a:t>at</a:t>
+            </a:r>
+            <a:r>
+              <a:rPr lang="pt-BR" dirty="0"/>
+              <a:t> </a:t>
+            </a:r>
+            <a:r>
+              <a:rPr lang="pt-BR" dirty="0" err="1"/>
+              <a:t>least</a:t>
+            </a:r>
+            <a:r>
+              <a:rPr lang="pt-BR" dirty="0"/>
+              <a:t> </a:t>
+            </a:r>
+            <a:r>
+              <a:rPr lang="pt-BR" dirty="0" err="1"/>
+              <a:t>one</a:t>
+            </a:r>
+            <a:r>
+              <a:rPr lang="pt-BR" dirty="0"/>
+              <a:t>.</a:t>
+            </a:r>
+            <a:endParaRPr lang="en-US" dirty="0"/>
+          </a:p>
+        </p:txBody>
+      </p:sp>
+      <p:sp>
+        <p:nvSpPr>
+          <p:cNvPr id="4" name="Slide Number Placeholder 3">
+            <a:extLst>
+              <a:ext uri="{FF2B5EF4-FFF2-40B4-BE49-F238E27FC236}">
+                <a16:creationId xmlns:a16="http://schemas.microsoft.com/office/drawing/2014/main" id="{2544D838-EB3D-4D0D-822F-FD7D93CBEE71}"/>
+              </a:ext>
+            </a:extLst>
+          </p:cNvPr>
+          <p:cNvSpPr>
+            <a:spLocks noGrp="1"/>
+          </p:cNvSpPr>
+          <p:nvPr>
+            <p:ph type="sldNum" sz="quarter" idx="12"/>
+          </p:nvPr>
+        </p:nvSpPr>
+        <p:spPr/>
+        <p:txBody>
+          <a:bodyPr/>
+          <a:lstStyle/>
+          <a:p>
+            <a:fld id="{81561042-0DC2-4A04-AA50-F6D44EB20EBA}" type="slidenum">
+              <a:rPr lang="en-US" smtClean="0"/>
+              <a:t>23</a:t>
+            </a:fld>
+            <a:endParaRPr lang="en-US"/>
           </a:p>
         </p:txBody>
       </p:sp>
     </p:spTree>
     <p:extLst>
       <p:ext uri="{BB962C8B-B14F-4D97-AF65-F5344CB8AC3E}">
-        <p14:creationId xmlns:p14="http://schemas.microsoft.com/office/powerpoint/2010/main" val="3752993035"/>
+        <p14:creationId xmlns:p14="http://schemas.microsoft.com/office/powerpoint/2010/main" val="1017585204"/>
       </p:ext>
     </p:extLst>
   </p:cSld>
   <p:clrMapOvr>
     <a:masterClrMapping/>
   </p:clrMapOvr>
-  <p:transition spd="slow">
-    <p:wipe dir="d"/>
-  </p:transition>
 </p:sld>
 </file>
 
@@ -22256,10 +22695,10 @@
       </p:grpSpPr>
       <p:sp>
         <p:nvSpPr>
-          <p:cNvPr id="2" name="Title 1">
+          <p:cNvPr id="4" name="Title 3">
             <a:extLst>
               <a:ext uri="{FF2B5EF4-FFF2-40B4-BE49-F238E27FC236}">
-                <a16:creationId xmlns:a16="http://schemas.microsoft.com/office/drawing/2014/main" id="{9401CB3E-62C7-42D1-87B0-334A78C6DCB3}"/>
+                <a16:creationId xmlns:a16="http://schemas.microsoft.com/office/drawing/2014/main" id="{E7EBB6C5-1871-444B-AD84-356DE1BC2905}"/>
               </a:ext>
             </a:extLst>
           </p:cNvPr>
@@ -22267,304 +22706,40 @@
             <a:spLocks noGrp="1"/>
           </p:cNvSpPr>
           <p:nvPr>
-            <p:ph type="title"/>
+            <p:ph type="ctrTitle"/>
           </p:nvPr>
         </p:nvSpPr>
-        <p:spPr/>
+        <p:spPr>
+          <a:xfrm>
+            <a:off x="478368" y="4656578"/>
+            <a:ext cx="11228913" cy="1001364"/>
+          </a:xfrm>
+          <a:noFill/>
+        </p:spPr>
         <p:txBody>
           <a:bodyPr/>
           <a:lstStyle/>
           <a:p>
             <a:r>
               <a:rPr lang="en-US" dirty="0"/>
-              <a:t>Recommended Resources</a:t>
-            </a:r>
-          </a:p>
-        </p:txBody>
-      </p:sp>
-      <p:sp>
-        <p:nvSpPr>
-          <p:cNvPr id="3" name="Content Placeholder 2">
-            <a:extLst>
-              <a:ext uri="{FF2B5EF4-FFF2-40B4-BE49-F238E27FC236}">
-                <a16:creationId xmlns:a16="http://schemas.microsoft.com/office/drawing/2014/main" id="{B6D183B6-78CE-450B-BDBB-A3EE905CFCE9}"/>
-              </a:ext>
-            </a:extLst>
-          </p:cNvPr>
-          <p:cNvSpPr>
-            <a:spLocks noGrp="1"/>
-          </p:cNvSpPr>
-          <p:nvPr>
-            <p:ph idx="1"/>
-          </p:nvPr>
-        </p:nvSpPr>
-        <p:spPr>
-          <a:xfrm>
-            <a:off x="478369" y="1213308"/>
-            <a:ext cx="11473384" cy="5479257"/>
-          </a:xfrm>
-        </p:spPr>
-        <p:txBody>
-          <a:bodyPr/>
-          <a:lstStyle/>
-          <a:p>
-            <a:pPr>
-              <a:lnSpc>
-                <a:spcPct val="100000"/>
-              </a:lnSpc>
-            </a:pPr>
-            <a:r>
-              <a:rPr lang="en-US" b="1" dirty="0"/>
-              <a:t>Papers</a:t>
-            </a:r>
-          </a:p>
-          <a:p>
-            <a:pPr>
-              <a:lnSpc>
-                <a:spcPct val="100000"/>
-              </a:lnSpc>
-            </a:pPr>
-            <a:r>
-              <a:rPr lang="en-US" sz="1000" dirty="0" err="1"/>
-              <a:t>Bahdanau</a:t>
-            </a:r>
-            <a:r>
-              <a:rPr lang="en-US" sz="1000" dirty="0"/>
-              <a:t>, </a:t>
-            </a:r>
-            <a:r>
-              <a:rPr lang="en-US" sz="1000" dirty="0" err="1"/>
-              <a:t>Dzmitry</a:t>
-            </a:r>
-            <a:r>
-              <a:rPr lang="en-US" sz="1000" dirty="0"/>
-              <a:t>, </a:t>
-            </a:r>
-            <a:r>
-              <a:rPr lang="en-US" sz="1000" dirty="0" err="1"/>
-              <a:t>Kyunghyun</a:t>
-            </a:r>
-            <a:r>
-              <a:rPr lang="en-US" sz="1000" dirty="0"/>
-              <a:t> Cho, and </a:t>
-            </a:r>
-            <a:r>
-              <a:rPr lang="en-US" sz="1000" dirty="0" err="1"/>
-              <a:t>Yoshua</a:t>
-            </a:r>
-            <a:r>
-              <a:rPr lang="en-US" sz="1000" dirty="0"/>
-              <a:t> </a:t>
-            </a:r>
-            <a:r>
-              <a:rPr lang="en-US" sz="1000" dirty="0" err="1"/>
-              <a:t>Bengio</a:t>
-            </a:r>
-            <a:r>
-              <a:rPr lang="en-US" sz="1000" dirty="0"/>
-              <a:t>. "Neural machine translation by jointly learning to align and translate." </a:t>
-            </a:r>
-            <a:r>
-              <a:rPr lang="en-US" sz="1000" i="1" dirty="0" err="1"/>
-              <a:t>arXiv</a:t>
-            </a:r>
-            <a:r>
-              <a:rPr lang="en-US" sz="1000" i="1" dirty="0"/>
-              <a:t> preprint arXiv:1409.0473</a:t>
-            </a:r>
-            <a:r>
-              <a:rPr lang="en-US" sz="1000" dirty="0"/>
-              <a:t> (2014).</a:t>
-            </a:r>
-          </a:p>
-          <a:p>
-            <a:pPr>
-              <a:lnSpc>
-                <a:spcPct val="100000"/>
-              </a:lnSpc>
-            </a:pPr>
-            <a:r>
-              <a:rPr lang="en-US" sz="1000" dirty="0"/>
-              <a:t>Xu, Kelvin, et al. "Show, attend and tell: Neural image caption generation with visual attention." </a:t>
-            </a:r>
-            <a:r>
-              <a:rPr lang="en-US" sz="1000" i="1" dirty="0"/>
-              <a:t>International conference on machine learning</a:t>
-            </a:r>
-            <a:r>
-              <a:rPr lang="en-US" sz="1000" dirty="0"/>
-              <a:t>. 2015.</a:t>
-            </a:r>
-          </a:p>
-          <a:p>
-            <a:pPr>
-              <a:lnSpc>
-                <a:spcPct val="100000"/>
-              </a:lnSpc>
-            </a:pPr>
-            <a:endParaRPr lang="en-US" dirty="0"/>
-          </a:p>
-          <a:p>
-            <a:pPr>
-              <a:lnSpc>
-                <a:spcPct val="100000"/>
-              </a:lnSpc>
-            </a:pPr>
-            <a:endParaRPr lang="en-US" dirty="0"/>
-          </a:p>
-          <a:p>
-            <a:pPr>
-              <a:lnSpc>
-                <a:spcPct val="100000"/>
-              </a:lnSpc>
-            </a:pPr>
-            <a:r>
-              <a:rPr lang="en-US" b="1" dirty="0"/>
-              <a:t>Lectures</a:t>
-            </a:r>
-          </a:p>
-          <a:p>
-            <a:pPr>
-              <a:lnSpc>
-                <a:spcPct val="100000"/>
-              </a:lnSpc>
-            </a:pPr>
-            <a:r>
-              <a:rPr lang="en-US" dirty="0"/>
-              <a:t>DeepMind Attention Mechanism in </a:t>
-            </a:r>
-            <a:r>
-              <a:rPr lang="en-US" dirty="0" err="1"/>
-              <a:t>DeepLearning</a:t>
-            </a:r>
-            <a:endParaRPr lang="en-US" dirty="0"/>
-          </a:p>
-          <a:p>
-            <a:pPr>
-              <a:lnSpc>
-                <a:spcPct val="100000"/>
-              </a:lnSpc>
-            </a:pPr>
-            <a:r>
-              <a:rPr lang="en-US" dirty="0"/>
-              <a:t>Prof. Pascal Poupart - Attention Models and </a:t>
-            </a:r>
-            <a:r>
-              <a:rPr lang="en-US" dirty="0" err="1"/>
-              <a:t>Transfomer</a:t>
-            </a:r>
-            <a:r>
-              <a:rPr lang="en-US" dirty="0"/>
-              <a:t> Networks</a:t>
-            </a:r>
-          </a:p>
-          <a:p>
-            <a:pPr>
-              <a:lnSpc>
-                <a:spcPct val="100000"/>
-              </a:lnSpc>
-            </a:pPr>
-            <a:r>
-              <a:rPr lang="en-US" dirty="0"/>
-              <a:t>Xu Code Review of “All you need is Attention”</a:t>
-            </a:r>
-          </a:p>
-          <a:p>
-            <a:pPr>
-              <a:lnSpc>
-                <a:spcPct val="100000"/>
-              </a:lnSpc>
-            </a:pPr>
-            <a:endParaRPr lang="en-US" dirty="0"/>
-          </a:p>
-          <a:p>
-            <a:pPr>
-              <a:lnSpc>
-                <a:spcPct val="100000"/>
-              </a:lnSpc>
-            </a:pPr>
-            <a:endParaRPr lang="en-US" dirty="0"/>
-          </a:p>
-          <a:p>
-            <a:pPr>
-              <a:lnSpc>
-                <a:spcPct val="100000"/>
-              </a:lnSpc>
-            </a:pPr>
-            <a:r>
-              <a:rPr lang="en-US" b="1" dirty="0"/>
-              <a:t>Blogs</a:t>
-            </a:r>
-            <a:endParaRPr lang="en-US" dirty="0"/>
-          </a:p>
-          <a:p>
-            <a:pPr>
-              <a:lnSpc>
-                <a:spcPct val="100000"/>
-              </a:lnSpc>
-            </a:pPr>
-            <a:r>
-              <a:rPr lang="en-US" dirty="0"/>
-              <a:t>Illustrated Explanations of “All you need is Attention”</a:t>
-            </a:r>
-          </a:p>
-          <a:p>
-            <a:pPr>
-              <a:lnSpc>
-                <a:spcPct val="100000"/>
-              </a:lnSpc>
-            </a:pPr>
-            <a:endParaRPr lang="en-US" dirty="0"/>
-          </a:p>
-          <a:p>
-            <a:pPr>
-              <a:lnSpc>
-                <a:spcPct val="100000"/>
-              </a:lnSpc>
-            </a:pPr>
-            <a:endParaRPr lang="en-US" dirty="0"/>
-          </a:p>
-        </p:txBody>
-      </p:sp>
-      <p:sp>
-        <p:nvSpPr>
-          <p:cNvPr id="4" name="Slide Number Placeholder 3">
-            <a:extLst>
-              <a:ext uri="{FF2B5EF4-FFF2-40B4-BE49-F238E27FC236}">
-                <a16:creationId xmlns:a16="http://schemas.microsoft.com/office/drawing/2014/main" id="{913AF521-B2D1-44CD-A0D0-8CF98FD6D6C8}"/>
-              </a:ext>
-            </a:extLst>
-          </p:cNvPr>
-          <p:cNvSpPr>
-            <a:spLocks noGrp="1"/>
-          </p:cNvSpPr>
-          <p:nvPr>
-            <p:ph type="sldNum" sz="quarter" idx="12"/>
-          </p:nvPr>
-        </p:nvSpPr>
-        <p:spPr/>
-        <p:txBody>
-          <a:bodyPr/>
-          <a:lstStyle/>
-          <a:p>
-            <a:fld id="{81561042-0DC2-4A04-AA50-F6D44EB20EBA}" type="slidenum">
-              <a:rPr lang="en-US" smtClean="0"/>
-              <a:t>24</a:t>
-            </a:fld>
-            <a:endParaRPr lang="en-US"/>
+              <a:t>END</a:t>
+            </a:r>
           </a:p>
         </p:txBody>
       </p:sp>
     </p:spTree>
     <p:extLst>
       <p:ext uri="{BB962C8B-B14F-4D97-AF65-F5344CB8AC3E}">
-        <p14:creationId xmlns:p14="http://schemas.microsoft.com/office/powerpoint/2010/main" val="3628732951"/>
+        <p14:creationId xmlns:p14="http://schemas.microsoft.com/office/powerpoint/2010/main" val="3752993035"/>
       </p:ext>
     </p:extLst>
   </p:cSld>
   <p:clrMapOvr>
     <a:masterClrMapping/>
   </p:clrMapOvr>
+  <p:transition spd="slow">
+    <p:wipe dir="d"/>
+  </p:transition>
 </p:sld>
 </file>
 
@@ -23383,7 +23558,7 @@
           <p:cNvPr id="2" name="Title 1">
             <a:extLst>
               <a:ext uri="{FF2B5EF4-FFF2-40B4-BE49-F238E27FC236}">
-                <a16:creationId xmlns:a16="http://schemas.microsoft.com/office/drawing/2014/main" id="{FA1A8024-8073-4AD0-A884-CC159DA2B518}"/>
+                <a16:creationId xmlns:a16="http://schemas.microsoft.com/office/drawing/2014/main" id="{C5AF5642-2755-419F-BAAB-45CDDA4CE0D4}"/>
               </a:ext>
             </a:extLst>
           </p:cNvPr>
@@ -23401,7 +23576,7 @@
           <a:p>
             <a:r>
               <a:rPr lang="en-US" dirty="0"/>
-              <a:t>Topics</a:t>
+              <a:t>Attention history</a:t>
             </a:r>
           </a:p>
         </p:txBody>
@@ -23411,7 +23586,7 @@
           <p:cNvPr id="3" name="Content Placeholder 2">
             <a:extLst>
               <a:ext uri="{FF2B5EF4-FFF2-40B4-BE49-F238E27FC236}">
-                <a16:creationId xmlns:a16="http://schemas.microsoft.com/office/drawing/2014/main" id="{02780790-4789-4185-8A48-22EFA9BEE172}"/>
+                <a16:creationId xmlns:a16="http://schemas.microsoft.com/office/drawing/2014/main" id="{8F8A31C8-FFF5-4942-A31F-67AC02B6E2AF}"/>
               </a:ext>
             </a:extLst>
           </p:cNvPr>
@@ -23425,50 +23600,67 @@
         <p:spPr>
           <a:xfrm>
             <a:off x="478369" y="1213308"/>
-            <a:ext cx="11473384" cy="2230291"/>
+            <a:ext cx="11473384" cy="2797176"/>
           </a:xfrm>
         </p:spPr>
         <p:txBody>
           <a:bodyPr/>
           <a:lstStyle/>
           <a:p>
-            <a:pPr marL="457200" indent="-457200">
-              <a:lnSpc>
-                <a:spcPct val="250000"/>
-              </a:lnSpc>
-              <a:buFont typeface="+mj-lt"/>
-              <a:buAutoNum type="arabicPeriod"/>
-            </a:pPr>
             <a:r>
               <a:rPr lang="en-US" dirty="0"/>
-              <a:t>Introduction to Attention Models</a:t>
-            </a:r>
-          </a:p>
-          <a:p>
-            <a:pPr marL="457200" indent="-457200">
-              <a:lnSpc>
-                <a:spcPct val="250000"/>
-              </a:lnSpc>
-              <a:buFont typeface="+mj-lt"/>
-              <a:buAutoNum type="arabicPeriod"/>
-            </a:pPr>
+              <a:t>[</a:t>
+            </a:r>
+            <a:r>
+              <a:rPr lang="en-US" dirty="0" err="1"/>
+              <a:t>Bahdanau</a:t>
+            </a:r>
             <a:r>
               <a:rPr lang="en-US" dirty="0"/>
-              <a:t>Graph Attention Models (GAT)</a:t>
-            </a:r>
-          </a:p>
-          <a:p>
-            <a:pPr marL="457200" indent="-457200">
-              <a:lnSpc>
-                <a:spcPct val="250000"/>
-              </a:lnSpc>
-              <a:buFont typeface="+mj-lt"/>
-              <a:buAutoNum type="arabicPeriod"/>
-            </a:pPr>
+              <a:t> et al 2014] allowed their RNN model give particular attention to certain hidden states when decoding each word. This way they allowed the model to learn which words to give </a:t>
+            </a:r>
+          </a:p>
+          <a:p>
             <a:r>
               <a:rPr lang="en-US" dirty="0"/>
-              <a:t>Attention Models in Transformer Networks (Self-Attention)</a:t>
-            </a:r>
+              <a:t>attention to and which ones to ignore while translating of each word at the decoder.</a:t>
+            </a:r>
+          </a:p>
+          <a:p>
+            <a:endParaRPr lang="en-US" dirty="0"/>
+          </a:p>
+          <a:p>
+            <a:r>
+              <a:rPr lang="en-US" dirty="0"/>
+              <a:t>[</a:t>
+            </a:r>
+            <a:r>
+              <a:rPr lang="en-US" dirty="0" err="1"/>
+              <a:t>Bahdanau</a:t>
+            </a:r>
+            <a:r>
+              <a:rPr lang="en-US" dirty="0"/>
+              <a:t> et al 2014]  </a:t>
+            </a:r>
+            <a:r>
+              <a:rPr lang="en-US" dirty="0" err="1"/>
+              <a:t>Bahdanau</a:t>
+            </a:r>
+            <a:r>
+              <a:rPr lang="en-US" dirty="0"/>
+              <a:t>, D., et al. 2014, "Neural machine translation by jointly learning to align and translate." </a:t>
+            </a:r>
+            <a:r>
+              <a:rPr lang="en-US" dirty="0" err="1"/>
+              <a:t>arXiv</a:t>
+            </a:r>
+            <a:r>
+              <a:rPr lang="en-US" dirty="0"/>
+              <a:t> preprint arXiv:1409.0473.</a:t>
+            </a:r>
+          </a:p>
+          <a:p>
+            <a:endParaRPr lang="en-US" dirty="0"/>
           </a:p>
         </p:txBody>
       </p:sp>
@@ -23477,7 +23669,7 @@
           <p:cNvPr id="4" name="Slide Number Placeholder 3">
             <a:extLst>
               <a:ext uri="{FF2B5EF4-FFF2-40B4-BE49-F238E27FC236}">
-                <a16:creationId xmlns:a16="http://schemas.microsoft.com/office/drawing/2014/main" id="{7DDC1FD2-BA32-437C-8D00-EA89D4F3AB53}"/>
+                <a16:creationId xmlns:a16="http://schemas.microsoft.com/office/drawing/2014/main" id="{8FC03B15-C415-474F-9FEC-709A9D9BFD50}"/>
               </a:ext>
             </a:extLst>
           </p:cNvPr>
@@ -23504,7 +23696,7 @@
     </p:spTree>
     <p:extLst>
       <p:ext uri="{BB962C8B-B14F-4D97-AF65-F5344CB8AC3E}">
-        <p14:creationId xmlns:p14="http://schemas.microsoft.com/office/powerpoint/2010/main" val="233871228"/>
+        <p14:creationId xmlns:p14="http://schemas.microsoft.com/office/powerpoint/2010/main" val="784231270"/>
       </p:ext>
     </p:extLst>
   </p:cSld>
@@ -23533,10 +23725,10 @@
       </p:grpSpPr>
       <p:sp>
         <p:nvSpPr>
-          <p:cNvPr id="4" name="Title 3">
+          <p:cNvPr id="2" name="Title 1">
             <a:extLst>
               <a:ext uri="{FF2B5EF4-FFF2-40B4-BE49-F238E27FC236}">
-                <a16:creationId xmlns:a16="http://schemas.microsoft.com/office/drawing/2014/main" id="{E7EBB6C5-1871-444B-AD84-356DE1BC2905}"/>
+                <a16:creationId xmlns:a16="http://schemas.microsoft.com/office/drawing/2014/main" id="{FA1A8024-8073-4AD0-A884-CC159DA2B518}"/>
               </a:ext>
             </a:extLst>
           </p:cNvPr>
@@ -23544,40 +23736,126 @@
             <a:spLocks noGrp="1"/>
           </p:cNvSpPr>
           <p:nvPr>
-            <p:ph type="ctrTitle"/>
+            <p:ph type="title"/>
+          </p:nvPr>
+        </p:nvSpPr>
+        <p:spPr/>
+        <p:txBody>
+          <a:bodyPr/>
+          <a:lstStyle/>
+          <a:p>
+            <a:r>
+              <a:rPr lang="en-US" dirty="0"/>
+              <a:t>Topics</a:t>
+            </a:r>
+          </a:p>
+        </p:txBody>
+      </p:sp>
+      <p:sp>
+        <p:nvSpPr>
+          <p:cNvPr id="3" name="Content Placeholder 2">
+            <a:extLst>
+              <a:ext uri="{FF2B5EF4-FFF2-40B4-BE49-F238E27FC236}">
+                <a16:creationId xmlns:a16="http://schemas.microsoft.com/office/drawing/2014/main" id="{02780790-4789-4185-8A48-22EFA9BEE172}"/>
+              </a:ext>
+            </a:extLst>
+          </p:cNvPr>
+          <p:cNvSpPr>
+            <a:spLocks noGrp="1"/>
+          </p:cNvSpPr>
+          <p:nvPr>
+            <p:ph idx="1"/>
           </p:nvPr>
         </p:nvSpPr>
         <p:spPr>
           <a:xfrm>
-            <a:off x="478368" y="4656578"/>
-            <a:ext cx="11228913" cy="1001364"/>
+            <a:off x="478369" y="1213308"/>
+            <a:ext cx="11473384" cy="2230291"/>
           </a:xfrm>
-          <a:noFill/>
         </p:spPr>
         <p:txBody>
           <a:bodyPr/>
           <a:lstStyle/>
           <a:p>
+            <a:pPr marL="457200" indent="-457200">
+              <a:lnSpc>
+                <a:spcPct val="250000"/>
+              </a:lnSpc>
+              <a:buFont typeface="+mj-lt"/>
+              <a:buAutoNum type="arabicPeriod"/>
+            </a:pPr>
             <a:r>
               <a:rPr lang="en-US" dirty="0"/>
-              <a:t>Overview of Attention Models</a:t>
-            </a:r>
+              <a:t>Introduction to Attention Models</a:t>
+            </a:r>
+          </a:p>
+          <a:p>
+            <a:pPr marL="457200" indent="-457200">
+              <a:lnSpc>
+                <a:spcPct val="250000"/>
+              </a:lnSpc>
+              <a:buFont typeface="+mj-lt"/>
+              <a:buAutoNum type="arabicPeriod"/>
+            </a:pPr>
+            <a:r>
+              <a:rPr lang="en-US" dirty="0"/>
+              <a:t>Graph Attention Models (GAT)</a:t>
+            </a:r>
+          </a:p>
+          <a:p>
+            <a:pPr marL="457200" indent="-457200">
+              <a:lnSpc>
+                <a:spcPct val="250000"/>
+              </a:lnSpc>
+              <a:buFont typeface="+mj-lt"/>
+              <a:buAutoNum type="arabicPeriod"/>
+            </a:pPr>
+            <a:r>
+              <a:rPr lang="en-US" dirty="0"/>
+              <a:t>Attention Models in Transformer Networks (Self-Attention)</a:t>
+            </a:r>
+          </a:p>
+        </p:txBody>
+      </p:sp>
+      <p:sp>
+        <p:nvSpPr>
+          <p:cNvPr id="4" name="Slide Number Placeholder 3">
+            <a:extLst>
+              <a:ext uri="{FF2B5EF4-FFF2-40B4-BE49-F238E27FC236}">
+                <a16:creationId xmlns:a16="http://schemas.microsoft.com/office/drawing/2014/main" id="{7DDC1FD2-BA32-437C-8D00-EA89D4F3AB53}"/>
+              </a:ext>
+            </a:extLst>
+          </p:cNvPr>
+          <p:cNvSpPr>
+            <a:spLocks noGrp="1"/>
+          </p:cNvSpPr>
+          <p:nvPr>
+            <p:ph type="sldNum" sz="quarter" idx="12"/>
+          </p:nvPr>
+        </p:nvSpPr>
+        <p:spPr/>
+        <p:txBody>
+          <a:bodyPr/>
+          <a:lstStyle/>
+          <a:p>
+            <a:fld id="{81561042-0DC2-4A04-AA50-F6D44EB20EBA}" type="slidenum">
+              <a:rPr lang="en-US" smtClean="0"/>
+              <a:t>5</a:t>
+            </a:fld>
+            <a:endParaRPr lang="en-US"/>
           </a:p>
         </p:txBody>
       </p:sp>
     </p:spTree>
     <p:extLst>
       <p:ext uri="{BB962C8B-B14F-4D97-AF65-F5344CB8AC3E}">
-        <p14:creationId xmlns:p14="http://schemas.microsoft.com/office/powerpoint/2010/main" val="213004715"/>
+        <p14:creationId xmlns:p14="http://schemas.microsoft.com/office/powerpoint/2010/main" val="233871228"/>
       </p:ext>
     </p:extLst>
   </p:cSld>
   <p:clrMapOvr>
     <a:masterClrMapping/>
   </p:clrMapOvr>
-  <p:transition spd="slow">
-    <p:wipe dir="d"/>
-  </p:transition>
 </p:sld>
 </file>
 
@@ -23600,10 +23878,10 @@
       </p:grpSpPr>
       <p:sp>
         <p:nvSpPr>
-          <p:cNvPr id="2" name="Title 1">
+          <p:cNvPr id="4" name="Title 3">
             <a:extLst>
               <a:ext uri="{FF2B5EF4-FFF2-40B4-BE49-F238E27FC236}">
-                <a16:creationId xmlns:a16="http://schemas.microsoft.com/office/drawing/2014/main" id="{8791CFDB-BC57-419A-8884-DB3B3ADCE1D4}"/>
+                <a16:creationId xmlns:a16="http://schemas.microsoft.com/office/drawing/2014/main" id="{E7EBB6C5-1871-444B-AD84-356DE1BC2905}"/>
               </a:ext>
             </a:extLst>
           </p:cNvPr>
@@ -23611,277 +23889,23 @@
             <a:spLocks noGrp="1"/>
           </p:cNvSpPr>
           <p:nvPr>
-            <p:ph type="title"/>
+            <p:ph type="ctrTitle"/>
           </p:nvPr>
         </p:nvSpPr>
-        <p:spPr/>
+        <p:spPr>
+          <a:xfrm>
+            <a:off x="478368" y="4656578"/>
+            <a:ext cx="11228913" cy="1001364"/>
+          </a:xfrm>
+          <a:noFill/>
+        </p:spPr>
         <p:txBody>
           <a:bodyPr/>
           <a:lstStyle/>
           <a:p>
             <a:r>
               <a:rPr lang="en-US" dirty="0"/>
-              <a:t>Intuition for the need of attention</a:t>
-            </a:r>
-          </a:p>
-        </p:txBody>
-      </p:sp>
-      <p:sp>
-        <p:nvSpPr>
-          <p:cNvPr id="3" name="Content Placeholder 2">
-            <a:extLst>
-              <a:ext uri="{FF2B5EF4-FFF2-40B4-BE49-F238E27FC236}">
-                <a16:creationId xmlns:a16="http://schemas.microsoft.com/office/drawing/2014/main" id="{56A69497-6B73-446B-8B04-5715762F2462}"/>
-              </a:ext>
-            </a:extLst>
-          </p:cNvPr>
-          <p:cNvSpPr>
-            <a:spLocks noGrp="1"/>
-          </p:cNvSpPr>
-          <p:nvPr>
-            <p:ph idx="1"/>
-          </p:nvPr>
-        </p:nvSpPr>
-        <p:spPr>
-          <a:xfrm>
-            <a:off x="478369" y="1213308"/>
-            <a:ext cx="11473384" cy="1655838"/>
-          </a:xfrm>
-        </p:spPr>
-        <p:txBody>
-          <a:bodyPr/>
-          <a:lstStyle/>
-          <a:p>
-            <a:r>
-              <a:rPr lang="en-US" dirty="0"/>
-              <a:t>Take these two sentences from the </a:t>
-            </a:r>
-            <a:r>
-              <a:rPr lang="en-US" b="1" dirty="0"/>
-              <a:t>Winograd Schema Challenge </a:t>
-            </a:r>
-            <a:r>
-              <a:rPr lang="en-US" dirty="0"/>
-              <a:t>set:</a:t>
-            </a:r>
-          </a:p>
-          <a:p>
-            <a:r>
-              <a:rPr lang="en-US" dirty="0"/>
-              <a:t>1- The city councilmen refused the demonstrators a permit because </a:t>
-            </a:r>
-            <a:r>
-              <a:rPr lang="en-US" b="1" dirty="0"/>
-              <a:t>they</a:t>
-            </a:r>
-            <a:r>
-              <a:rPr lang="en-US" dirty="0"/>
-              <a:t> </a:t>
-            </a:r>
-            <a:r>
-              <a:rPr lang="en-US" u="sng" dirty="0"/>
-              <a:t>feared</a:t>
-            </a:r>
-            <a:r>
-              <a:rPr lang="en-US" dirty="0"/>
-              <a:t> violence.</a:t>
-            </a:r>
-          </a:p>
-          <a:p>
-            <a:endParaRPr lang="en-US" dirty="0"/>
-          </a:p>
-          <a:p>
-            <a:endParaRPr lang="en-US" dirty="0"/>
-          </a:p>
-        </p:txBody>
-      </p:sp>
-      <p:sp>
-        <p:nvSpPr>
-          <p:cNvPr id="4" name="Slide Number Placeholder 3">
-            <a:extLst>
-              <a:ext uri="{FF2B5EF4-FFF2-40B4-BE49-F238E27FC236}">
-                <a16:creationId xmlns:a16="http://schemas.microsoft.com/office/drawing/2014/main" id="{03F9E7D9-A547-437C-88C2-2AD39B8880E4}"/>
-              </a:ext>
-            </a:extLst>
-          </p:cNvPr>
-          <p:cNvSpPr>
-            <a:spLocks noGrp="1"/>
-          </p:cNvSpPr>
-          <p:nvPr>
-            <p:ph type="sldNum" sz="quarter" idx="12"/>
-          </p:nvPr>
-        </p:nvSpPr>
-        <p:spPr/>
-        <p:txBody>
-          <a:bodyPr/>
-          <a:lstStyle/>
-          <a:p>
-            <a:fld id="{81561042-0DC2-4A04-AA50-F6D44EB20EBA}" type="slidenum">
-              <a:rPr lang="en-US" smtClean="0"/>
-              <a:t>6</a:t>
-            </a:fld>
-            <a:endParaRPr lang="en-US"/>
-          </a:p>
-        </p:txBody>
-      </p:sp>
-      <p:sp>
-        <p:nvSpPr>
-          <p:cNvPr id="6" name="TextBox 5">
-            <a:extLst>
-              <a:ext uri="{FF2B5EF4-FFF2-40B4-BE49-F238E27FC236}">
-                <a16:creationId xmlns:a16="http://schemas.microsoft.com/office/drawing/2014/main" id="{C909DB3B-ECE2-4B67-A730-790586263E23}"/>
-              </a:ext>
-            </a:extLst>
-          </p:cNvPr>
-          <p:cNvSpPr txBox="1"/>
-          <p:nvPr/>
-        </p:nvSpPr>
-        <p:spPr bwMode="gray">
-          <a:xfrm>
-            <a:off x="401954" y="3404840"/>
-            <a:ext cx="10555605" cy="646331"/>
-          </a:xfrm>
-          <a:prstGeom prst="rect">
-            <a:avLst/>
-          </a:prstGeom>
-          <a:noFill/>
-        </p:spPr>
-        <p:txBody>
-          <a:bodyPr wrap="square">
-            <a:spAutoFit/>
-          </a:bodyPr>
-          <a:lstStyle/>
-          <a:p>
-            <a:r>
-              <a:rPr lang="en-US" dirty="0"/>
-              <a:t>Attention allows to determine if "they" is councilmen or demonstrators.</a:t>
-            </a:r>
-          </a:p>
-          <a:p>
-            <a:r>
-              <a:rPr lang="en-US" dirty="0"/>
-              <a:t>In the machine translation case, we call it self-attention.</a:t>
-            </a:r>
-          </a:p>
-        </p:txBody>
-      </p:sp>
-      <p:sp>
-        <p:nvSpPr>
-          <p:cNvPr id="8" name="TextBox 7">
-            <a:extLst>
-              <a:ext uri="{FF2B5EF4-FFF2-40B4-BE49-F238E27FC236}">
-                <a16:creationId xmlns:a16="http://schemas.microsoft.com/office/drawing/2014/main" id="{EA77FEF5-3486-47FB-93C0-3D8BD555D936}"/>
-              </a:ext>
-            </a:extLst>
-          </p:cNvPr>
-          <p:cNvSpPr txBox="1"/>
-          <p:nvPr/>
-        </p:nvSpPr>
-        <p:spPr bwMode="gray">
-          <a:xfrm>
-            <a:off x="0" y="6552595"/>
-            <a:ext cx="5122014" cy="281464"/>
-          </a:xfrm>
-          <a:prstGeom prst="rect">
-            <a:avLst/>
-          </a:prstGeom>
-          <a:noFill/>
-        </p:spPr>
-        <p:txBody>
-          <a:bodyPr wrap="square">
-            <a:spAutoFit/>
-          </a:bodyPr>
-          <a:lstStyle/>
-          <a:p>
-            <a:r>
-              <a:rPr lang="en-US" sz="1200" dirty="0"/>
-              <a:t>[1] https://en.wikipedia.org/wiki/Winograd_Schema_Challenge</a:t>
-            </a:r>
-          </a:p>
-        </p:txBody>
-      </p:sp>
-      <p:sp>
-        <p:nvSpPr>
-          <p:cNvPr id="10" name="TextBox 9">
-            <a:extLst>
-              <a:ext uri="{FF2B5EF4-FFF2-40B4-BE49-F238E27FC236}">
-                <a16:creationId xmlns:a16="http://schemas.microsoft.com/office/drawing/2014/main" id="{5BE05B10-1D82-4287-9EAF-B28454F21E3E}"/>
-              </a:ext>
-            </a:extLst>
-          </p:cNvPr>
-          <p:cNvSpPr txBox="1"/>
-          <p:nvPr/>
-        </p:nvSpPr>
-        <p:spPr bwMode="gray">
-          <a:xfrm>
-            <a:off x="401954" y="2117658"/>
-            <a:ext cx="11089005" cy="369332"/>
-          </a:xfrm>
-          <a:prstGeom prst="rect">
-            <a:avLst/>
-          </a:prstGeom>
-          <a:noFill/>
-        </p:spPr>
-        <p:txBody>
-          <a:bodyPr wrap="square">
-            <a:spAutoFit/>
-          </a:bodyPr>
-          <a:lstStyle/>
-          <a:p>
-            <a:r>
-              <a:rPr lang="en-US" dirty="0"/>
-              <a:t>2- The city councilmen refused the demonstrators a permit because </a:t>
-            </a:r>
-            <a:r>
-              <a:rPr lang="en-US" b="1" dirty="0"/>
-              <a:t>they</a:t>
-            </a:r>
-            <a:r>
-              <a:rPr lang="en-US" dirty="0"/>
-              <a:t> </a:t>
-            </a:r>
-            <a:r>
-              <a:rPr lang="en-US" u="sng" dirty="0"/>
-              <a:t>advocated</a:t>
-            </a:r>
-            <a:r>
-              <a:rPr lang="en-US" dirty="0"/>
-              <a:t> violence.</a:t>
-            </a:r>
-          </a:p>
-        </p:txBody>
-      </p:sp>
-      <p:sp>
-        <p:nvSpPr>
-          <p:cNvPr id="12" name="TextBox 11">
-            <a:extLst>
-              <a:ext uri="{FF2B5EF4-FFF2-40B4-BE49-F238E27FC236}">
-                <a16:creationId xmlns:a16="http://schemas.microsoft.com/office/drawing/2014/main" id="{7434E367-45F4-4DF9-B08D-63E211072EEE}"/>
-              </a:ext>
-            </a:extLst>
-          </p:cNvPr>
-          <p:cNvSpPr txBox="1"/>
-          <p:nvPr/>
-        </p:nvSpPr>
-        <p:spPr bwMode="gray">
-          <a:xfrm>
-            <a:off x="401954" y="2673519"/>
-            <a:ext cx="8002906" cy="369332"/>
-          </a:xfrm>
-          <a:prstGeom prst="rect">
-            <a:avLst/>
-          </a:prstGeom>
-          <a:noFill/>
-        </p:spPr>
-        <p:txBody>
-          <a:bodyPr wrap="square">
-            <a:spAutoFit/>
-          </a:bodyPr>
-          <a:lstStyle/>
-          <a:p>
-            <a:r>
-              <a:rPr lang="en-US" dirty="0"/>
-              <a:t>in 1, "they" is councilmen, while in 2, "they" is demonstrators.</a:t>
+              <a:t>Overview of Attention Models</a:t>
             </a:r>
           </a:p>
         </p:txBody>
@@ -23889,13 +23913,16 @@
     </p:spTree>
     <p:extLst>
       <p:ext uri="{BB962C8B-B14F-4D97-AF65-F5344CB8AC3E}">
-        <p14:creationId xmlns:p14="http://schemas.microsoft.com/office/powerpoint/2010/main" val="4268412844"/>
+        <p14:creationId xmlns:p14="http://schemas.microsoft.com/office/powerpoint/2010/main" val="213004715"/>
       </p:ext>
     </p:extLst>
   </p:cSld>
   <p:clrMapOvr>
     <a:masterClrMapping/>
   </p:clrMapOvr>
+  <p:transition spd="slow">
+    <p:wipe dir="d"/>
+  </p:transition>
 </p:sld>
 </file>
 
@@ -23921,6 +23948,324 @@
           <p:cNvPr id="2" name="Title 1">
             <a:extLst>
               <a:ext uri="{FF2B5EF4-FFF2-40B4-BE49-F238E27FC236}">
+                <a16:creationId xmlns:a16="http://schemas.microsoft.com/office/drawing/2014/main" id="{8791CFDB-BC57-419A-8884-DB3B3ADCE1D4}"/>
+              </a:ext>
+            </a:extLst>
+          </p:cNvPr>
+          <p:cNvSpPr>
+            <a:spLocks noGrp="1"/>
+          </p:cNvSpPr>
+          <p:nvPr>
+            <p:ph type="title"/>
+          </p:nvPr>
+        </p:nvSpPr>
+        <p:spPr/>
+        <p:txBody>
+          <a:bodyPr/>
+          <a:lstStyle/>
+          <a:p>
+            <a:r>
+              <a:rPr lang="en-US" dirty="0"/>
+              <a:t>Intuition for the need of attention</a:t>
+            </a:r>
+          </a:p>
+        </p:txBody>
+      </p:sp>
+      <p:sp>
+        <p:nvSpPr>
+          <p:cNvPr id="3" name="Content Placeholder 2">
+            <a:extLst>
+              <a:ext uri="{FF2B5EF4-FFF2-40B4-BE49-F238E27FC236}">
+                <a16:creationId xmlns:a16="http://schemas.microsoft.com/office/drawing/2014/main" id="{56A69497-6B73-446B-8B04-5715762F2462}"/>
+              </a:ext>
+            </a:extLst>
+          </p:cNvPr>
+          <p:cNvSpPr>
+            <a:spLocks noGrp="1"/>
+          </p:cNvSpPr>
+          <p:nvPr>
+            <p:ph idx="1"/>
+          </p:nvPr>
+        </p:nvSpPr>
+        <p:spPr>
+          <a:xfrm>
+            <a:off x="478369" y="1213308"/>
+            <a:ext cx="11473384" cy="1655838"/>
+          </a:xfrm>
+        </p:spPr>
+        <p:txBody>
+          <a:bodyPr/>
+          <a:lstStyle/>
+          <a:p>
+            <a:r>
+              <a:rPr lang="en-US" dirty="0"/>
+              <a:t>Take these two sentences from the </a:t>
+            </a:r>
+            <a:r>
+              <a:rPr lang="en-US" b="1" dirty="0"/>
+              <a:t>Winograd Schema Challenge </a:t>
+            </a:r>
+            <a:r>
+              <a:rPr lang="en-US" dirty="0"/>
+              <a:t>set:</a:t>
+            </a:r>
+          </a:p>
+          <a:p>
+            <a:r>
+              <a:rPr lang="en-US" dirty="0"/>
+              <a:t>1- The city councilmen refused the demonstrators a permit because </a:t>
+            </a:r>
+            <a:r>
+              <a:rPr lang="en-US" b="1" dirty="0"/>
+              <a:t>they</a:t>
+            </a:r>
+            <a:r>
+              <a:rPr lang="en-US" dirty="0"/>
+              <a:t> </a:t>
+            </a:r>
+            <a:r>
+              <a:rPr lang="en-US" u="sng" dirty="0"/>
+              <a:t>feared</a:t>
+            </a:r>
+            <a:r>
+              <a:rPr lang="en-US" dirty="0"/>
+              <a:t> violence.</a:t>
+            </a:r>
+          </a:p>
+          <a:p>
+            <a:endParaRPr lang="en-US" dirty="0"/>
+          </a:p>
+          <a:p>
+            <a:endParaRPr lang="en-US" dirty="0"/>
+          </a:p>
+        </p:txBody>
+      </p:sp>
+      <p:sp>
+        <p:nvSpPr>
+          <p:cNvPr id="4" name="Slide Number Placeholder 3">
+            <a:extLst>
+              <a:ext uri="{FF2B5EF4-FFF2-40B4-BE49-F238E27FC236}">
+                <a16:creationId xmlns:a16="http://schemas.microsoft.com/office/drawing/2014/main" id="{03F9E7D9-A547-437C-88C2-2AD39B8880E4}"/>
+              </a:ext>
+            </a:extLst>
+          </p:cNvPr>
+          <p:cNvSpPr>
+            <a:spLocks noGrp="1"/>
+          </p:cNvSpPr>
+          <p:nvPr>
+            <p:ph type="sldNum" sz="quarter" idx="12"/>
+          </p:nvPr>
+        </p:nvSpPr>
+        <p:spPr/>
+        <p:txBody>
+          <a:bodyPr/>
+          <a:lstStyle/>
+          <a:p>
+            <a:fld id="{81561042-0DC2-4A04-AA50-F6D44EB20EBA}" type="slidenum">
+              <a:rPr lang="en-US" smtClean="0"/>
+              <a:t>7</a:t>
+            </a:fld>
+            <a:endParaRPr lang="en-US"/>
+          </a:p>
+        </p:txBody>
+      </p:sp>
+      <p:sp>
+        <p:nvSpPr>
+          <p:cNvPr id="6" name="TextBox 5">
+            <a:extLst>
+              <a:ext uri="{FF2B5EF4-FFF2-40B4-BE49-F238E27FC236}">
+                <a16:creationId xmlns:a16="http://schemas.microsoft.com/office/drawing/2014/main" id="{C909DB3B-ECE2-4B67-A730-790586263E23}"/>
+              </a:ext>
+            </a:extLst>
+          </p:cNvPr>
+          <p:cNvSpPr txBox="1"/>
+          <p:nvPr/>
+        </p:nvSpPr>
+        <p:spPr bwMode="gray">
+          <a:xfrm>
+            <a:off x="401954" y="3404840"/>
+            <a:ext cx="10555605" cy="646331"/>
+          </a:xfrm>
+          <a:prstGeom prst="rect">
+            <a:avLst/>
+          </a:prstGeom>
+          <a:noFill/>
+        </p:spPr>
+        <p:txBody>
+          <a:bodyPr wrap="square">
+            <a:spAutoFit/>
+          </a:bodyPr>
+          <a:lstStyle/>
+          <a:p>
+            <a:r>
+              <a:rPr lang="en-US" dirty="0"/>
+              <a:t>Attention allows to determine if "they" is councilmen or demonstrators.</a:t>
+            </a:r>
+          </a:p>
+          <a:p>
+            <a:r>
+              <a:rPr lang="en-US" dirty="0"/>
+              <a:t>In the machine translation case, we call it self-attention.</a:t>
+            </a:r>
+          </a:p>
+        </p:txBody>
+      </p:sp>
+      <p:sp>
+        <p:nvSpPr>
+          <p:cNvPr id="8" name="TextBox 7">
+            <a:extLst>
+              <a:ext uri="{FF2B5EF4-FFF2-40B4-BE49-F238E27FC236}">
+                <a16:creationId xmlns:a16="http://schemas.microsoft.com/office/drawing/2014/main" id="{EA77FEF5-3486-47FB-93C0-3D8BD555D936}"/>
+              </a:ext>
+            </a:extLst>
+          </p:cNvPr>
+          <p:cNvSpPr txBox="1"/>
+          <p:nvPr/>
+        </p:nvSpPr>
+        <p:spPr bwMode="gray">
+          <a:xfrm>
+            <a:off x="0" y="6552595"/>
+            <a:ext cx="5122014" cy="281464"/>
+          </a:xfrm>
+          <a:prstGeom prst="rect">
+            <a:avLst/>
+          </a:prstGeom>
+          <a:noFill/>
+        </p:spPr>
+        <p:txBody>
+          <a:bodyPr wrap="square">
+            <a:spAutoFit/>
+          </a:bodyPr>
+          <a:lstStyle/>
+          <a:p>
+            <a:r>
+              <a:rPr lang="en-US" sz="1200" dirty="0"/>
+              <a:t>[1] https://en.wikipedia.org/wiki/Winograd_Schema_Challenge</a:t>
+            </a:r>
+          </a:p>
+        </p:txBody>
+      </p:sp>
+      <p:sp>
+        <p:nvSpPr>
+          <p:cNvPr id="10" name="TextBox 9">
+            <a:extLst>
+              <a:ext uri="{FF2B5EF4-FFF2-40B4-BE49-F238E27FC236}">
+                <a16:creationId xmlns:a16="http://schemas.microsoft.com/office/drawing/2014/main" id="{5BE05B10-1D82-4287-9EAF-B28454F21E3E}"/>
+              </a:ext>
+            </a:extLst>
+          </p:cNvPr>
+          <p:cNvSpPr txBox="1"/>
+          <p:nvPr/>
+        </p:nvSpPr>
+        <p:spPr bwMode="gray">
+          <a:xfrm>
+            <a:off x="401954" y="2117658"/>
+            <a:ext cx="11089005" cy="369332"/>
+          </a:xfrm>
+          <a:prstGeom prst="rect">
+            <a:avLst/>
+          </a:prstGeom>
+          <a:noFill/>
+        </p:spPr>
+        <p:txBody>
+          <a:bodyPr wrap="square">
+            <a:spAutoFit/>
+          </a:bodyPr>
+          <a:lstStyle/>
+          <a:p>
+            <a:r>
+              <a:rPr lang="en-US" dirty="0"/>
+              <a:t>2- The city councilmen refused the demonstrators a permit because </a:t>
+            </a:r>
+            <a:r>
+              <a:rPr lang="en-US" b="1" dirty="0"/>
+              <a:t>they</a:t>
+            </a:r>
+            <a:r>
+              <a:rPr lang="en-US" dirty="0"/>
+              <a:t> </a:t>
+            </a:r>
+            <a:r>
+              <a:rPr lang="en-US" u="sng" dirty="0"/>
+              <a:t>advocated</a:t>
+            </a:r>
+            <a:r>
+              <a:rPr lang="en-US" dirty="0"/>
+              <a:t> violence.</a:t>
+            </a:r>
+          </a:p>
+        </p:txBody>
+      </p:sp>
+      <p:sp>
+        <p:nvSpPr>
+          <p:cNvPr id="12" name="TextBox 11">
+            <a:extLst>
+              <a:ext uri="{FF2B5EF4-FFF2-40B4-BE49-F238E27FC236}">
+                <a16:creationId xmlns:a16="http://schemas.microsoft.com/office/drawing/2014/main" id="{7434E367-45F4-4DF9-B08D-63E211072EEE}"/>
+              </a:ext>
+            </a:extLst>
+          </p:cNvPr>
+          <p:cNvSpPr txBox="1"/>
+          <p:nvPr/>
+        </p:nvSpPr>
+        <p:spPr bwMode="gray">
+          <a:xfrm>
+            <a:off x="401954" y="2673519"/>
+            <a:ext cx="8002906" cy="369332"/>
+          </a:xfrm>
+          <a:prstGeom prst="rect">
+            <a:avLst/>
+          </a:prstGeom>
+          <a:noFill/>
+        </p:spPr>
+        <p:txBody>
+          <a:bodyPr wrap="square">
+            <a:spAutoFit/>
+          </a:bodyPr>
+          <a:lstStyle/>
+          <a:p>
+            <a:r>
+              <a:rPr lang="en-US" dirty="0"/>
+              <a:t>in 1, "they" is councilmen, while in 2, "they" is demonstrators.</a:t>
+            </a:r>
+          </a:p>
+        </p:txBody>
+      </p:sp>
+    </p:spTree>
+    <p:extLst>
+      <p:ext uri="{BB962C8B-B14F-4D97-AF65-F5344CB8AC3E}">
+        <p14:creationId xmlns:p14="http://schemas.microsoft.com/office/powerpoint/2010/main" val="4268412844"/>
+      </p:ext>
+    </p:extLst>
+  </p:cSld>
+  <p:clrMapOvr>
+    <a:masterClrMapping/>
+  </p:clrMapOvr>
+</p:sld>
+</file>
+
+<file path=ppt/slides/slide8.xml><?xml version="1.0" encoding="utf-8"?>
+<p:sld xmlns:a="http://schemas.openxmlformats.org/drawingml/2006/main" xmlns:r="http://schemas.openxmlformats.org/officeDocument/2006/relationships" xmlns:p="http://schemas.openxmlformats.org/presentationml/2006/main">
+  <p:cSld>
+    <p:spTree>
+      <p:nvGrpSpPr>
+        <p:cNvPr id="1" name=""/>
+        <p:cNvGrpSpPr/>
+        <p:nvPr/>
+      </p:nvGrpSpPr>
+      <p:grpSpPr>
+        <a:xfrm>
+          <a:off x="0" y="0"/>
+          <a:ext cx="0" cy="0"/>
+          <a:chOff x="0" y="0"/>
+          <a:chExt cx="0" cy="0"/>
+        </a:xfrm>
+      </p:grpSpPr>
+      <p:sp>
+        <p:nvSpPr>
+          <p:cNvPr id="2" name="Title 1">
+            <a:extLst>
+              <a:ext uri="{FF2B5EF4-FFF2-40B4-BE49-F238E27FC236}">
                 <a16:creationId xmlns:a16="http://schemas.microsoft.com/office/drawing/2014/main" id="{C3984FBB-96CD-4D51-A36C-FAD01B5B758C}"/>
               </a:ext>
             </a:extLst>
@@ -24030,7 +24375,7 @@
           <a:p>
             <a:fld id="{81561042-0DC2-4A04-AA50-F6D44EB20EBA}" type="slidenum">
               <a:rPr lang="en-US" smtClean="0"/>
-              <a:t>7</a:t>
+              <a:t>8</a:t>
             </a:fld>
             <a:endParaRPr lang="en-US"/>
           </a:p>
@@ -24867,7 +25212,7 @@
               </a:spcAft>
             </a:pPr>
             <a:r>
-              <a:rPr lang="pt-BR" sz="1600" b="1" dirty="0">
+              <a:rPr lang="pt-BR" sz="1600" b="1" dirty="0" err="1">
                 <a:solidFill>
                   <a:schemeClr val="tx1"/>
                 </a:solidFill>
@@ -24875,12 +25220,12 @@
               <a:t>x</a:t>
             </a:r>
             <a:r>
-              <a:rPr lang="pt-BR" sz="1600" b="1" baseline="-25000" dirty="0">
+              <a:rPr lang="pt-BR" sz="1600" b="1" baseline="-25000" dirty="0" err="1">
                 <a:solidFill>
                   <a:schemeClr val="tx1"/>
                 </a:solidFill>
               </a:rPr>
-              <a:t>1</a:t>
+              <a:t>o</a:t>
             </a:r>
             <a:endParaRPr lang="en-US" sz="1600" b="1" baseline="-25000" dirty="0" err="1">
               <a:solidFill>
@@ -27128,7 +27473,7 @@
 </p:sld>
 </file>
 
-<file path=ppt/slides/slide8.xml><?xml version="1.0" encoding="utf-8"?>
+<file path=ppt/slides/slide9.xml><?xml version="1.0" encoding="utf-8"?>
 <p:sld xmlns:a="http://schemas.openxmlformats.org/drawingml/2006/main" xmlns:r="http://schemas.openxmlformats.org/officeDocument/2006/relationships" xmlns:p="http://schemas.openxmlformats.org/presentationml/2006/main">
   <p:cSld>
     <p:spTree>
@@ -27392,7 +27737,7 @@
           <a:p>
             <a:fld id="{81561042-0DC2-4A04-AA50-F6D44EB20EBA}" type="slidenum">
               <a:rPr lang="en-US" smtClean="0"/>
-              <a:t>8</a:t>
+              <a:t>9</a:t>
             </a:fld>
             <a:endParaRPr lang="en-US"/>
           </a:p>
@@ -28742,326 +29087,6 @@
     <p:extLst>
       <p:ext uri="{BB962C8B-B14F-4D97-AF65-F5344CB8AC3E}">
         <p14:creationId xmlns:p14="http://schemas.microsoft.com/office/powerpoint/2010/main" val="4275470425"/>
-      </p:ext>
-    </p:extLst>
-  </p:cSld>
-  <p:clrMapOvr>
-    <a:masterClrMapping/>
-  </p:clrMapOvr>
-</p:sld>
-</file>
-
-<file path=ppt/slides/slide9.xml><?xml version="1.0" encoding="utf-8"?>
-<p:sld xmlns:a="http://schemas.openxmlformats.org/drawingml/2006/main" xmlns:r="http://schemas.openxmlformats.org/officeDocument/2006/relationships" xmlns:p="http://schemas.openxmlformats.org/presentationml/2006/main">
-  <p:cSld>
-    <p:spTree>
-      <p:nvGrpSpPr>
-        <p:cNvPr id="1" name=""/>
-        <p:cNvGrpSpPr/>
-        <p:nvPr/>
-      </p:nvGrpSpPr>
-      <p:grpSpPr>
-        <a:xfrm>
-          <a:off x="0" y="0"/>
-          <a:ext cx="0" cy="0"/>
-          <a:chOff x="0" y="0"/>
-          <a:chExt cx="0" cy="0"/>
-        </a:xfrm>
-      </p:grpSpPr>
-      <p:sp>
-        <p:nvSpPr>
-          <p:cNvPr id="2" name="Title 1">
-            <a:extLst>
-              <a:ext uri="{FF2B5EF4-FFF2-40B4-BE49-F238E27FC236}">
-                <a16:creationId xmlns:a16="http://schemas.microsoft.com/office/drawing/2014/main" id="{8550E840-399B-471C-B449-3232C34C7B62}"/>
-              </a:ext>
-            </a:extLst>
-          </p:cNvPr>
-          <p:cNvSpPr>
-            <a:spLocks noGrp="1"/>
-          </p:cNvSpPr>
-          <p:nvPr>
-            <p:ph type="title"/>
-          </p:nvPr>
-        </p:nvSpPr>
-        <p:spPr/>
-        <p:txBody>
-          <a:bodyPr/>
-          <a:lstStyle/>
-          <a:p>
-            <a:r>
-              <a:rPr lang="en-US" dirty="0"/>
-              <a:t>Example</a:t>
-            </a:r>
-          </a:p>
-        </p:txBody>
-      </p:sp>
-      <p:sp>
-        <p:nvSpPr>
-          <p:cNvPr id="3" name="Content Placeholder 2">
-            <a:extLst>
-              <a:ext uri="{FF2B5EF4-FFF2-40B4-BE49-F238E27FC236}">
-                <a16:creationId xmlns:a16="http://schemas.microsoft.com/office/drawing/2014/main" id="{31E1FEF9-6232-4AAB-A761-DD309A111138}"/>
-              </a:ext>
-            </a:extLst>
-          </p:cNvPr>
-          <p:cNvSpPr>
-            <a:spLocks noGrp="1"/>
-          </p:cNvSpPr>
-          <p:nvPr>
-            <p:ph idx="1"/>
-          </p:nvPr>
-        </p:nvSpPr>
-        <p:spPr>
-          <a:xfrm>
-            <a:off x="478369" y="1213308"/>
-            <a:ext cx="11473384" cy="4797724"/>
-          </a:xfrm>
-        </p:spPr>
-        <p:txBody>
-          <a:bodyPr/>
-          <a:lstStyle/>
-          <a:p>
-            <a:r>
-              <a:rPr lang="en-US" dirty="0">
-                <a:latin typeface="Arial" panose="020B0604020202020204" pitchFamily="34" charset="0"/>
-              </a:rPr>
-              <a:t>Take three vectors (Query, Key, and Value) that embeddings of sentences</a:t>
-            </a:r>
-          </a:p>
-          <a:p>
-            <a:r>
-              <a:rPr lang="en-US" u="sng" dirty="0">
-                <a:effectLst/>
-                <a:latin typeface="Arial" panose="020B0604020202020204" pitchFamily="34" charset="0"/>
-              </a:rPr>
-              <a:t>Example</a:t>
-            </a:r>
-            <a:r>
-              <a:rPr lang="en-US" dirty="0">
-                <a:effectLst/>
-                <a:latin typeface="Arial" panose="020B0604020202020204" pitchFamily="34" charset="0"/>
-              </a:rPr>
-              <a:t>:</a:t>
-            </a:r>
-          </a:p>
-          <a:p>
-            <a:r>
-              <a:rPr lang="en-US" dirty="0">
-                <a:latin typeface="Arial" panose="020B0604020202020204" pitchFamily="34" charset="0"/>
-              </a:rPr>
-              <a:t>Query: </a:t>
-            </a:r>
-            <a:r>
-              <a:rPr lang="en-US" dirty="0" err="1">
-                <a:latin typeface="Arial" panose="020B0604020202020204" pitchFamily="34" charset="0"/>
-              </a:rPr>
-              <a:t>S</a:t>
-            </a:r>
-            <a:r>
-              <a:rPr lang="en-US" baseline="-25000" dirty="0" err="1">
-                <a:latin typeface="Arial" panose="020B0604020202020204" pitchFamily="34" charset="0"/>
-              </a:rPr>
-              <a:t>j</a:t>
-            </a:r>
-            <a:r>
-              <a:rPr lang="en-US" dirty="0">
-                <a:latin typeface="Arial" panose="020B0604020202020204" pitchFamily="34" charset="0"/>
-              </a:rPr>
-              <a:t> (a hidden vector for </a:t>
-            </a:r>
-            <a:r>
-              <a:rPr lang="en-US" dirty="0" err="1">
-                <a:latin typeface="Arial" panose="020B0604020202020204" pitchFamily="34" charset="0"/>
-              </a:rPr>
-              <a:t>i</a:t>
-            </a:r>
-            <a:r>
-              <a:rPr lang="en-US" baseline="30000" dirty="0" err="1">
-                <a:latin typeface="Arial" panose="020B0604020202020204" pitchFamily="34" charset="0"/>
-              </a:rPr>
-              <a:t>th</a:t>
-            </a:r>
-            <a:r>
-              <a:rPr lang="en-US" dirty="0">
-                <a:latin typeface="Arial" panose="020B0604020202020204" pitchFamily="34" charset="0"/>
-              </a:rPr>
-              <a:t> output word)</a:t>
-            </a:r>
-          </a:p>
-          <a:p>
-            <a:r>
-              <a:rPr lang="en-US" dirty="0">
-                <a:latin typeface="Arial" panose="020B0604020202020204" pitchFamily="34" charset="0"/>
-              </a:rPr>
-              <a:t>Key= </a:t>
-            </a:r>
-            <a:r>
-              <a:rPr lang="en-US" dirty="0" err="1">
-                <a:latin typeface="Arial" panose="020B0604020202020204" pitchFamily="34" charset="0"/>
-              </a:rPr>
-              <a:t>h</a:t>
-            </a:r>
-            <a:r>
-              <a:rPr lang="en-US" baseline="-25000" dirty="0" err="1">
-                <a:latin typeface="Arial" panose="020B0604020202020204" pitchFamily="34" charset="0"/>
-              </a:rPr>
-              <a:t>j</a:t>
-            </a:r>
-            <a:r>
-              <a:rPr lang="en-US" dirty="0">
-                <a:latin typeface="Arial" panose="020B0604020202020204" pitchFamily="34" charset="0"/>
-              </a:rPr>
-              <a:t> (a hidden vector for </a:t>
-            </a:r>
-            <a:r>
-              <a:rPr lang="en-US" dirty="0" err="1">
-                <a:latin typeface="Arial" panose="020B0604020202020204" pitchFamily="34" charset="0"/>
-              </a:rPr>
-              <a:t>j</a:t>
-            </a:r>
-            <a:r>
-              <a:rPr lang="en-US" baseline="30000" dirty="0" err="1">
-                <a:latin typeface="Arial" panose="020B0604020202020204" pitchFamily="34" charset="0"/>
-              </a:rPr>
-              <a:t>th</a:t>
-            </a:r>
-            <a:r>
-              <a:rPr lang="en-US" dirty="0">
-                <a:latin typeface="Arial" panose="020B0604020202020204" pitchFamily="34" charset="0"/>
-              </a:rPr>
-              <a:t> input word)</a:t>
-            </a:r>
-          </a:p>
-          <a:p>
-            <a:r>
-              <a:rPr lang="en-US" dirty="0">
-                <a:effectLst/>
-                <a:latin typeface="Arial" panose="020B0604020202020204" pitchFamily="34" charset="0"/>
-              </a:rPr>
-              <a:t>Value: </a:t>
-            </a:r>
-            <a:r>
-              <a:rPr lang="en-US" dirty="0" err="1">
-                <a:effectLst/>
-                <a:latin typeface="Arial" panose="020B0604020202020204" pitchFamily="34" charset="0"/>
-              </a:rPr>
-              <a:t>h</a:t>
-            </a:r>
-            <a:r>
-              <a:rPr lang="en-US" baseline="-25000" dirty="0" err="1">
-                <a:effectLst/>
-                <a:latin typeface="Arial" panose="020B0604020202020204" pitchFamily="34" charset="0"/>
-              </a:rPr>
-              <a:t>j</a:t>
-            </a:r>
-            <a:r>
-              <a:rPr lang="en-US" dirty="0">
-                <a:latin typeface="Arial" panose="020B0604020202020204" pitchFamily="34" charset="0"/>
-              </a:rPr>
-              <a:t> (a hidden vector for the </a:t>
-            </a:r>
-            <a:r>
-              <a:rPr lang="en-US" dirty="0" err="1">
-                <a:latin typeface="Arial" panose="020B0604020202020204" pitchFamily="34" charset="0"/>
-              </a:rPr>
-              <a:t>j</a:t>
-            </a:r>
-            <a:r>
-              <a:rPr lang="en-US" baseline="30000" dirty="0" err="1">
-                <a:latin typeface="Arial" panose="020B0604020202020204" pitchFamily="34" charset="0"/>
-              </a:rPr>
-              <a:t>th</a:t>
-            </a:r>
-            <a:r>
-              <a:rPr lang="en-US" dirty="0">
-                <a:latin typeface="Arial" panose="020B0604020202020204" pitchFamily="34" charset="0"/>
-              </a:rPr>
-              <a:t> input word)</a:t>
-            </a:r>
-          </a:p>
-          <a:p>
-            <a:endParaRPr lang="en-US" dirty="0">
-              <a:effectLst/>
-              <a:latin typeface="Arial" panose="020B0604020202020204" pitchFamily="34" charset="0"/>
-            </a:endParaRPr>
-          </a:p>
-          <a:p>
-            <a:r>
-              <a:rPr lang="en-US" b="1" dirty="0">
-                <a:latin typeface="Arial" panose="020B0604020202020204" pitchFamily="34" charset="0"/>
-              </a:rPr>
-              <a:t>Translation</a:t>
-            </a:r>
-          </a:p>
-          <a:p>
-            <a:r>
-              <a:rPr lang="en-US" dirty="0">
-                <a:latin typeface="Arial" panose="020B0604020202020204" pitchFamily="34" charset="0"/>
-              </a:rPr>
-              <a:t>The attention mechanism will allow me to decide which are the words that I am interested in translating next.</a:t>
-            </a:r>
-          </a:p>
-          <a:p>
-            <a:r>
-              <a:rPr lang="en-US" b="1" dirty="0" err="1">
-                <a:effectLst/>
-                <a:latin typeface="Arial" panose="020B0604020202020204" pitchFamily="34" charset="0"/>
-              </a:rPr>
-              <a:t>Question&amp;Answers</a:t>
-            </a:r>
-            <a:endParaRPr lang="en-US" b="1" dirty="0">
-              <a:effectLst/>
-              <a:latin typeface="Arial" panose="020B0604020202020204" pitchFamily="34" charset="0"/>
-            </a:endParaRPr>
-          </a:p>
-          <a:p>
-            <a:r>
-              <a:rPr lang="en-US" dirty="0">
-                <a:latin typeface="Arial" panose="020B0604020202020204" pitchFamily="34" charset="0"/>
-              </a:rPr>
-              <a:t>The attention mechanism allows to decide which answers should be match against a question</a:t>
-            </a:r>
-            <a:endParaRPr lang="en-US" dirty="0"/>
-          </a:p>
-          <a:p>
-            <a:endParaRPr lang="en-US" dirty="0"/>
-          </a:p>
-        </p:txBody>
-      </p:sp>
-      <p:sp>
-        <p:nvSpPr>
-          <p:cNvPr id="4" name="Slide Number Placeholder 3">
-            <a:extLst>
-              <a:ext uri="{FF2B5EF4-FFF2-40B4-BE49-F238E27FC236}">
-                <a16:creationId xmlns:a16="http://schemas.microsoft.com/office/drawing/2014/main" id="{953BCCAB-8529-4AA9-BF9C-8BBCCF7BC6BB}"/>
-              </a:ext>
-            </a:extLst>
-          </p:cNvPr>
-          <p:cNvSpPr>
-            <a:spLocks noGrp="1"/>
-          </p:cNvSpPr>
-          <p:nvPr>
-            <p:ph type="sldNum" sz="quarter" idx="12"/>
-          </p:nvPr>
-        </p:nvSpPr>
-        <p:spPr/>
-        <p:txBody>
-          <a:bodyPr/>
-          <a:lstStyle/>
-          <a:p>
-            <a:fld id="{81561042-0DC2-4A04-AA50-F6D44EB20EBA}" type="slidenum">
-              <a:rPr lang="en-US" smtClean="0"/>
-              <a:t>9</a:t>
-            </a:fld>
-            <a:endParaRPr lang="en-US"/>
-          </a:p>
-        </p:txBody>
-      </p:sp>
-    </p:spTree>
-    <p:extLst>
-      <p:ext uri="{BB962C8B-B14F-4D97-AF65-F5344CB8AC3E}">
-        <p14:creationId xmlns:p14="http://schemas.microsoft.com/office/powerpoint/2010/main" val="651013650"/>
       </p:ext>
     </p:extLst>
   </p:cSld>

--- a/8. Graph Attention Networks.pptx
+++ b/8. Graph Attention Networks.pptx
@@ -926,6 +926,30 @@
               <a:rPr lang="en-US" dirty="0"/>
               <a:t>Multi-head attention helps to stabilize the learning process</a:t>
             </a:r>
+          </a:p>
+          <a:p>
+            <a:endParaRPr lang="en-US" dirty="0"/>
+          </a:p>
+          <a:p>
+            <a:r>
+              <a:rPr lang="en-US" dirty="0"/>
+              <a:t>The position encoding is </a:t>
+            </a:r>
+            <a:r>
+              <a:rPr lang="en-US" dirty="0">
+                <a:effectLst/>
+              </a:rPr>
+              <a:t>d</a:t>
+            </a:r>
+            <a:r>
+              <a:rPr lang="en-US" dirty="0"/>
+              <a:t>-dimensional vector containing the information about a specific position in a sentence. Additionally, because this encoding is not integrated into the model itself, this vector is used to equip each word with information about its position in a sentence</a:t>
+            </a:r>
+            <a:r>
+              <a:rPr lang="en-US"/>
+              <a:t>. </a:t>
+            </a:r>
+            <a:endParaRPr lang="en-US" dirty="0"/>
           </a:p>
         </p:txBody>
       </p:sp>
@@ -14314,8 +14338,8 @@
           </a:fontRef>
         </p:style>
       </p:cxnSp>
-      <mc:AlternateContent xmlns:mc="http://schemas.openxmlformats.org/markup-compatibility/2006">
-        <mc:Choice xmlns:a14="http://schemas.microsoft.com/office/drawing/2010/main" Requires="a14">
+      <mc:AlternateContent xmlns:mc="http://schemas.openxmlformats.org/markup-compatibility/2006" xmlns:a14="http://schemas.microsoft.com/office/drawing/2010/main">
+        <mc:Choice Requires="a14">
           <p:sp>
             <p:nvSpPr>
               <p:cNvPr id="116" name="TextBox 115">
@@ -14364,6 +14388,7 @@
                 </a:r>
               </a:p>
               <a:p>
+                <a:pPr/>
                 <a14:m>
                   <m:oMathPara xmlns:m="http://schemas.openxmlformats.org/officeDocument/2006/math">
                     <m:oMathParaPr>
@@ -14536,7 +14561,7 @@
             </p:txBody>
           </p:sp>
         </mc:Choice>
-        <mc:Fallback>
+        <mc:Fallback xmlns="">
           <p:sp>
             <p:nvSpPr>
               <p:cNvPr id="116" name="TextBox 115">
@@ -15350,8 +15375,8 @@
           </a:p>
         </p:txBody>
       </p:sp>
-      <mc:AlternateContent xmlns:mc="http://schemas.openxmlformats.org/markup-compatibility/2006">
-        <mc:Choice xmlns:a14="http://schemas.microsoft.com/office/drawing/2010/main" Requires="a14">
+      <mc:AlternateContent xmlns:mc="http://schemas.openxmlformats.org/markup-compatibility/2006" xmlns:a14="http://schemas.microsoft.com/office/drawing/2010/main">
+        <mc:Choice Requires="a14">
           <p:sp>
             <p:nvSpPr>
               <p:cNvPr id="137" name="TextBox 136">
@@ -15491,7 +15516,7 @@
             </p:txBody>
           </p:sp>
         </mc:Choice>
-        <mc:Fallback>
+        <mc:Fallback xmlns="">
           <p:sp>
             <p:nvSpPr>
               <p:cNvPr id="137" name="TextBox 136">
@@ -17191,8 +17216,8 @@
           </a:p>
         </p:txBody>
       </p:sp>
-      <mc:AlternateContent xmlns:mc="http://schemas.openxmlformats.org/markup-compatibility/2006">
-        <mc:Choice xmlns:a14="http://schemas.microsoft.com/office/drawing/2010/main" Requires="a14">
+      <mc:AlternateContent xmlns:mc="http://schemas.openxmlformats.org/markup-compatibility/2006" xmlns:a14="http://schemas.microsoft.com/office/drawing/2010/main">
+        <mc:Choice Requires="a14">
           <p:sp>
             <p:nvSpPr>
               <p:cNvPr id="3" name="Content Placeholder 2">
@@ -17554,7 +17579,7 @@
             </p:txBody>
           </p:sp>
         </mc:Choice>
-        <mc:Fallback>
+        <mc:Fallback xmlns="">
           <p:sp>
             <p:nvSpPr>
               <p:cNvPr id="3" name="Content Placeholder 2">
@@ -17896,8 +17921,8 @@
           </a:p>
         </p:txBody>
       </p:sp>
-      <mc:AlternateContent xmlns:mc="http://schemas.openxmlformats.org/markup-compatibility/2006">
-        <mc:Choice xmlns:a14="http://schemas.microsoft.com/office/drawing/2010/main" Requires="a14">
+      <mc:AlternateContent xmlns:mc="http://schemas.openxmlformats.org/markup-compatibility/2006" xmlns:a14="http://schemas.microsoft.com/office/drawing/2010/main">
+        <mc:Choice Requires="a14">
           <p:sp>
             <p:nvSpPr>
               <p:cNvPr id="11" name="TextBox 10">
@@ -18027,7 +18052,7 @@
             </p:txBody>
           </p:sp>
         </mc:Choice>
-        <mc:Fallback>
+        <mc:Fallback xmlns="">
           <p:sp>
             <p:nvSpPr>
               <p:cNvPr id="11" name="TextBox 10">
@@ -18283,8 +18308,8 @@
           </a:p>
         </p:txBody>
       </p:sp>
-      <mc:AlternateContent xmlns:mc="http://schemas.openxmlformats.org/markup-compatibility/2006">
-        <mc:Choice xmlns:a14="http://schemas.microsoft.com/office/drawing/2010/main" Requires="a14">
+      <mc:AlternateContent xmlns:mc="http://schemas.openxmlformats.org/markup-compatibility/2006" xmlns:a14="http://schemas.microsoft.com/office/drawing/2010/main">
+        <mc:Choice Requires="a14">
           <p:sp>
             <p:nvSpPr>
               <p:cNvPr id="11" name="TextBox 10">
@@ -18414,7 +18439,7 @@
             </p:txBody>
           </p:sp>
         </mc:Choice>
-        <mc:Fallback>
+        <mc:Fallback xmlns="">
           <p:sp>
             <p:nvSpPr>
               <p:cNvPr id="11" name="TextBox 10">
@@ -18579,8 +18604,8 @@
           </a:prstGeom>
         </p:spPr>
       </p:pic>
-      <mc:AlternateContent xmlns:mc="http://schemas.openxmlformats.org/markup-compatibility/2006">
-        <mc:Choice xmlns:a14="http://schemas.microsoft.com/office/drawing/2010/main" Requires="a14">
+      <mc:AlternateContent xmlns:mc="http://schemas.openxmlformats.org/markup-compatibility/2006" xmlns:a14="http://schemas.microsoft.com/office/drawing/2010/main">
+        <mc:Choice Requires="a14">
           <p:sp>
             <p:nvSpPr>
               <p:cNvPr id="22" name="TextBox 21">
@@ -18721,7 +18746,7 @@
             </p:txBody>
           </p:sp>
         </mc:Choice>
-        <mc:Fallback>
+        <mc:Fallback xmlns="">
           <p:sp>
             <p:nvSpPr>
               <p:cNvPr id="22" name="TextBox 21">
@@ -18766,8 +18791,8 @@
           </p:sp>
         </mc:Fallback>
       </mc:AlternateContent>
-      <mc:AlternateContent xmlns:mc="http://schemas.openxmlformats.org/markup-compatibility/2006">
-        <mc:Choice xmlns:a14="http://schemas.microsoft.com/office/drawing/2010/main" Requires="a14">
+      <mc:AlternateContent xmlns:mc="http://schemas.openxmlformats.org/markup-compatibility/2006" xmlns:a14="http://schemas.microsoft.com/office/drawing/2010/main">
+        <mc:Choice Requires="a14">
           <p:sp>
             <p:nvSpPr>
               <p:cNvPr id="24" name="TextBox 23">
@@ -18849,7 +18874,7 @@
             </p:txBody>
           </p:sp>
         </mc:Choice>
-        <mc:Fallback>
+        <mc:Fallback xmlns="">
           <p:sp>
             <p:nvSpPr>
               <p:cNvPr id="24" name="TextBox 23">
@@ -20883,7 +20908,7 @@
         </p:nvSpPr>
         <p:spPr bwMode="gray">
           <a:xfrm>
-            <a:off x="7554054" y="3280396"/>
+            <a:off x="7497741" y="3214387"/>
             <a:ext cx="3911486" cy="2785579"/>
           </a:xfrm>
           <a:prstGeom prst="roundRect">
@@ -21085,7 +21110,7 @@
             </a:r>
             <a:r>
               <a:rPr lang="en-US" sz="1600" dirty="0"/>
-              <a:t>captures the sequence of the input (e.g., words, as they matter to the translation task)</a:t>
+              <a:t>captures the sequence of the input. It uses a sin and cosine to have a continuous encoding [2]</a:t>
             </a:r>
           </a:p>
         </p:txBody>
@@ -21375,7 +21400,7 @@
         </p:nvSpPr>
         <p:spPr bwMode="gray">
           <a:xfrm>
-            <a:off x="6231973" y="6347560"/>
+            <a:off x="7147255" y="6313268"/>
             <a:ext cx="4318285" cy="523220"/>
           </a:xfrm>
           <a:prstGeom prst="rect">
@@ -21410,8 +21435,8 @@
         </p:nvSpPr>
         <p:spPr bwMode="gray">
           <a:xfrm>
-            <a:off x="94456" y="6566263"/>
-            <a:ext cx="5572325" cy="276999"/>
+            <a:off x="0" y="6406789"/>
+            <a:ext cx="6907013" cy="461665"/>
           </a:xfrm>
           <a:prstGeom prst="rect">
             <a:avLst/>
@@ -21426,7 +21451,20 @@
           <a:p>
             <a:r>
               <a:rPr lang="en-US" sz="1200" dirty="0"/>
-              <a:t>[1] http://jalammar.github.io/images/t/transformer_decoding_2.gif</a:t>
+              <a:t>[1]</a:t>
+            </a:r>
+            <a:r>
+              <a:rPr lang="en-US" sz="1200" dirty="0">
+                <a:hlinkClick r:id="rId6"/>
+              </a:rPr>
+              <a:t>http://jalammar.github.io/images/t/transformer_decoding_2.gif</a:t>
+            </a:r>
+            <a:endParaRPr lang="en-US" sz="1200" dirty="0"/>
+          </a:p>
+          <a:p>
+            <a:r>
+              <a:rPr lang="en-US" sz="1200" dirty="0"/>
+              <a:t>[2]https://kazemnejad.com/blog/transformer_architecture_positional_encoding/    </a:t>
             </a:r>
           </a:p>
         </p:txBody>
@@ -21449,8 +21487,8 @@
         </p:nvCxnSpPr>
         <p:spPr bwMode="gray">
           <a:xfrm>
-            <a:off x="6644640" y="6150614"/>
-            <a:ext cx="1746476" cy="196946"/>
+            <a:off x="6705509" y="6082778"/>
+            <a:ext cx="2600889" cy="230490"/>
           </a:xfrm>
           <a:prstGeom prst="bentConnector2">
             <a:avLst/>
@@ -21491,7 +21529,7 @@
         </p:nvSpPr>
         <p:spPr bwMode="gray">
           <a:xfrm>
-            <a:off x="6548846" y="6065975"/>
+            <a:off x="6609715" y="5998139"/>
             <a:ext cx="95794" cy="169277"/>
           </a:xfrm>
           <a:prstGeom prst="rect">
@@ -27518,8 +27556,8 @@
           </a:p>
         </p:txBody>
       </p:sp>
-      <mc:AlternateContent xmlns:mc="http://schemas.openxmlformats.org/markup-compatibility/2006">
-        <mc:Choice xmlns:a14="http://schemas.microsoft.com/office/drawing/2010/main" Requires="a14">
+      <mc:AlternateContent xmlns:mc="http://schemas.openxmlformats.org/markup-compatibility/2006" xmlns:a14="http://schemas.microsoft.com/office/drawing/2010/main">
+        <mc:Choice Requires="a14">
           <p:sp>
             <p:nvSpPr>
               <p:cNvPr id="3" name="Content Placeholder 2">
@@ -27670,7 +27708,7 @@
             </p:txBody>
           </p:sp>
         </mc:Choice>
-        <mc:Fallback>
+        <mc:Fallback xmlns="">
           <p:sp>
             <p:nvSpPr>
               <p:cNvPr id="3" name="Content Placeholder 2">
@@ -27743,8 +27781,8 @@
           </a:p>
         </p:txBody>
       </p:sp>
-      <mc:AlternateContent xmlns:mc="http://schemas.openxmlformats.org/markup-compatibility/2006">
-        <mc:Choice xmlns:a14="http://schemas.microsoft.com/office/drawing/2010/main" Requires="a14">
+      <mc:AlternateContent xmlns:mc="http://schemas.openxmlformats.org/markup-compatibility/2006" xmlns:a14="http://schemas.microsoft.com/office/drawing/2010/main">
+        <mc:Choice Requires="a14">
           <p:sp>
             <p:nvSpPr>
               <p:cNvPr id="5" name="TextBox 4">
@@ -28073,7 +28111,7 @@
             </p:txBody>
           </p:sp>
         </mc:Choice>
-        <mc:Fallback>
+        <mc:Fallback xmlns="">
           <p:sp>
             <p:nvSpPr>
               <p:cNvPr id="5" name="TextBox 4">
@@ -28362,8 +28400,8 @@
           </a:p>
         </p:txBody>
       </p:sp>
-      <mc:AlternateContent xmlns:mc="http://schemas.openxmlformats.org/markup-compatibility/2006">
-        <mc:Choice xmlns:a14="http://schemas.microsoft.com/office/drawing/2010/main" Requires="a14">
+      <mc:AlternateContent xmlns:mc="http://schemas.openxmlformats.org/markup-compatibility/2006" xmlns:a14="http://schemas.microsoft.com/office/drawing/2010/main">
+        <mc:Choice Requires="a14">
           <p:sp>
             <p:nvSpPr>
               <p:cNvPr id="10" name="TextBox 9">
@@ -28451,7 +28489,7 @@
             </p:txBody>
           </p:sp>
         </mc:Choice>
-        <mc:Fallback>
+        <mc:Fallback xmlns="">
           <p:sp>
             <p:nvSpPr>
               <p:cNvPr id="10" name="TextBox 9">
@@ -28496,8 +28534,8 @@
           </p:sp>
         </mc:Fallback>
       </mc:AlternateContent>
-      <mc:AlternateContent xmlns:mc="http://schemas.openxmlformats.org/markup-compatibility/2006">
-        <mc:Choice xmlns:a14="http://schemas.microsoft.com/office/drawing/2010/main" Requires="a14">
+      <mc:AlternateContent xmlns:mc="http://schemas.openxmlformats.org/markup-compatibility/2006" xmlns:a14="http://schemas.microsoft.com/office/drawing/2010/main">
+        <mc:Choice Requires="a14">
           <p:sp>
             <p:nvSpPr>
               <p:cNvPr id="11" name="TextBox 10">
@@ -28566,7 +28604,7 @@
             </p:txBody>
           </p:sp>
         </mc:Choice>
-        <mc:Fallback>
+        <mc:Fallback xmlns="">
           <p:sp>
             <p:nvSpPr>
               <p:cNvPr id="11" name="TextBox 10">
@@ -28611,8 +28649,8 @@
           </p:sp>
         </mc:Fallback>
       </mc:AlternateContent>
-      <mc:AlternateContent xmlns:mc="http://schemas.openxmlformats.org/markup-compatibility/2006">
-        <mc:Choice xmlns:a14="http://schemas.microsoft.com/office/drawing/2010/main" Requires="a14">
+      <mc:AlternateContent xmlns:mc="http://schemas.openxmlformats.org/markup-compatibility/2006" xmlns:a14="http://schemas.microsoft.com/office/drawing/2010/main">
+        <mc:Choice Requires="a14">
           <p:sp>
             <p:nvSpPr>
               <p:cNvPr id="12" name="TextBox 11">
@@ -28712,7 +28750,7 @@
             </p:txBody>
           </p:sp>
         </mc:Choice>
-        <mc:Fallback>
+        <mc:Fallback xmlns="">
           <p:sp>
             <p:nvSpPr>
               <p:cNvPr id="12" name="TextBox 11">

--- a/8. Graph Attention Networks.pptx
+++ b/8. Graph Attention Networks.pptx
@@ -252,7 +252,7 @@
           <a:p>
             <a:fld id="{1B6E2612-5213-4B6B-99A8-BAC5DC9C4481}" type="datetimeFigureOut">
               <a:rPr lang="en-US" smtClean="0"/>
-              <a:t>12/15/2020</a:t>
+              <a:t>12/19/2020</a:t>
             </a:fld>
             <a:endParaRPr lang="en-US"/>
           </a:p>
@@ -4551,7 +4551,7 @@
           <a:p>
             <a:fld id="{D454A11C-5A77-4A08-B879-6DBBFDBBDAFE}" type="datetime1">
               <a:rPr lang="en-US" smtClean="0"/>
-              <a:t>12/15/2020</a:t>
+              <a:t>12/19/2020</a:t>
             </a:fld>
             <a:endParaRPr lang="en-US"/>
           </a:p>
@@ -4840,7 +4840,7 @@
           <a:p>
             <a:fld id="{AC73922D-9081-40A6-8FBE-63670167AD98}" type="datetime1">
               <a:rPr lang="en-US" smtClean="0"/>
-              <a:t>12/15/2020</a:t>
+              <a:t>12/19/2020</a:t>
             </a:fld>
             <a:endParaRPr lang="en-US"/>
           </a:p>
@@ -5129,7 +5129,7 @@
           <a:p>
             <a:fld id="{EC26F5A0-C9D2-4F77-B347-D66BED85257B}" type="datetime1">
               <a:rPr lang="en-US" smtClean="0"/>
-              <a:t>12/15/2020</a:t>
+              <a:t>12/19/2020</a:t>
             </a:fld>
             <a:endParaRPr lang="en-US"/>
           </a:p>
@@ -5418,7 +5418,7 @@
           <a:p>
             <a:fld id="{2B6F2430-900B-4222-905F-EED32BFA1589}" type="datetime1">
               <a:rPr lang="en-US" smtClean="0"/>
-              <a:t>12/15/2020</a:t>
+              <a:t>12/19/2020</a:t>
             </a:fld>
             <a:endParaRPr lang="en-US"/>
           </a:p>
@@ -5655,7 +5655,7 @@
           <a:p>
             <a:fld id="{2CD130E0-640E-4C5D-8D16-DE7F41FBD753}" type="datetime1">
               <a:rPr lang="en-US" smtClean="0"/>
-              <a:t>12/15/2020</a:t>
+              <a:t>12/19/2020</a:t>
             </a:fld>
             <a:endParaRPr lang="en-US"/>
           </a:p>
@@ -6112,7 +6112,7 @@
           <a:p>
             <a:fld id="{627B7EA4-B0EA-4318-A076-3B69835E495A}" type="datetime1">
               <a:rPr lang="en-US" smtClean="0"/>
-              <a:t>12/15/2020</a:t>
+              <a:t>12/19/2020</a:t>
             </a:fld>
             <a:endParaRPr lang="en-US"/>
           </a:p>
@@ -6303,7 +6303,7 @@
           <a:p>
             <a:fld id="{7ED4FE29-361C-4DC2-A7C6-B5E089DF3A91}" type="datetime1">
               <a:rPr lang="en-US" smtClean="0"/>
-              <a:t>12/15/2020</a:t>
+              <a:t>12/19/2020</a:t>
             </a:fld>
             <a:endParaRPr lang="en-US"/>
           </a:p>
@@ -8676,7 +8676,7 @@
           <a:p>
             <a:fld id="{862788D6-C652-4921-A5E0-02F81E20745E}" type="datetime1">
               <a:rPr lang="en-US" smtClean="0"/>
-              <a:t>12/15/2020</a:t>
+              <a:t>12/19/2020</a:t>
             </a:fld>
             <a:endParaRPr lang="en-US"/>
           </a:p>
@@ -8926,7 +8926,7 @@
           <a:p>
             <a:fld id="{489C13DB-7338-4DF2-835C-1A17F38879EE}" type="datetime1">
               <a:rPr lang="en-US" smtClean="0"/>
-              <a:t>12/15/2020</a:t>
+              <a:t>12/19/2020</a:t>
             </a:fld>
             <a:endParaRPr lang="en-US"/>
           </a:p>
@@ -9312,7 +9312,7 @@
           <a:p>
             <a:fld id="{1182EF5F-566B-49EC-B494-C7B2A0F6EE3D}" type="datetime1">
               <a:rPr lang="en-US" smtClean="0"/>
-              <a:t>12/15/2020</a:t>
+              <a:t>12/19/2020</a:t>
             </a:fld>
             <a:endParaRPr lang="en-US"/>
           </a:p>
@@ -9572,7 +9572,7 @@
           <a:p>
             <a:fld id="{4F02E37B-40D6-4AF0-9DE8-D954394DFF71}" type="datetime1">
               <a:rPr lang="en-US" smtClean="0"/>
-              <a:t>12/15/2020</a:t>
+              <a:t>12/19/2020</a:t>
             </a:fld>
             <a:endParaRPr lang="en-US"/>
           </a:p>
@@ -20416,7 +20416,7 @@
         <p:spPr>
           <a:xfrm>
             <a:off x="478369" y="1021720"/>
-            <a:ext cx="11473384" cy="5514330"/>
+            <a:ext cx="11473384" cy="5860579"/>
           </a:xfrm>
         </p:spPr>
         <p:txBody>
@@ -20432,7 +20432,7 @@
               </a:spcAft>
             </a:pPr>
             <a:r>
-              <a:rPr lang="en-US" sz="1800" dirty="0">
+              <a:rPr lang="en-US" sz="1800" b="1" dirty="0">
                 <a:effectLst/>
                 <a:latin typeface="Calibri" panose="020F0502020204030204" pitchFamily="34" charset="0"/>
               </a:rPr>
@@ -20459,71 +20459,6 @@
             </a:r>
           </a:p>
           <a:p>
-            <a:pPr marL="0" marR="0">
-              <a:spcBef>
-                <a:spcPts val="0"/>
-              </a:spcBef>
-              <a:spcAft>
-                <a:spcPts val="0"/>
-              </a:spcAft>
-            </a:pPr>
-            <a:r>
-              <a:rPr lang="en-US" sz="1800" dirty="0">
-                <a:effectLst/>
-                <a:latin typeface="Calibri" panose="020F0502020204030204" pitchFamily="34" charset="0"/>
-              </a:rPr>
-              <a:t> </a:t>
-            </a:r>
-          </a:p>
-          <a:p>
-            <a:pPr marL="0" marR="0">
-              <a:spcBef>
-                <a:spcPts val="0"/>
-              </a:spcBef>
-              <a:spcAft>
-                <a:spcPts val="0"/>
-              </a:spcAft>
-            </a:pPr>
-            <a:r>
-              <a:rPr lang="en-US" sz="1800" dirty="0">
-                <a:effectLst/>
-                <a:latin typeface="Calibri" panose="020F0502020204030204" pitchFamily="34" charset="0"/>
-              </a:rPr>
-              <a:t>How it achieves it? It is Attention to the extreme</a:t>
-            </a:r>
-          </a:p>
-          <a:p>
-            <a:pPr marL="0" marR="0">
-              <a:spcBef>
-                <a:spcPts val="0"/>
-              </a:spcBef>
-              <a:spcAft>
-                <a:spcPts val="0"/>
-              </a:spcAft>
-            </a:pPr>
-            <a:r>
-              <a:rPr lang="en-US" sz="1800" dirty="0">
-                <a:effectLst/>
-                <a:latin typeface="Calibri" panose="020F0502020204030204" pitchFamily="34" charset="0"/>
-              </a:rPr>
-              <a:t>Examples of </a:t>
-            </a:r>
-            <a:r>
-              <a:rPr lang="en-US" sz="1800" dirty="0" err="1">
-                <a:effectLst/>
-                <a:latin typeface="Calibri" panose="020F0502020204030204" pitchFamily="34" charset="0"/>
-              </a:rPr>
-              <a:t>SotA</a:t>
-            </a:r>
-            <a:r>
-              <a:rPr lang="en-US" sz="1800" dirty="0">
-                <a:effectLst/>
-                <a:latin typeface="Calibri" panose="020F0502020204030204" pitchFamily="34" charset="0"/>
-              </a:rPr>
-              <a:t> in sequence-related tasks:</a:t>
-            </a:r>
-          </a:p>
-          <a:p>
             <a:pPr marL="285750" marR="0" indent="-285750">
               <a:spcBef>
                 <a:spcPts val="0"/>
@@ -20539,7 +20474,13 @@
                 <a:effectLst/>
                 <a:latin typeface="Calibri" panose="020F0502020204030204" pitchFamily="34" charset="0"/>
               </a:rPr>
-              <a:t>BERT</a:t>
+              <a:t>Ea</a:t>
+            </a:r>
+            <a:r>
+              <a:rPr lang="en-US" sz="1800" dirty="0">
+                <a:latin typeface="Calibri" panose="020F0502020204030204" pitchFamily="34" charset="0"/>
+              </a:rPr>
+              <a:t>sier to train than LSTMs (RNN) does not suffer from Gradient Vanishing or Explosion</a:t>
             </a:r>
           </a:p>
           <a:p>
@@ -20558,7 +20499,13 @@
                 <a:effectLst/>
                 <a:latin typeface="Calibri" panose="020F0502020204030204" pitchFamily="34" charset="0"/>
               </a:rPr>
-              <a:t>GPT, GPT2, GPT3</a:t>
+              <a:t>Transfer Learning works</a:t>
+            </a:r>
+            <a:r>
+              <a:rPr lang="en-US" sz="1800" dirty="0">
+                <a:latin typeface="Calibri" panose="020F0502020204030204" pitchFamily="34" charset="0"/>
+              </a:rPr>
+              <a:t> (pre-trained models can be fine-tune for new tasks)</a:t>
             </a:r>
           </a:p>
           <a:p>
@@ -20573,16 +20520,60 @@
               <a:buChar char="•"/>
             </a:pPr>
             <a:r>
+              <a:rPr lang="en-US" sz="1800" dirty="0">
+                <a:effectLst/>
+                <a:latin typeface="Calibri" panose="020F0502020204030204" pitchFamily="34" charset="0"/>
+              </a:rPr>
+              <a:t>Can be trained on unsupervised text</a:t>
+            </a:r>
+          </a:p>
+          <a:p>
+            <a:pPr marL="0" marR="0">
+              <a:spcBef>
+                <a:spcPts val="0"/>
+              </a:spcBef>
+              <a:spcAft>
+                <a:spcPts val="0"/>
+              </a:spcAft>
+            </a:pPr>
+            <a:r>
+              <a:rPr lang="en-US" sz="1800" b="1" dirty="0">
+                <a:effectLst/>
+                <a:latin typeface="Calibri" panose="020F0502020204030204" pitchFamily="34" charset="0"/>
+              </a:rPr>
+              <a:t>How it achieves it? It is Attention to the extreme</a:t>
+            </a:r>
+          </a:p>
+          <a:p>
+            <a:pPr marL="0" marR="0">
+              <a:spcBef>
+                <a:spcPts val="0"/>
+              </a:spcBef>
+              <a:spcAft>
+                <a:spcPts val="0"/>
+              </a:spcAft>
+            </a:pPr>
+            <a:r>
+              <a:rPr lang="en-US" sz="1800" dirty="0">
+                <a:effectLst/>
+                <a:latin typeface="Calibri" panose="020F0502020204030204" pitchFamily="34" charset="0"/>
+              </a:rPr>
+              <a:t>Examples of </a:t>
+            </a:r>
+            <a:r>
               <a:rPr lang="en-US" sz="1800" dirty="0" err="1">
                 <a:effectLst/>
                 <a:latin typeface="Calibri" panose="020F0502020204030204" pitchFamily="34" charset="0"/>
               </a:rPr>
-              <a:t>TranformerTransfo</a:t>
-            </a:r>
-            <a:endParaRPr lang="en-US" sz="1800" dirty="0">
-              <a:effectLst/>
-              <a:latin typeface="Calibri" panose="020F0502020204030204" pitchFamily="34" charset="0"/>
-            </a:endParaRPr>
+              <a:t>SotA</a:t>
+            </a:r>
+            <a:r>
+              <a:rPr lang="en-US" sz="1800" dirty="0">
+                <a:effectLst/>
+                <a:latin typeface="Calibri" panose="020F0502020204030204" pitchFamily="34" charset="0"/>
+              </a:rPr>
+              <a:t> in sequence-related tasks:</a:t>
+            </a:r>
           </a:p>
           <a:p>
             <a:pPr marL="285750" marR="0" indent="-285750">
@@ -20600,6 +20591,67 @@
                 <a:effectLst/>
                 <a:latin typeface="Calibri" panose="020F0502020204030204" pitchFamily="34" charset="0"/>
               </a:rPr>
+              <a:t>BERT</a:t>
+            </a:r>
+          </a:p>
+          <a:p>
+            <a:pPr marL="285750" marR="0" indent="-285750">
+              <a:spcBef>
+                <a:spcPts val="0"/>
+              </a:spcBef>
+              <a:spcAft>
+                <a:spcPts val="0"/>
+              </a:spcAft>
+              <a:buFont typeface="Arial" panose="020B0604020202020204" pitchFamily="34" charset="0"/>
+              <a:buChar char="•"/>
+            </a:pPr>
+            <a:r>
+              <a:rPr lang="en-US" sz="1800" dirty="0">
+                <a:effectLst/>
+                <a:latin typeface="Calibri" panose="020F0502020204030204" pitchFamily="34" charset="0"/>
+              </a:rPr>
+              <a:t>GPT, GPT2, GPT3</a:t>
+            </a:r>
+          </a:p>
+          <a:p>
+            <a:pPr marL="285750" marR="0" indent="-285750">
+              <a:spcBef>
+                <a:spcPts val="0"/>
+              </a:spcBef>
+              <a:spcAft>
+                <a:spcPts val="0"/>
+              </a:spcAft>
+              <a:buFont typeface="Arial" panose="020B0604020202020204" pitchFamily="34" charset="0"/>
+              <a:buChar char="•"/>
+            </a:pPr>
+            <a:r>
+              <a:rPr lang="en-US" sz="1800" dirty="0" err="1">
+                <a:effectLst/>
+                <a:latin typeface="Calibri" panose="020F0502020204030204" pitchFamily="34" charset="0"/>
+              </a:rPr>
+              <a:t>TranformerTransfo</a:t>
+            </a:r>
+            <a:endParaRPr lang="en-US" sz="1800" dirty="0">
+              <a:effectLst/>
+              <a:latin typeface="Calibri" panose="020F0502020204030204" pitchFamily="34" charset="0"/>
+            </a:endParaRPr>
+          </a:p>
+          <a:p>
+            <a:pPr marL="285750" marR="0" indent="-285750">
+              <a:spcBef>
+                <a:spcPts val="0"/>
+              </a:spcBef>
+              <a:spcAft>
+                <a:spcPts val="0"/>
+              </a:spcAft>
+              <a:buFont typeface="Arial" panose="020B0604020202020204" pitchFamily="34" charset="0"/>
+              <a:buChar char="•"/>
+            </a:pPr>
+            <a:r>
+              <a:rPr lang="en-US" sz="1800" dirty="0">
+                <a:effectLst/>
+                <a:latin typeface="Calibri" panose="020F0502020204030204" pitchFamily="34" charset="0"/>
+              </a:rPr>
               <a:t>Transformer-XL</a:t>
             </a:r>
           </a:p>
@@ -20613,24 +20665,7 @@
               </a:spcAft>
             </a:pPr>
             <a:r>
-              <a:rPr lang="en-US" sz="1800" dirty="0">
-                <a:effectLst/>
-                <a:latin typeface="Calibri" panose="020F0502020204030204" pitchFamily="34" charset="0"/>
-              </a:rPr>
-              <a:t> </a:t>
-            </a:r>
-          </a:p>
-          <a:p>
-            <a:pPr marL="0" marR="0">
-              <a:spcBef>
-                <a:spcPts val="0"/>
-              </a:spcBef>
-              <a:spcAft>
-                <a:spcPts val="0"/>
-              </a:spcAft>
-            </a:pPr>
-            <a:r>
-              <a:rPr lang="en-US" sz="1800" dirty="0">
+              <a:rPr lang="en-US" sz="1800" b="1" dirty="0">
                 <a:effectLst/>
                 <a:latin typeface="Calibri" panose="020F0502020204030204" pitchFamily="34" charset="0"/>
               </a:rPr>
